--- a/网页设计与制作/html元素.pptx
+++ b/网页设计与制作/html元素.pptx
@@ -30,6 +30,16 @@
     <p:sldId id="278" r:id="rId24"/>
     <p:sldId id="279" r:id="rId25"/>
     <p:sldId id="280" r:id="rId26"/>
+    <p:sldId id="281" r:id="rId27"/>
+    <p:sldId id="282" r:id="rId28"/>
+    <p:sldId id="283" r:id="rId29"/>
+    <p:sldId id="284" r:id="rId30"/>
+    <p:sldId id="290" r:id="rId31"/>
+    <p:sldId id="285" r:id="rId32"/>
+    <p:sldId id="286" r:id="rId33"/>
+    <p:sldId id="287" r:id="rId34"/>
+    <p:sldId id="288" r:id="rId35"/>
+    <p:sldId id="289" r:id="rId36"/>
   </p:sldIdLst>
   <p:sldSz cx="9144000" cy="6858000" type="screen4x3"/>
   <p:notesSz cx="6858000" cy="9144000"/>
@@ -312,7 +322,7 @@
           <a:p>
             <a:fld id="{530820CF-B880-4189-942D-D702A7CBA730}" type="datetimeFigureOut">
               <a:rPr lang="zh-CN" altLang="en-US" smtClean="0"/>
-              <a:t>2020/9/8</a:t>
+              <a:t>2020/9/13</a:t>
             </a:fld>
             <a:endParaRPr lang="zh-CN" altLang="en-US"/>
           </a:p>
@@ -477,7 +487,7 @@
           <a:p>
             <a:fld id="{530820CF-B880-4189-942D-D702A7CBA730}" type="datetimeFigureOut">
               <a:rPr lang="zh-CN" altLang="en-US" smtClean="0"/>
-              <a:t>2020/9/8</a:t>
+              <a:t>2020/9/13</a:t>
             </a:fld>
             <a:endParaRPr lang="zh-CN" altLang="en-US"/>
           </a:p>
@@ -652,7 +662,7 @@
           <a:p>
             <a:fld id="{530820CF-B880-4189-942D-D702A7CBA730}" type="datetimeFigureOut">
               <a:rPr lang="zh-CN" altLang="en-US" smtClean="0"/>
-              <a:t>2020/9/8</a:t>
+              <a:t>2020/9/13</a:t>
             </a:fld>
             <a:endParaRPr lang="zh-CN" altLang="en-US"/>
           </a:p>
@@ -817,7 +827,7 @@
           <a:p>
             <a:fld id="{530820CF-B880-4189-942D-D702A7CBA730}" type="datetimeFigureOut">
               <a:rPr lang="zh-CN" altLang="en-US" smtClean="0"/>
-              <a:t>2020/9/8</a:t>
+              <a:t>2020/9/13</a:t>
             </a:fld>
             <a:endParaRPr lang="zh-CN" altLang="en-US"/>
           </a:p>
@@ -1058,7 +1068,7 @@
           <a:p>
             <a:fld id="{530820CF-B880-4189-942D-D702A7CBA730}" type="datetimeFigureOut">
               <a:rPr lang="zh-CN" altLang="en-US" smtClean="0"/>
-              <a:t>2020/9/8</a:t>
+              <a:t>2020/9/13</a:t>
             </a:fld>
             <a:endParaRPr lang="zh-CN" altLang="en-US"/>
           </a:p>
@@ -1341,7 +1351,7 @@
           <a:p>
             <a:fld id="{530820CF-B880-4189-942D-D702A7CBA730}" type="datetimeFigureOut">
               <a:rPr lang="zh-CN" altLang="en-US" smtClean="0"/>
-              <a:t>2020/9/8</a:t>
+              <a:t>2020/9/13</a:t>
             </a:fld>
             <a:endParaRPr lang="zh-CN" altLang="en-US"/>
           </a:p>
@@ -1758,7 +1768,7 @@
           <a:p>
             <a:fld id="{530820CF-B880-4189-942D-D702A7CBA730}" type="datetimeFigureOut">
               <a:rPr lang="zh-CN" altLang="en-US" smtClean="0"/>
-              <a:t>2020/9/8</a:t>
+              <a:t>2020/9/13</a:t>
             </a:fld>
             <a:endParaRPr lang="zh-CN" altLang="en-US"/>
           </a:p>
@@ -1871,7 +1881,7 @@
           <a:p>
             <a:fld id="{530820CF-B880-4189-942D-D702A7CBA730}" type="datetimeFigureOut">
               <a:rPr lang="zh-CN" altLang="en-US" smtClean="0"/>
-              <a:t>2020/9/8</a:t>
+              <a:t>2020/9/13</a:t>
             </a:fld>
             <a:endParaRPr lang="zh-CN" altLang="en-US"/>
           </a:p>
@@ -1961,7 +1971,7 @@
           <a:p>
             <a:fld id="{530820CF-B880-4189-942D-D702A7CBA730}" type="datetimeFigureOut">
               <a:rPr lang="zh-CN" altLang="en-US" smtClean="0"/>
-              <a:t>2020/9/8</a:t>
+              <a:t>2020/9/13</a:t>
             </a:fld>
             <a:endParaRPr lang="zh-CN" altLang="en-US"/>
           </a:p>
@@ -2233,7 +2243,7 @@
           <a:p>
             <a:fld id="{530820CF-B880-4189-942D-D702A7CBA730}" type="datetimeFigureOut">
               <a:rPr lang="zh-CN" altLang="en-US" smtClean="0"/>
-              <a:t>2020/9/8</a:t>
+              <a:t>2020/9/13</a:t>
             </a:fld>
             <a:endParaRPr lang="zh-CN" altLang="en-US"/>
           </a:p>
@@ -2481,7 +2491,7 @@
           <a:p>
             <a:fld id="{530820CF-B880-4189-942D-D702A7CBA730}" type="datetimeFigureOut">
               <a:rPr lang="zh-CN" altLang="en-US" smtClean="0"/>
-              <a:t>2020/9/8</a:t>
+              <a:t>2020/9/13</a:t>
             </a:fld>
             <a:endParaRPr lang="zh-CN" altLang="en-US"/>
           </a:p>
@@ -2689,7 +2699,7 @@
           <a:p>
             <a:fld id="{530820CF-B880-4189-942D-D702A7CBA730}" type="datetimeFigureOut">
               <a:rPr lang="zh-CN" altLang="en-US" smtClean="0"/>
-              <a:t>2020/9/8</a:t>
+              <a:t>2020/9/13</a:t>
             </a:fld>
             <a:endParaRPr lang="zh-CN" altLang="en-US"/>
           </a:p>
@@ -3075,14 +3085,14 @@
           <a:lstStyle/>
           <a:p>
             <a:r>
-              <a:rPr lang="en-US" altLang="zh-CN" dirty="0" smtClean="0"/>
+              <a:rPr lang="en-US" altLang="zh-CN" smtClean="0"/>
               <a:t>Html</a:t>
             </a:r>
             <a:r>
-              <a:rPr lang="zh-CN" altLang="en-US" dirty="0" smtClean="0"/>
+              <a:rPr lang="zh-CN" altLang="en-US" smtClean="0"/>
               <a:t>元素</a:t>
             </a:r>
-            <a:endParaRPr lang="zh-CN" altLang="en-US" dirty="0"/>
+            <a:endParaRPr lang="zh-CN" altLang="en-US"/>
           </a:p>
         </p:txBody>
       </p:sp>
@@ -3151,22 +3161,22 @@
           <a:lstStyle/>
           <a:p>
             <a:r>
-              <a:rPr lang="en-US" altLang="zh-CN" dirty="0" smtClean="0"/>
+              <a:rPr lang="en-US" altLang="zh-CN" smtClean="0"/>
               <a:t>p</a:t>
             </a:r>
             <a:r>
-              <a:rPr lang="zh-CN" altLang="en-US" dirty="0" smtClean="0"/>
+              <a:rPr lang="zh-CN" altLang="en-US" smtClean="0"/>
               <a:t>元素和</a:t>
             </a:r>
             <a:r>
-              <a:rPr lang="en-US" altLang="zh-CN" dirty="0" err="1" smtClean="0"/>
+              <a:rPr lang="en-US" altLang="zh-CN" err="1" smtClean="0"/>
               <a:t>br</a:t>
             </a:r>
             <a:r>
-              <a:rPr lang="zh-CN" altLang="en-US" dirty="0" smtClean="0"/>
+              <a:rPr lang="zh-CN" altLang="en-US" smtClean="0"/>
               <a:t>元素</a:t>
             </a:r>
-            <a:endParaRPr lang="zh-CN" altLang="en-US" dirty="0"/>
+            <a:endParaRPr lang="zh-CN" altLang="en-US"/>
           </a:p>
         </p:txBody>
       </p:sp>
@@ -3186,33 +3196,33 @@
           <a:lstStyle/>
           <a:p>
             <a:r>
-              <a:rPr lang="en-US" altLang="zh-CN" dirty="0" smtClean="0"/>
+              <a:rPr lang="en-US" altLang="zh-CN" smtClean="0"/>
               <a:t>p</a:t>
             </a:r>
             <a:r>
-              <a:rPr lang="zh-CN" altLang="en-US" dirty="0" smtClean="0"/>
+              <a:rPr lang="zh-CN" altLang="en-US" smtClean="0"/>
               <a:t>元素表示</a:t>
             </a:r>
             <a:r>
-              <a:rPr lang="en-US" altLang="zh-CN" dirty="0" smtClean="0"/>
+              <a:rPr lang="en-US" altLang="zh-CN" smtClean="0"/>
               <a:t>HTML</a:t>
             </a:r>
             <a:r>
-              <a:rPr lang="zh-CN" altLang="en-US" dirty="0" smtClean="0"/>
+              <a:rPr lang="zh-CN" altLang="en-US" smtClean="0"/>
               <a:t>中的段落。</a:t>
             </a:r>
-            <a:endParaRPr lang="en-US" altLang="zh-CN" dirty="0" smtClean="0"/>
-          </a:p>
-          <a:p>
-            <a:r>
-              <a:rPr lang="en-US" altLang="zh-CN" dirty="0" err="1" smtClean="0"/>
+            <a:endParaRPr lang="en-US" altLang="zh-CN" smtClean="0"/>
+          </a:p>
+          <a:p>
+            <a:r>
+              <a:rPr lang="en-US" altLang="zh-CN" err="1" smtClean="0"/>
               <a:t>br</a:t>
             </a:r>
             <a:r>
-              <a:rPr lang="zh-CN" altLang="en-US" dirty="0" smtClean="0"/>
+              <a:rPr lang="zh-CN" altLang="en-US" smtClean="0"/>
               <a:t>元素，作用为换行。</a:t>
             </a:r>
-            <a:endParaRPr lang="zh-CN" altLang="en-US" dirty="0"/>
+            <a:endParaRPr lang="zh-CN" altLang="en-US"/>
           </a:p>
         </p:txBody>
       </p:sp>
@@ -3262,22 +3272,22 @@
           <a:lstStyle/>
           <a:p>
             <a:r>
-              <a:rPr lang="en-US" altLang="zh-CN" dirty="0" err="1" smtClean="0"/>
+              <a:rPr lang="en-US" altLang="zh-CN" err="1" smtClean="0"/>
               <a:t>ul</a:t>
             </a:r>
             <a:r>
-              <a:rPr lang="zh-CN" altLang="en-US" dirty="0" smtClean="0"/>
+              <a:rPr lang="zh-CN" altLang="en-US" smtClean="0"/>
               <a:t>元素与</a:t>
             </a:r>
             <a:r>
-              <a:rPr lang="en-US" altLang="zh-CN" dirty="0" smtClean="0"/>
+              <a:rPr lang="en-US" altLang="zh-CN" smtClean="0"/>
               <a:t>li</a:t>
             </a:r>
             <a:r>
-              <a:rPr lang="zh-CN" altLang="en-US" dirty="0" smtClean="0"/>
+              <a:rPr lang="zh-CN" altLang="en-US" smtClean="0"/>
               <a:t>元素</a:t>
             </a:r>
-            <a:endParaRPr lang="zh-CN" altLang="en-US" dirty="0"/>
+            <a:endParaRPr lang="zh-CN" altLang="en-US"/>
           </a:p>
         </p:txBody>
       </p:sp>
@@ -3297,48 +3307,48 @@
           <a:lstStyle/>
           <a:p>
             <a:r>
-              <a:rPr lang="en-US" altLang="zh-CN" dirty="0" err="1" smtClean="0"/>
+              <a:rPr lang="en-US" altLang="zh-CN" err="1" smtClean="0"/>
               <a:t>ul</a:t>
             </a:r>
             <a:r>
-              <a:rPr lang="zh-CN" altLang="en-US" dirty="0" smtClean="0"/>
+              <a:rPr lang="zh-CN" altLang="en-US" smtClean="0"/>
               <a:t>元素语义为无序列表</a:t>
             </a:r>
-            <a:endParaRPr lang="en-US" altLang="zh-CN" dirty="0" smtClean="0"/>
-          </a:p>
-          <a:p>
-            <a:r>
-              <a:rPr lang="en-US" altLang="zh-CN" dirty="0" smtClean="0"/>
+            <a:endParaRPr lang="en-US" altLang="zh-CN" smtClean="0"/>
+          </a:p>
+          <a:p>
+            <a:r>
+              <a:rPr lang="en-US" altLang="zh-CN" smtClean="0"/>
               <a:t>li</a:t>
             </a:r>
             <a:r>
-              <a:rPr lang="zh-CN" altLang="en-US" dirty="0" smtClean="0"/>
+              <a:rPr lang="zh-CN" altLang="en-US" smtClean="0"/>
               <a:t>元素只有一个用法，作为</a:t>
             </a:r>
             <a:r>
-              <a:rPr lang="en-US" altLang="zh-CN" dirty="0" err="1" smtClean="0"/>
+              <a:rPr lang="en-US" altLang="zh-CN" err="1" smtClean="0"/>
               <a:t>ul</a:t>
             </a:r>
             <a:r>
-              <a:rPr lang="zh-CN" altLang="en-US" dirty="0" smtClean="0"/>
+              <a:rPr lang="zh-CN" altLang="en-US" smtClean="0"/>
               <a:t>元素的子元素，成一个列表中的一项</a:t>
             </a:r>
-            <a:endParaRPr lang="en-US" altLang="zh-CN" dirty="0" smtClean="0"/>
+            <a:endParaRPr lang="en-US" altLang="zh-CN" smtClean="0"/>
           </a:p>
           <a:p>
             <a:pPr marL="0" indent="0">
               <a:buNone/>
             </a:pPr>
             <a:r>
-              <a:rPr lang="en-US" altLang="zh-CN" dirty="0" smtClean="0"/>
+              <a:rPr lang="en-US" altLang="zh-CN" smtClean="0"/>
               <a:t>&lt;</a:t>
             </a:r>
             <a:r>
-              <a:rPr lang="en-US" altLang="zh-CN" dirty="0" err="1" smtClean="0"/>
+              <a:rPr lang="en-US" altLang="zh-CN" err="1" smtClean="0"/>
               <a:t>ul</a:t>
             </a:r>
             <a:r>
-              <a:rPr lang="en-US" altLang="zh-CN" dirty="0" smtClean="0"/>
+              <a:rPr lang="en-US" altLang="zh-CN" smtClean="0"/>
               <a:t>&gt;</a:t>
             </a:r>
           </a:p>
@@ -3347,15 +3357,15 @@
               <a:buNone/>
             </a:pPr>
             <a:r>
-              <a:rPr lang="en-US" altLang="zh-CN" dirty="0" smtClean="0"/>
+              <a:rPr lang="en-US" altLang="zh-CN" smtClean="0"/>
               <a:t>	&lt;li&gt;</a:t>
             </a:r>
             <a:r>
-              <a:rPr lang="zh-CN" altLang="en-US" dirty="0" smtClean="0"/>
+              <a:rPr lang="zh-CN" altLang="en-US" smtClean="0"/>
               <a:t>第一项</a:t>
             </a:r>
             <a:r>
-              <a:rPr lang="en-US" altLang="zh-CN" dirty="0" smtClean="0"/>
+              <a:rPr lang="en-US" altLang="zh-CN" smtClean="0"/>
               <a:t>&lt;/li&gt;</a:t>
             </a:r>
           </a:p>
@@ -3364,15 +3374,15 @@
               <a:buNone/>
             </a:pPr>
             <a:r>
-              <a:rPr lang="en-US" altLang="zh-CN" dirty="0" smtClean="0"/>
+              <a:rPr lang="en-US" altLang="zh-CN" smtClean="0"/>
               <a:t>	&lt;li&gt;</a:t>
             </a:r>
             <a:r>
-              <a:rPr lang="zh-CN" altLang="en-US" dirty="0" smtClean="0"/>
+              <a:rPr lang="zh-CN" altLang="en-US" smtClean="0"/>
               <a:t>第二项</a:t>
             </a:r>
             <a:r>
-              <a:rPr lang="en-US" altLang="zh-CN" dirty="0" smtClean="0"/>
+              <a:rPr lang="en-US" altLang="zh-CN" smtClean="0"/>
               <a:t>&lt;/li&gt;</a:t>
             </a:r>
           </a:p>
@@ -3381,15 +3391,15 @@
               <a:buNone/>
             </a:pPr>
             <a:r>
-              <a:rPr lang="en-US" altLang="zh-CN" dirty="0" smtClean="0"/>
+              <a:rPr lang="en-US" altLang="zh-CN" smtClean="0"/>
               <a:t>&lt;/</a:t>
             </a:r>
             <a:r>
-              <a:rPr lang="en-US" altLang="zh-CN" dirty="0" err="1" smtClean="0"/>
+              <a:rPr lang="en-US" altLang="zh-CN" err="1" smtClean="0"/>
               <a:t>ul</a:t>
             </a:r>
             <a:r>
-              <a:rPr lang="en-US" altLang="zh-CN" dirty="0" smtClean="0"/>
+              <a:rPr lang="en-US" altLang="zh-CN" smtClean="0"/>
               <a:t>&gt;</a:t>
             </a:r>
           </a:p>
@@ -3441,10 +3451,10 @@
           <a:lstStyle/>
           <a:p>
             <a:r>
-              <a:rPr lang="zh-CN" altLang="en-US" dirty="0" smtClean="0"/>
+              <a:rPr lang="zh-CN" altLang="en-US" smtClean="0"/>
               <a:t>元素属性</a:t>
             </a:r>
-            <a:endParaRPr lang="zh-CN" altLang="en-US" dirty="0"/>
+            <a:endParaRPr lang="zh-CN" altLang="en-US"/>
           </a:p>
         </p:txBody>
       </p:sp>
@@ -3466,68 +3476,68 @@
           <a:lstStyle/>
           <a:p>
             <a:r>
-              <a:rPr lang="zh-CN" altLang="en-US" dirty="0" smtClean="0"/>
+              <a:rPr lang="zh-CN" altLang="en-US" smtClean="0"/>
               <a:t>元素可以用属性进行配置。</a:t>
             </a:r>
-            <a:endParaRPr lang="en-US" altLang="zh-CN" dirty="0" smtClean="0"/>
-          </a:p>
-          <a:p>
-            <a:r>
-              <a:rPr lang="zh-CN" altLang="en-US" dirty="0" smtClean="0"/>
+            <a:endParaRPr lang="en-US" altLang="zh-CN" smtClean="0"/>
+          </a:p>
+          <a:p>
+            <a:r>
+              <a:rPr lang="zh-CN" altLang="en-US" smtClean="0"/>
               <a:t>属性只能用在开始标签或单个标签上。</a:t>
             </a:r>
-            <a:endParaRPr lang="en-US" altLang="zh-CN" dirty="0" smtClean="0"/>
-          </a:p>
-          <a:p>
-            <a:r>
-              <a:rPr lang="zh-CN" altLang="en-US" dirty="0" smtClean="0"/>
+            <a:endParaRPr lang="en-US" altLang="zh-CN" smtClean="0"/>
+          </a:p>
+          <a:p>
+            <a:r>
+              <a:rPr lang="zh-CN" altLang="en-US" smtClean="0"/>
               <a:t>例如：</a:t>
             </a:r>
-            <a:endParaRPr lang="en-US" altLang="zh-CN" dirty="0" smtClean="0"/>
+            <a:endParaRPr lang="en-US" altLang="zh-CN" smtClean="0"/>
           </a:p>
           <a:p>
             <a:pPr marL="0" indent="0">
               <a:buNone/>
             </a:pPr>
             <a:r>
-              <a:rPr lang="en-US" altLang="zh-CN" dirty="0" smtClean="0"/>
+              <a:rPr lang="en-US" altLang="zh-CN" smtClean="0"/>
               <a:t>&lt;a </a:t>
             </a:r>
             <a:r>
-              <a:rPr lang="en-US" altLang="zh-CN" dirty="0" err="1" smtClean="0"/>
+              <a:rPr lang="en-US" altLang="zh-CN" err="1" smtClean="0"/>
               <a:t>href</a:t>
             </a:r>
             <a:r>
-              <a:rPr lang="en-US" altLang="zh-CN" dirty="0" smtClean="0"/>
+              <a:rPr lang="en-US" altLang="zh-CN" smtClean="0"/>
               <a:t>=“http://www.baidu.com”&gt;</a:t>
             </a:r>
             <a:r>
-              <a:rPr lang="zh-CN" altLang="en-US" dirty="0" smtClean="0"/>
+              <a:rPr lang="zh-CN" altLang="en-US" smtClean="0"/>
               <a:t>百度</a:t>
             </a:r>
             <a:r>
-              <a:rPr lang="en-US" altLang="zh-CN" dirty="0" smtClean="0"/>
+              <a:rPr lang="en-US" altLang="zh-CN" smtClean="0"/>
               <a:t>&lt;/a&gt;</a:t>
             </a:r>
           </a:p>
           <a:p>
             <a:r>
-              <a:rPr lang="zh-CN" altLang="en-US" dirty="0"/>
+              <a:rPr lang="zh-CN" altLang="en-US"/>
               <a:t>一</a:t>
             </a:r>
             <a:r>
-              <a:rPr lang="zh-CN" altLang="en-US" dirty="0" smtClean="0"/>
+              <a:rPr lang="zh-CN" altLang="en-US" smtClean="0"/>
               <a:t>个元素可以有多个属性，多个属性间用一个空格或多个空格隔开</a:t>
             </a:r>
-            <a:endParaRPr lang="en-US" altLang="zh-CN" dirty="0" smtClean="0"/>
-          </a:p>
-          <a:p>
-            <a:r>
-              <a:rPr lang="zh-CN" altLang="en-US" dirty="0" smtClean="0"/>
+            <a:endParaRPr lang="en-US" altLang="zh-CN" smtClean="0"/>
+          </a:p>
+          <a:p>
+            <a:r>
+              <a:rPr lang="zh-CN" altLang="en-US" smtClean="0"/>
               <a:t>例如</a:t>
             </a:r>
             <a:r>
-              <a:rPr lang="en-US" altLang="zh-CN" dirty="0" smtClean="0"/>
+              <a:rPr lang="en-US" altLang="zh-CN" smtClean="0"/>
               <a:t>:</a:t>
             </a:r>
           </a:p>
@@ -3536,44 +3546,44 @@
               <a:buNone/>
             </a:pPr>
             <a:r>
-              <a:rPr lang="en-US" altLang="zh-CN" dirty="0"/>
+              <a:rPr lang="en-US" altLang="zh-CN"/>
               <a:t>&lt;a </a:t>
             </a:r>
             <a:r>
-              <a:rPr lang="en-US" altLang="zh-CN" dirty="0" err="1" smtClean="0"/>
+              <a:rPr lang="en-US" altLang="zh-CN" err="1" smtClean="0"/>
               <a:t>href</a:t>
             </a:r>
             <a:r>
-              <a:rPr lang="en-US" altLang="zh-CN" dirty="0" smtClean="0"/>
+              <a:rPr lang="en-US" altLang="zh-CN" smtClean="0"/>
               <a:t>=“http</a:t>
             </a:r>
             <a:r>
-              <a:rPr lang="en-US" altLang="zh-CN" dirty="0"/>
+              <a:rPr lang="en-US" altLang="zh-CN"/>
               <a:t>://</a:t>
             </a:r>
             <a:r>
-              <a:rPr lang="en-US" altLang="zh-CN" dirty="0" smtClean="0"/>
+              <a:rPr lang="en-US" altLang="zh-CN" smtClean="0"/>
               <a:t>www.baidu.com” title=“</a:t>
             </a:r>
             <a:r>
-              <a:rPr lang="zh-CN" altLang="en-US" dirty="0" smtClean="0"/>
+              <a:rPr lang="zh-CN" altLang="en-US" smtClean="0"/>
               <a:t>链接到百度</a:t>
             </a:r>
             <a:r>
-              <a:rPr lang="en-US" altLang="zh-CN" dirty="0" smtClean="0"/>
+              <a:rPr lang="en-US" altLang="zh-CN" smtClean="0"/>
               <a:t>”&gt;</a:t>
             </a:r>
             <a:r>
-              <a:rPr lang="zh-CN" altLang="en-US" dirty="0"/>
+              <a:rPr lang="zh-CN" altLang="en-US"/>
               <a:t>百度</a:t>
             </a:r>
             <a:r>
-              <a:rPr lang="en-US" altLang="zh-CN" dirty="0"/>
+              <a:rPr lang="en-US" altLang="zh-CN"/>
               <a:t>&lt;/a&gt;</a:t>
             </a:r>
           </a:p>
           <a:p>
-            <a:endParaRPr lang="zh-CN" altLang="en-US" dirty="0"/>
+            <a:endParaRPr lang="zh-CN" altLang="en-US"/>
           </a:p>
         </p:txBody>
       </p:sp>
@@ -3622,7 +3632,7 @@
           <a:bodyPr/>
           <a:lstStyle/>
           <a:p>
-            <a:endParaRPr lang="zh-CN" altLang="en-US" dirty="0"/>
+            <a:endParaRPr lang="zh-CN" altLang="en-US"/>
           </a:p>
         </p:txBody>
       </p:sp>
@@ -3642,87 +3652,87 @@
           <a:lstStyle/>
           <a:p>
             <a:r>
-              <a:rPr lang="zh-CN" altLang="en-US" dirty="0" smtClean="0"/>
+              <a:rPr lang="zh-CN" altLang="en-US" smtClean="0"/>
               <a:t>有一些属性可以用在所有的</a:t>
             </a:r>
             <a:r>
-              <a:rPr lang="en-US" altLang="zh-CN" dirty="0" smtClean="0"/>
+              <a:rPr lang="en-US" altLang="zh-CN" smtClean="0"/>
               <a:t>html</a:t>
             </a:r>
             <a:r>
-              <a:rPr lang="zh-CN" altLang="en-US" dirty="0" smtClean="0"/>
+              <a:rPr lang="zh-CN" altLang="en-US" smtClean="0"/>
               <a:t>元素上，称为全局属性。</a:t>
             </a:r>
-            <a:endParaRPr lang="en-US" altLang="zh-CN" dirty="0" smtClean="0"/>
-          </a:p>
-          <a:p>
-            <a:r>
-              <a:rPr lang="zh-CN" altLang="en-US" dirty="0" smtClean="0"/>
+            <a:endParaRPr lang="en-US" altLang="zh-CN" smtClean="0"/>
+          </a:p>
+          <a:p>
+            <a:r>
+              <a:rPr lang="zh-CN" altLang="en-US" smtClean="0"/>
               <a:t>例如：</a:t>
             </a:r>
             <a:r>
-              <a:rPr lang="en-US" altLang="zh-CN" dirty="0" smtClean="0"/>
+              <a:rPr lang="en-US" altLang="zh-CN" smtClean="0"/>
               <a:t>class</a:t>
             </a:r>
             <a:r>
-              <a:rPr lang="zh-CN" altLang="en-US" dirty="0" smtClean="0"/>
+              <a:rPr lang="zh-CN" altLang="en-US" smtClean="0"/>
               <a:t>、</a:t>
             </a:r>
             <a:r>
-              <a:rPr lang="en-US" altLang="zh-CN" dirty="0" smtClean="0"/>
+              <a:rPr lang="en-US" altLang="zh-CN" smtClean="0"/>
               <a:t>id</a:t>
             </a:r>
             <a:r>
-              <a:rPr lang="zh-CN" altLang="en-US" dirty="0" smtClean="0"/>
+              <a:rPr lang="zh-CN" altLang="en-US" smtClean="0"/>
               <a:t>、</a:t>
             </a:r>
             <a:r>
-              <a:rPr lang="en-US" altLang="zh-CN" dirty="0" smtClean="0"/>
+              <a:rPr lang="en-US" altLang="zh-CN" smtClean="0"/>
               <a:t>hidden</a:t>
             </a:r>
             <a:r>
-              <a:rPr lang="zh-CN" altLang="en-US" dirty="0" smtClean="0"/>
+              <a:rPr lang="zh-CN" altLang="en-US" smtClean="0"/>
               <a:t>、</a:t>
             </a:r>
             <a:r>
-              <a:rPr lang="en-US" altLang="zh-CN" dirty="0" smtClean="0"/>
+              <a:rPr lang="en-US" altLang="zh-CN" smtClean="0"/>
               <a:t>title</a:t>
             </a:r>
             <a:r>
-              <a:rPr lang="zh-CN" altLang="en-US" dirty="0" smtClean="0"/>
+              <a:rPr lang="zh-CN" altLang="en-US" smtClean="0"/>
               <a:t>等</a:t>
             </a:r>
-            <a:endParaRPr lang="en-US" altLang="zh-CN" dirty="0" smtClean="0"/>
-          </a:p>
-          <a:p>
-            <a:r>
-              <a:rPr lang="zh-CN" altLang="en-US" dirty="0" smtClean="0"/>
+            <a:endParaRPr lang="en-US" altLang="zh-CN" smtClean="0"/>
+          </a:p>
+          <a:p>
+            <a:r>
+              <a:rPr lang="zh-CN" altLang="en-US" smtClean="0"/>
               <a:t>有一些属性是某个元素专有的，叫做专有属性。</a:t>
             </a:r>
-            <a:endParaRPr lang="en-US" altLang="zh-CN" dirty="0" smtClean="0"/>
-          </a:p>
-          <a:p>
-            <a:r>
-              <a:rPr lang="zh-CN" altLang="en-US" dirty="0" smtClean="0"/>
+            <a:endParaRPr lang="en-US" altLang="zh-CN" smtClean="0"/>
+          </a:p>
+          <a:p>
+            <a:r>
+              <a:rPr lang="zh-CN" altLang="en-US" smtClean="0"/>
               <a:t>例如：</a:t>
             </a:r>
             <a:r>
-              <a:rPr lang="en-US" altLang="zh-CN" dirty="0" err="1" smtClean="0"/>
+              <a:rPr lang="en-US" altLang="zh-CN" err="1" smtClean="0"/>
               <a:t>href</a:t>
             </a:r>
             <a:r>
-              <a:rPr lang="zh-CN" altLang="en-US" dirty="0" smtClean="0"/>
+              <a:rPr lang="zh-CN" altLang="en-US" smtClean="0"/>
               <a:t>是</a:t>
             </a:r>
             <a:r>
-              <a:rPr lang="en-US" altLang="zh-CN" dirty="0" smtClean="0"/>
+              <a:rPr lang="en-US" altLang="zh-CN" smtClean="0"/>
               <a:t>a</a:t>
             </a:r>
             <a:r>
-              <a:rPr lang="zh-CN" altLang="en-US" dirty="0" smtClean="0"/>
+              <a:rPr lang="zh-CN" altLang="en-US" smtClean="0"/>
               <a:t>元素专有的属性。</a:t>
             </a:r>
-            <a:endParaRPr lang="zh-CN" altLang="en-US" dirty="0"/>
+            <a:endParaRPr lang="zh-CN" altLang="en-US"/>
           </a:p>
         </p:txBody>
       </p:sp>
@@ -3772,14 +3782,14 @@
           <a:lstStyle/>
           <a:p>
             <a:r>
-              <a:rPr lang="en-US" altLang="zh-CN" dirty="0" smtClean="0"/>
+              <a:rPr lang="en-US" altLang="zh-CN" smtClean="0"/>
               <a:t>title</a:t>
             </a:r>
             <a:r>
-              <a:rPr lang="zh-CN" altLang="en-US" dirty="0" smtClean="0"/>
+              <a:rPr lang="zh-CN" altLang="en-US" smtClean="0"/>
               <a:t>属性</a:t>
             </a:r>
-            <a:endParaRPr lang="zh-CN" altLang="en-US" dirty="0"/>
+            <a:endParaRPr lang="zh-CN" altLang="en-US"/>
           </a:p>
         </p:txBody>
       </p:sp>
@@ -3802,22 +3812,22 @@
               <a:buNone/>
             </a:pPr>
             <a:r>
-              <a:rPr lang="en-US" altLang="zh-CN" dirty="0" smtClean="0"/>
+              <a:rPr lang="en-US" altLang="zh-CN" smtClean="0"/>
               <a:t>title</a:t>
             </a:r>
             <a:r>
-              <a:rPr lang="zh-CN" altLang="en-US" dirty="0" smtClean="0"/>
+              <a:rPr lang="zh-CN" altLang="en-US" smtClean="0"/>
               <a:t>属性，值为字符串，当鼠标指向此元素时，会显示</a:t>
             </a:r>
             <a:r>
-              <a:rPr lang="en-US" altLang="zh-CN" dirty="0" smtClean="0"/>
+              <a:rPr lang="en-US" altLang="zh-CN" smtClean="0"/>
               <a:t>title</a:t>
             </a:r>
             <a:r>
-              <a:rPr lang="zh-CN" altLang="en-US" dirty="0" smtClean="0"/>
+              <a:rPr lang="zh-CN" altLang="en-US" smtClean="0"/>
               <a:t>的值</a:t>
             </a:r>
-            <a:endParaRPr lang="zh-CN" altLang="en-US" dirty="0"/>
+            <a:endParaRPr lang="zh-CN" altLang="en-US"/>
           </a:p>
         </p:txBody>
       </p:sp>
@@ -3867,10 +3877,10 @@
           <a:lstStyle/>
           <a:p>
             <a:r>
-              <a:rPr lang="zh-CN" altLang="en-US" dirty="0" smtClean="0"/>
+              <a:rPr lang="zh-CN" altLang="en-US" smtClean="0"/>
               <a:t>元数据</a:t>
             </a:r>
-            <a:endParaRPr lang="zh-CN" altLang="en-US" dirty="0"/>
+            <a:endParaRPr lang="zh-CN" altLang="en-US"/>
           </a:p>
         </p:txBody>
       </p:sp>
@@ -3890,39 +3900,39 @@
           <a:lstStyle/>
           <a:p>
             <a:r>
-              <a:rPr lang="zh-CN" altLang="en-US" dirty="0" smtClean="0"/>
+              <a:rPr lang="zh-CN" altLang="en-US" smtClean="0"/>
               <a:t>元数据元素都放在</a:t>
             </a:r>
             <a:r>
-              <a:rPr lang="en-US" altLang="zh-CN" dirty="0" smtClean="0"/>
+              <a:rPr lang="en-US" altLang="zh-CN" smtClean="0"/>
               <a:t>head</a:t>
             </a:r>
             <a:r>
-              <a:rPr lang="zh-CN" altLang="en-US" dirty="0" smtClean="0"/>
+              <a:rPr lang="zh-CN" altLang="en-US" smtClean="0"/>
               <a:t>元素中，用来提供</a:t>
             </a:r>
             <a:r>
-              <a:rPr lang="en-US" altLang="zh-CN" dirty="0" smtClean="0"/>
+              <a:rPr lang="en-US" altLang="zh-CN" smtClean="0"/>
               <a:t>HMTL</a:t>
             </a:r>
             <a:r>
-              <a:rPr lang="zh-CN" altLang="en-US" dirty="0" smtClean="0"/>
+              <a:rPr lang="zh-CN" altLang="en-US" smtClean="0"/>
               <a:t>文档的信息。</a:t>
             </a:r>
-            <a:endParaRPr lang="en-US" altLang="zh-CN" dirty="0" smtClean="0"/>
-          </a:p>
-          <a:p>
-            <a:r>
-              <a:rPr lang="zh-CN" altLang="en-US" dirty="0" smtClean="0"/>
+            <a:endParaRPr lang="en-US" altLang="zh-CN" smtClean="0"/>
+          </a:p>
+          <a:p>
+            <a:r>
+              <a:rPr lang="zh-CN" altLang="en-US" smtClean="0"/>
               <a:t>元数据本生不是文档的内容。</a:t>
             </a:r>
-            <a:endParaRPr lang="en-US" altLang="zh-CN" dirty="0" smtClean="0"/>
+            <a:endParaRPr lang="en-US" altLang="zh-CN" smtClean="0"/>
           </a:p>
           <a:p>
             <a:pPr marL="0" indent="0">
               <a:buNone/>
             </a:pPr>
-            <a:endParaRPr lang="zh-CN" altLang="en-US" dirty="0"/>
+            <a:endParaRPr lang="zh-CN" altLang="en-US"/>
           </a:p>
         </p:txBody>
       </p:sp>
@@ -3972,11 +3982,11 @@
           <a:lstStyle/>
           <a:p>
             <a:r>
-              <a:rPr lang="en-US" altLang="zh-CN" dirty="0" smtClean="0"/>
+              <a:rPr lang="en-US" altLang="zh-CN" smtClean="0"/>
               <a:t>title</a:t>
             </a:r>
             <a:r>
-              <a:rPr lang="zh-CN" altLang="en-US" dirty="0"/>
+              <a:rPr lang="zh-CN" altLang="en-US"/>
               <a:t>元素</a:t>
             </a:r>
           </a:p>
@@ -4000,29 +4010,29 @@
           <a:lstStyle/>
           <a:p>
             <a:r>
-              <a:rPr lang="en-US" altLang="zh-CN" dirty="0" smtClean="0"/>
+              <a:rPr lang="en-US" altLang="zh-CN" smtClean="0"/>
               <a:t>title</a:t>
             </a:r>
             <a:r>
-              <a:rPr lang="zh-CN" altLang="en-US" dirty="0" smtClean="0"/>
+              <a:rPr lang="zh-CN" altLang="en-US" smtClean="0"/>
               <a:t>元素的作用时设置文档的标题或名称。</a:t>
             </a:r>
-            <a:endParaRPr lang="en-US" altLang="zh-CN" dirty="0" smtClean="0"/>
+            <a:endParaRPr lang="en-US" altLang="zh-CN" smtClean="0"/>
           </a:p>
           <a:p>
             <a:pPr marL="0" indent="0">
               <a:buNone/>
             </a:pPr>
             <a:r>
-              <a:rPr lang="en-US" altLang="zh-CN" dirty="0"/>
+              <a:rPr lang="en-US" altLang="zh-CN"/>
               <a:t>&lt;!</a:t>
             </a:r>
             <a:r>
-              <a:rPr lang="en-US" altLang="zh-CN" dirty="0" err="1"/>
+              <a:rPr lang="en-US" altLang="zh-CN" err="1"/>
               <a:t>doctype</a:t>
             </a:r>
             <a:r>
-              <a:rPr lang="en-US" altLang="zh-CN" dirty="0"/>
+              <a:rPr lang="en-US" altLang="zh-CN"/>
               <a:t> html&gt;</a:t>
             </a:r>
           </a:p>
@@ -4031,7 +4041,7 @@
               <a:buNone/>
             </a:pPr>
             <a:r>
-              <a:rPr lang="en-US" altLang="zh-CN" dirty="0"/>
+              <a:rPr lang="en-US" altLang="zh-CN"/>
               <a:t>&lt;html&gt;</a:t>
             </a:r>
           </a:p>
@@ -4040,7 +4050,7 @@
               <a:buNone/>
             </a:pPr>
             <a:r>
-              <a:rPr lang="en-US" altLang="zh-CN" dirty="0"/>
+              <a:rPr lang="en-US" altLang="zh-CN"/>
               <a:t>	&lt;head&gt;</a:t>
             </a:r>
           </a:p>
@@ -4049,29 +4059,29 @@
               <a:buNone/>
             </a:pPr>
             <a:r>
-              <a:rPr lang="en-US" altLang="zh-CN" dirty="0"/>
+              <a:rPr lang="en-US" altLang="zh-CN"/>
               <a:t>		</a:t>
             </a:r>
             <a:r>
-              <a:rPr lang="en-US" altLang="zh-CN" b="1" dirty="0" smtClean="0"/>
+              <a:rPr lang="en-US" altLang="zh-CN" b="1" smtClean="0"/>
               <a:t>&lt;title&gt;</a:t>
             </a:r>
             <a:r>
-              <a:rPr lang="zh-CN" altLang="en-US" b="1" dirty="0" smtClean="0"/>
+              <a:rPr lang="zh-CN" altLang="en-US" b="1" smtClean="0"/>
               <a:t>文档标题</a:t>
             </a:r>
             <a:r>
-              <a:rPr lang="en-US" altLang="zh-CN" b="1" dirty="0" smtClean="0"/>
+              <a:rPr lang="en-US" altLang="zh-CN" b="1" smtClean="0"/>
               <a:t>&lt;/title&gt;</a:t>
             </a:r>
-            <a:endParaRPr lang="en-US" altLang="zh-CN" b="1" dirty="0"/>
+            <a:endParaRPr lang="en-US" altLang="zh-CN" b="1"/>
           </a:p>
           <a:p>
             <a:pPr marL="0" indent="0">
               <a:buNone/>
             </a:pPr>
             <a:r>
-              <a:rPr lang="en-US" altLang="zh-CN" dirty="0"/>
+              <a:rPr lang="en-US" altLang="zh-CN"/>
               <a:t>	&lt;/head&gt;</a:t>
             </a:r>
           </a:p>
@@ -4080,7 +4090,7 @@
               <a:buNone/>
             </a:pPr>
             <a:r>
-              <a:rPr lang="en-US" altLang="zh-CN" dirty="0"/>
+              <a:rPr lang="en-US" altLang="zh-CN"/>
               <a:t>	&lt;body&gt;</a:t>
             </a:r>
           </a:p>
@@ -4089,15 +4099,15 @@
               <a:buNone/>
             </a:pPr>
             <a:r>
-              <a:rPr lang="en-US" altLang="zh-CN" dirty="0"/>
+              <a:rPr lang="en-US" altLang="zh-CN"/>
               <a:t>		…</a:t>
             </a:r>
             <a:r>
-              <a:rPr lang="zh-CN" altLang="en-US" dirty="0"/>
+              <a:rPr lang="zh-CN" altLang="en-US"/>
               <a:t>网页中的内容</a:t>
             </a:r>
             <a:r>
-              <a:rPr lang="en-US" altLang="zh-CN" dirty="0"/>
+              <a:rPr lang="en-US" altLang="zh-CN"/>
               <a:t>…</a:t>
             </a:r>
           </a:p>
@@ -4106,7 +4116,7 @@
               <a:buNone/>
             </a:pPr>
             <a:r>
-              <a:rPr lang="en-US" altLang="zh-CN" dirty="0"/>
+              <a:rPr lang="en-US" altLang="zh-CN"/>
               <a:t>	&lt;/body&gt;</a:t>
             </a:r>
           </a:p>
@@ -4115,13 +4125,13 @@
               <a:buNone/>
             </a:pPr>
             <a:r>
-              <a:rPr lang="en-US" altLang="zh-CN" dirty="0"/>
+              <a:rPr lang="en-US" altLang="zh-CN"/>
               <a:t>&lt;/html&gt;</a:t>
             </a:r>
-            <a:endParaRPr lang="zh-CN" altLang="en-US" dirty="0"/>
-          </a:p>
-          <a:p>
-            <a:endParaRPr lang="zh-CN" altLang="en-US" dirty="0"/>
+            <a:endParaRPr lang="zh-CN" altLang="en-US"/>
+          </a:p>
+          <a:p>
+            <a:endParaRPr lang="zh-CN" altLang="en-US"/>
           </a:p>
         </p:txBody>
       </p:sp>
@@ -4171,14 +4181,14 @@
           <a:lstStyle/>
           <a:p>
             <a:r>
-              <a:rPr lang="en-US" altLang="zh-CN" dirty="0" smtClean="0"/>
+              <a:rPr lang="en-US" altLang="zh-CN" smtClean="0"/>
               <a:t>meta</a:t>
             </a:r>
             <a:r>
-              <a:rPr lang="zh-CN" altLang="en-US" dirty="0" smtClean="0"/>
+              <a:rPr lang="zh-CN" altLang="en-US" smtClean="0"/>
               <a:t>元素</a:t>
             </a:r>
-            <a:endParaRPr lang="zh-CN" altLang="en-US" dirty="0"/>
+            <a:endParaRPr lang="zh-CN" altLang="en-US"/>
           </a:p>
         </p:txBody>
       </p:sp>
@@ -4198,33 +4208,33 @@
           <a:lstStyle/>
           <a:p>
             <a:r>
-              <a:rPr lang="en-US" altLang="zh-CN" dirty="0" smtClean="0"/>
+              <a:rPr lang="en-US" altLang="zh-CN" smtClean="0"/>
               <a:t>meta</a:t>
             </a:r>
             <a:r>
-              <a:rPr lang="zh-CN" altLang="en-US" dirty="0" smtClean="0"/>
+              <a:rPr lang="zh-CN" altLang="en-US" smtClean="0"/>
               <a:t>元素有多种用法，</a:t>
             </a:r>
             <a:r>
-              <a:rPr lang="en-US" altLang="zh-CN" dirty="0" smtClean="0"/>
+              <a:rPr lang="en-US" altLang="zh-CN" smtClean="0"/>
               <a:t>head</a:t>
             </a:r>
             <a:r>
-              <a:rPr lang="zh-CN" altLang="en-US" dirty="0" smtClean="0"/>
+              <a:rPr lang="zh-CN" altLang="en-US" smtClean="0"/>
               <a:t>元素中可以包含多个</a:t>
             </a:r>
             <a:r>
-              <a:rPr lang="en-US" altLang="zh-CN" dirty="0" smtClean="0"/>
+              <a:rPr lang="en-US" altLang="zh-CN" smtClean="0"/>
               <a:t>meta</a:t>
             </a:r>
             <a:r>
-              <a:rPr lang="zh-CN" altLang="en-US" dirty="0" smtClean="0"/>
+              <a:rPr lang="zh-CN" altLang="en-US" smtClean="0"/>
               <a:t>元素。</a:t>
             </a:r>
-            <a:endParaRPr lang="en-US" altLang="zh-CN" dirty="0" smtClean="0"/>
-          </a:p>
-          <a:p>
-            <a:endParaRPr lang="zh-CN" altLang="en-US" dirty="0"/>
+            <a:endParaRPr lang="en-US" altLang="zh-CN" smtClean="0"/>
+          </a:p>
+          <a:p>
+            <a:endParaRPr lang="zh-CN" altLang="en-US"/>
           </a:p>
         </p:txBody>
       </p:sp>
@@ -4274,18 +4284,18 @@
           <a:lstStyle/>
           <a:p>
             <a:r>
-              <a:rPr lang="zh-CN" altLang="en-US" dirty="0" smtClean="0"/>
+              <a:rPr lang="zh-CN" altLang="en-US" smtClean="0"/>
               <a:t>指定名</a:t>
             </a:r>
             <a:r>
-              <a:rPr lang="en-US" altLang="zh-CN" dirty="0" smtClean="0"/>
+              <a:rPr lang="en-US" altLang="zh-CN" smtClean="0"/>
               <a:t>/</a:t>
             </a:r>
             <a:r>
-              <a:rPr lang="zh-CN" altLang="en-US" dirty="0" smtClean="0"/>
+              <a:rPr lang="zh-CN" altLang="en-US" smtClean="0"/>
               <a:t>值元数据对</a:t>
             </a:r>
-            <a:endParaRPr lang="zh-CN" altLang="en-US" dirty="0"/>
+            <a:endParaRPr lang="zh-CN" altLang="en-US"/>
           </a:p>
         </p:txBody>
       </p:sp>
@@ -4307,60 +4317,60 @@
           <a:lstStyle/>
           <a:p>
             <a:r>
-              <a:rPr lang="en-US" altLang="zh-CN" dirty="0" smtClean="0"/>
+              <a:rPr lang="en-US" altLang="zh-CN" smtClean="0"/>
               <a:t>meta</a:t>
             </a:r>
             <a:r>
-              <a:rPr lang="zh-CN" altLang="en-US" dirty="0" smtClean="0"/>
+              <a:rPr lang="zh-CN" altLang="en-US" smtClean="0"/>
               <a:t>元素的第一个用途就是用名</a:t>
             </a:r>
             <a:r>
-              <a:rPr lang="en-US" altLang="zh-CN" dirty="0" smtClean="0"/>
+              <a:rPr lang="en-US" altLang="zh-CN" smtClean="0"/>
               <a:t>/</a:t>
             </a:r>
             <a:r>
-              <a:rPr lang="zh-CN" altLang="en-US" dirty="0" smtClean="0"/>
+              <a:rPr lang="zh-CN" altLang="en-US" smtClean="0"/>
               <a:t>值对定义元数据。</a:t>
             </a:r>
-            <a:endParaRPr lang="en-US" altLang="zh-CN" dirty="0" smtClean="0"/>
-          </a:p>
-          <a:p>
-            <a:r>
-              <a:rPr lang="zh-CN" altLang="en-US" dirty="0" smtClean="0"/>
+            <a:endParaRPr lang="en-US" altLang="zh-CN" smtClean="0"/>
+          </a:p>
+          <a:p>
+            <a:r>
+              <a:rPr lang="zh-CN" altLang="en-US" smtClean="0"/>
               <a:t>需要用到</a:t>
             </a:r>
             <a:r>
-              <a:rPr lang="en-US" altLang="zh-CN" dirty="0" smtClean="0"/>
+              <a:rPr lang="en-US" altLang="zh-CN" smtClean="0"/>
               <a:t>name</a:t>
             </a:r>
             <a:r>
-              <a:rPr lang="zh-CN" altLang="en-US" dirty="0" smtClean="0"/>
+              <a:rPr lang="zh-CN" altLang="en-US" smtClean="0"/>
               <a:t>和</a:t>
             </a:r>
             <a:r>
-              <a:rPr lang="en-US" altLang="zh-CN" dirty="0" smtClean="0"/>
+              <a:rPr lang="en-US" altLang="zh-CN" smtClean="0"/>
               <a:t>content</a:t>
             </a:r>
             <a:r>
-              <a:rPr lang="zh-CN" altLang="en-US" dirty="0" smtClean="0"/>
+              <a:rPr lang="zh-CN" altLang="en-US" smtClean="0"/>
               <a:t>属性。</a:t>
             </a:r>
-            <a:endParaRPr lang="en-US" altLang="zh-CN" dirty="0" smtClean="0"/>
+            <a:endParaRPr lang="en-US" altLang="zh-CN" smtClean="0"/>
           </a:p>
           <a:p>
             <a:pPr marL="0" indent="0">
               <a:buNone/>
             </a:pPr>
             <a:r>
-              <a:rPr lang="en-US" altLang="zh-CN" dirty="0"/>
+              <a:rPr lang="en-US" altLang="zh-CN"/>
               <a:t>&lt;!</a:t>
             </a:r>
             <a:r>
-              <a:rPr lang="en-US" altLang="zh-CN" dirty="0" err="1"/>
+              <a:rPr lang="en-US" altLang="zh-CN" err="1"/>
               <a:t>doctype</a:t>
             </a:r>
             <a:r>
-              <a:rPr lang="en-US" altLang="zh-CN" dirty="0"/>
+              <a:rPr lang="en-US" altLang="zh-CN"/>
               <a:t> html&gt;</a:t>
             </a:r>
           </a:p>
@@ -4369,7 +4379,7 @@
               <a:buNone/>
             </a:pPr>
             <a:r>
-              <a:rPr lang="en-US" altLang="zh-CN" dirty="0"/>
+              <a:rPr lang="en-US" altLang="zh-CN"/>
               <a:t>&lt;html&gt;</a:t>
             </a:r>
           </a:p>
@@ -4378,7 +4388,7 @@
               <a:buNone/>
             </a:pPr>
             <a:r>
-              <a:rPr lang="en-US" altLang="zh-CN" dirty="0"/>
+              <a:rPr lang="en-US" altLang="zh-CN"/>
               <a:t>	&lt;head&gt;</a:t>
             </a:r>
           </a:p>
@@ -4387,19 +4397,19 @@
               <a:buNone/>
             </a:pPr>
             <a:r>
-              <a:rPr lang="en-US" altLang="zh-CN" dirty="0"/>
+              <a:rPr lang="en-US" altLang="zh-CN"/>
               <a:t>		&lt;title&gt;</a:t>
             </a:r>
             <a:r>
-              <a:rPr lang="zh-CN" altLang="en-US" dirty="0"/>
+              <a:rPr lang="zh-CN" altLang="en-US"/>
               <a:t>文档标题</a:t>
             </a:r>
             <a:r>
-              <a:rPr lang="en-US" altLang="zh-CN" dirty="0"/>
+              <a:rPr lang="en-US" altLang="zh-CN"/>
               <a:t>&lt;/title</a:t>
             </a:r>
             <a:r>
-              <a:rPr lang="en-US" altLang="zh-CN" dirty="0" smtClean="0"/>
+              <a:rPr lang="en-US" altLang="zh-CN" smtClean="0"/>
               <a:t>&gt;</a:t>
             </a:r>
           </a:p>
@@ -4408,19 +4418,19 @@
               <a:buNone/>
             </a:pPr>
             <a:r>
-              <a:rPr lang="en-US" altLang="zh-CN" dirty="0"/>
+              <a:rPr lang="en-US" altLang="zh-CN"/>
               <a:t>	</a:t>
             </a:r>
             <a:r>
-              <a:rPr lang="en-US" altLang="zh-CN" dirty="0" smtClean="0"/>
+              <a:rPr lang="en-US" altLang="zh-CN" smtClean="0"/>
               <a:t>	&lt;meta name=“author” content=“</a:t>
             </a:r>
             <a:r>
-              <a:rPr lang="zh-CN" altLang="en-US" dirty="0" smtClean="0"/>
+              <a:rPr lang="zh-CN" altLang="en-US" smtClean="0"/>
               <a:t>张某某</a:t>
             </a:r>
             <a:r>
-              <a:rPr lang="en-US" altLang="zh-CN" dirty="0" smtClean="0"/>
+              <a:rPr lang="en-US" altLang="zh-CN" smtClean="0"/>
               <a:t>”&gt;</a:t>
             </a:r>
           </a:p>
@@ -4429,49 +4439,49 @@
               <a:buNone/>
             </a:pPr>
             <a:r>
-              <a:rPr lang="en-US" altLang="zh-CN" dirty="0" smtClean="0"/>
+              <a:rPr lang="en-US" altLang="zh-CN" smtClean="0"/>
               <a:t>		&lt;</a:t>
             </a:r>
             <a:r>
-              <a:rPr lang="en-US" altLang="zh-CN" dirty="0"/>
+              <a:rPr lang="en-US" altLang="zh-CN"/>
               <a:t>meta name</a:t>
             </a:r>
             <a:r>
-              <a:rPr lang="en-US" altLang="zh-CN" dirty="0" smtClean="0"/>
+              <a:rPr lang="en-US" altLang="zh-CN" smtClean="0"/>
               <a:t>=“</a:t>
             </a:r>
             <a:r>
-              <a:rPr lang="en-US" altLang="zh-CN" dirty="0"/>
+              <a:rPr lang="en-US" altLang="zh-CN"/>
               <a:t>description</a:t>
             </a:r>
             <a:r>
-              <a:rPr lang="en-US" altLang="zh-CN" dirty="0" smtClean="0"/>
+              <a:rPr lang="en-US" altLang="zh-CN" smtClean="0"/>
               <a:t>” </a:t>
             </a:r>
             <a:r>
-              <a:rPr lang="en-US" altLang="zh-CN" dirty="0"/>
+              <a:rPr lang="en-US" altLang="zh-CN"/>
               <a:t>content</a:t>
             </a:r>
             <a:r>
-              <a:rPr lang="en-US" altLang="zh-CN" dirty="0" smtClean="0"/>
+              <a:rPr lang="en-US" altLang="zh-CN" smtClean="0"/>
               <a:t>=“</a:t>
             </a:r>
             <a:r>
-              <a:rPr lang="zh-CN" altLang="en-US" dirty="0" smtClean="0"/>
+              <a:rPr lang="zh-CN" altLang="en-US" smtClean="0"/>
               <a:t>此网页的说明</a:t>
             </a:r>
             <a:r>
-              <a:rPr lang="en-US" altLang="zh-CN" dirty="0" smtClean="0"/>
+              <a:rPr lang="en-US" altLang="zh-CN" smtClean="0"/>
               <a:t>”&gt;</a:t>
             </a:r>
-            <a:endParaRPr lang="en-US" altLang="zh-CN" dirty="0"/>
+            <a:endParaRPr lang="en-US" altLang="zh-CN"/>
           </a:p>
           <a:p>
             <a:pPr marL="0" indent="0">
               <a:buNone/>
             </a:pPr>
             <a:r>
-              <a:rPr lang="en-US" altLang="zh-CN" dirty="0"/>
+              <a:rPr lang="en-US" altLang="zh-CN"/>
               <a:t>	&lt;/head&gt;</a:t>
             </a:r>
           </a:p>
@@ -4480,7 +4490,7 @@
               <a:buNone/>
             </a:pPr>
             <a:r>
-              <a:rPr lang="en-US" altLang="zh-CN" dirty="0"/>
+              <a:rPr lang="en-US" altLang="zh-CN"/>
               <a:t>	&lt;body&gt;</a:t>
             </a:r>
           </a:p>
@@ -4489,15 +4499,15 @@
               <a:buNone/>
             </a:pPr>
             <a:r>
-              <a:rPr lang="en-US" altLang="zh-CN" dirty="0"/>
+              <a:rPr lang="en-US" altLang="zh-CN"/>
               <a:t>		…</a:t>
             </a:r>
             <a:r>
-              <a:rPr lang="zh-CN" altLang="en-US" dirty="0"/>
+              <a:rPr lang="zh-CN" altLang="en-US"/>
               <a:t>网页中的内容</a:t>
             </a:r>
             <a:r>
-              <a:rPr lang="en-US" altLang="zh-CN" dirty="0"/>
+              <a:rPr lang="en-US" altLang="zh-CN"/>
               <a:t>…</a:t>
             </a:r>
           </a:p>
@@ -4506,7 +4516,7 @@
               <a:buNone/>
             </a:pPr>
             <a:r>
-              <a:rPr lang="en-US" altLang="zh-CN" dirty="0"/>
+              <a:rPr lang="en-US" altLang="zh-CN"/>
               <a:t>	&lt;/body&gt;</a:t>
             </a:r>
           </a:p>
@@ -4515,13 +4525,13 @@
               <a:buNone/>
             </a:pPr>
             <a:r>
-              <a:rPr lang="en-US" altLang="zh-CN" dirty="0"/>
+              <a:rPr lang="en-US" altLang="zh-CN"/>
               <a:t>&lt;/html&gt;</a:t>
             </a:r>
-            <a:endParaRPr lang="zh-CN" altLang="en-US" dirty="0"/>
-          </a:p>
-          <a:p>
-            <a:endParaRPr lang="zh-CN" altLang="en-US" dirty="0"/>
+            <a:endParaRPr lang="zh-CN" altLang="en-US"/>
+          </a:p>
+          <a:p>
+            <a:endParaRPr lang="zh-CN" altLang="en-US"/>
           </a:p>
         </p:txBody>
       </p:sp>
@@ -4570,7 +4580,7 @@
           <a:bodyPr/>
           <a:lstStyle/>
           <a:p>
-            <a:endParaRPr lang="zh-CN" altLang="en-US" dirty="0"/>
+            <a:endParaRPr lang="zh-CN" altLang="en-US"/>
           </a:p>
         </p:txBody>
       </p:sp>
@@ -4590,45 +4600,45 @@
           <a:lstStyle/>
           <a:p>
             <a:r>
-              <a:rPr lang="en-US" altLang="zh-CN" dirty="0" smtClean="0"/>
+              <a:rPr lang="en-US" altLang="zh-CN" smtClean="0"/>
               <a:t>name</a:t>
             </a:r>
             <a:r>
-              <a:rPr lang="zh-CN" altLang="en-US" dirty="0" smtClean="0"/>
+              <a:rPr lang="zh-CN" altLang="en-US" smtClean="0"/>
               <a:t>属性的值是规定好的，用来表示元数据的类型，而</a:t>
             </a:r>
             <a:r>
-              <a:rPr lang="en-US" altLang="zh-CN" dirty="0" smtClean="0"/>
+              <a:rPr lang="en-US" altLang="zh-CN" smtClean="0"/>
               <a:t>content</a:t>
             </a:r>
             <a:r>
-              <a:rPr lang="zh-CN" altLang="en-US" dirty="0" smtClean="0"/>
+              <a:rPr lang="zh-CN" altLang="en-US" smtClean="0"/>
               <a:t>属性用来提供值。</a:t>
             </a:r>
-            <a:endParaRPr lang="en-US" altLang="zh-CN" dirty="0" smtClean="0"/>
+            <a:endParaRPr lang="en-US" altLang="zh-CN" smtClean="0"/>
           </a:p>
           <a:p>
             <a:pPr marL="0" indent="0">
               <a:buNone/>
             </a:pPr>
             <a:r>
-              <a:rPr lang="zh-CN" altLang="en-US" sz="2800" dirty="0" smtClean="0"/>
+              <a:rPr lang="zh-CN" altLang="en-US" sz="2800" smtClean="0"/>
               <a:t>例如：</a:t>
             </a:r>
             <a:r>
-              <a:rPr lang="en-US" altLang="zh-CN" sz="2800" dirty="0" smtClean="0"/>
+              <a:rPr lang="en-US" altLang="zh-CN" sz="2800" smtClean="0"/>
               <a:t>&lt;meta </a:t>
             </a:r>
             <a:r>
-              <a:rPr lang="en-US" altLang="zh-CN" sz="2800" dirty="0"/>
+              <a:rPr lang="en-US" altLang="zh-CN" sz="2800"/>
               <a:t>name=“author” content=“</a:t>
             </a:r>
             <a:r>
-              <a:rPr lang="zh-CN" altLang="en-US" sz="2800" dirty="0"/>
+              <a:rPr lang="zh-CN" altLang="en-US" sz="2800"/>
               <a:t>张某某</a:t>
             </a:r>
             <a:r>
-              <a:rPr lang="en-US" altLang="zh-CN" sz="2800" dirty="0" smtClean="0"/>
+              <a:rPr lang="en-US" altLang="zh-CN" sz="2800" smtClean="0"/>
               <a:t>”&gt;</a:t>
             </a:r>
           </a:p>
@@ -4637,53 +4647,53 @@
               <a:buNone/>
             </a:pPr>
             <a:r>
-              <a:rPr lang="en-US" altLang="zh-CN" sz="2800" dirty="0" smtClean="0"/>
+              <a:rPr lang="en-US" altLang="zh-CN" sz="2800" smtClean="0"/>
               <a:t>author</a:t>
             </a:r>
             <a:r>
-              <a:rPr lang="zh-CN" altLang="en-US" sz="2800" dirty="0" smtClean="0"/>
+              <a:rPr lang="zh-CN" altLang="en-US" sz="2800" smtClean="0"/>
               <a:t>表示这个</a:t>
             </a:r>
             <a:r>
-              <a:rPr lang="en-US" altLang="zh-CN" sz="2800" dirty="0" smtClean="0"/>
+              <a:rPr lang="en-US" altLang="zh-CN" sz="2800" smtClean="0"/>
               <a:t>meta</a:t>
             </a:r>
             <a:r>
-              <a:rPr lang="zh-CN" altLang="en-US" sz="2800" dirty="0" smtClean="0"/>
+              <a:rPr lang="zh-CN" altLang="en-US" sz="2800" smtClean="0"/>
               <a:t>元素用来说明网页的作者，</a:t>
             </a:r>
             <a:r>
-              <a:rPr lang="en-US" altLang="zh-CN" sz="2800" dirty="0" smtClean="0"/>
+              <a:rPr lang="en-US" altLang="zh-CN" sz="2800" smtClean="0"/>
               <a:t>content</a:t>
             </a:r>
             <a:r>
-              <a:rPr lang="zh-CN" altLang="en-US" sz="2800" dirty="0" smtClean="0"/>
+              <a:rPr lang="zh-CN" altLang="en-US" sz="2800" smtClean="0"/>
               <a:t>表示网页的作者是张某某。</a:t>
             </a:r>
-            <a:endParaRPr lang="en-US" altLang="zh-CN" sz="2800" dirty="0" smtClean="0"/>
+            <a:endParaRPr lang="en-US" altLang="zh-CN" sz="2800" smtClean="0"/>
           </a:p>
           <a:p>
             <a:pPr marL="0" indent="0">
               <a:buNone/>
             </a:pPr>
             <a:r>
-              <a:rPr lang="zh-CN" altLang="en-US" sz="2400" dirty="0"/>
+              <a:rPr lang="zh-CN" altLang="en-US" sz="2400"/>
               <a:t>例如： </a:t>
             </a:r>
             <a:r>
-              <a:rPr lang="en-US" altLang="zh-CN" sz="2400" dirty="0" smtClean="0"/>
+              <a:rPr lang="en-US" altLang="zh-CN" sz="2400" smtClean="0"/>
               <a:t>&lt;</a:t>
             </a:r>
             <a:r>
-              <a:rPr lang="en-US" altLang="zh-CN" sz="2400" dirty="0"/>
+              <a:rPr lang="en-US" altLang="zh-CN" sz="2400"/>
               <a:t>meta name=“description” content=“</a:t>
             </a:r>
             <a:r>
-              <a:rPr lang="zh-CN" altLang="en-US" sz="2400" dirty="0"/>
+              <a:rPr lang="zh-CN" altLang="en-US" sz="2400"/>
               <a:t>此网页的说明</a:t>
             </a:r>
             <a:r>
-              <a:rPr lang="en-US" altLang="zh-CN" sz="2400" dirty="0" smtClean="0"/>
+              <a:rPr lang="en-US" altLang="zh-CN" sz="2400" smtClean="0"/>
               <a:t>”&gt;</a:t>
             </a:r>
           </a:p>
@@ -4692,36 +4702,36 @@
               <a:buNone/>
             </a:pPr>
             <a:r>
-              <a:rPr lang="en-US" altLang="zh-CN" sz="2400" dirty="0" smtClean="0"/>
+              <a:rPr lang="en-US" altLang="zh-CN" sz="2400" smtClean="0"/>
               <a:t>author</a:t>
             </a:r>
             <a:r>
-              <a:rPr lang="zh-CN" altLang="en-US" sz="2400" dirty="0" smtClean="0"/>
+              <a:rPr lang="zh-CN" altLang="en-US" sz="2400" smtClean="0"/>
               <a:t>表示这个</a:t>
             </a:r>
             <a:r>
-              <a:rPr lang="en-US" altLang="zh-CN" sz="2400" dirty="0" smtClean="0"/>
+              <a:rPr lang="en-US" altLang="zh-CN" sz="2400" smtClean="0"/>
               <a:t>meta</a:t>
             </a:r>
             <a:r>
-              <a:rPr lang="zh-CN" altLang="en-US" sz="2400" dirty="0" smtClean="0"/>
+              <a:rPr lang="zh-CN" altLang="en-US" sz="2400" smtClean="0"/>
               <a:t>元素用来简介网页的内容，</a:t>
             </a:r>
             <a:r>
-              <a:rPr lang="en-US" altLang="zh-CN" sz="2400" dirty="0" smtClean="0"/>
+              <a:rPr lang="en-US" altLang="zh-CN" sz="2400" smtClean="0"/>
               <a:t>content</a:t>
             </a:r>
             <a:r>
-              <a:rPr lang="zh-CN" altLang="en-US" sz="2400" dirty="0" smtClean="0"/>
+              <a:rPr lang="zh-CN" altLang="en-US" sz="2400" smtClean="0"/>
               <a:t>的值是此网页的简介。</a:t>
             </a:r>
-            <a:endParaRPr lang="en-US" altLang="zh-CN" sz="2400" dirty="0"/>
-          </a:p>
-          <a:p>
-            <a:endParaRPr lang="en-US" altLang="zh-CN" dirty="0" smtClean="0"/>
-          </a:p>
-          <a:p>
-            <a:endParaRPr lang="zh-CN" altLang="en-US" dirty="0"/>
+            <a:endParaRPr lang="en-US" altLang="zh-CN" sz="2400"/>
+          </a:p>
+          <a:p>
+            <a:endParaRPr lang="en-US" altLang="zh-CN" smtClean="0"/>
+          </a:p>
+          <a:p>
+            <a:endParaRPr lang="zh-CN" altLang="en-US"/>
           </a:p>
         </p:txBody>
       </p:sp>
@@ -4771,14 +4781,14 @@
           <a:lstStyle/>
           <a:p>
             <a:r>
-              <a:rPr lang="en-US" altLang="zh-CN" dirty="0" smtClean="0"/>
+              <a:rPr lang="en-US" altLang="zh-CN" smtClean="0"/>
               <a:t>Html</a:t>
             </a:r>
             <a:r>
-              <a:rPr lang="zh-CN" altLang="en-US" dirty="0" smtClean="0"/>
+              <a:rPr lang="zh-CN" altLang="en-US" smtClean="0"/>
               <a:t>元素</a:t>
             </a:r>
-            <a:endParaRPr lang="zh-CN" altLang="en-US" dirty="0"/>
+            <a:endParaRPr lang="zh-CN" altLang="en-US"/>
           </a:p>
         </p:txBody>
       </p:sp>
@@ -4798,52 +4808,52 @@
           <a:lstStyle/>
           <a:p>
             <a:r>
-              <a:rPr lang="zh-CN" altLang="en-US" dirty="0" smtClean="0"/>
+              <a:rPr lang="zh-CN" altLang="en-US" smtClean="0"/>
               <a:t>像</a:t>
             </a:r>
             <a:r>
-              <a:rPr lang="en-US" altLang="zh-CN" dirty="0" smtClean="0"/>
+              <a:rPr lang="en-US" altLang="zh-CN" smtClean="0"/>
               <a:t>&lt;h1&gt;&lt;/h1&gt;</a:t>
             </a:r>
             <a:r>
-              <a:rPr lang="zh-CN" altLang="en-US" dirty="0"/>
+              <a:rPr lang="zh-CN" altLang="en-US"/>
               <a:t>的</a:t>
             </a:r>
             <a:r>
-              <a:rPr lang="zh-CN" altLang="en-US" dirty="0" smtClean="0"/>
+              <a:rPr lang="zh-CN" altLang="en-US" smtClean="0"/>
               <a:t>就是</a:t>
             </a:r>
             <a:r>
-              <a:rPr lang="en-US" altLang="zh-CN" dirty="0" smtClean="0"/>
+              <a:rPr lang="en-US" altLang="zh-CN" smtClean="0"/>
               <a:t>html</a:t>
             </a:r>
             <a:r>
-              <a:rPr lang="zh-CN" altLang="en-US" dirty="0" smtClean="0"/>
+              <a:rPr lang="zh-CN" altLang="en-US" smtClean="0"/>
               <a:t>元素或标签。</a:t>
             </a:r>
-            <a:endParaRPr lang="en-US" altLang="zh-CN" dirty="0" smtClean="0"/>
-          </a:p>
-          <a:p>
-            <a:r>
-              <a:rPr lang="zh-CN" altLang="en-US" dirty="0" smtClean="0"/>
+            <a:endParaRPr lang="en-US" altLang="zh-CN" smtClean="0"/>
+          </a:p>
+          <a:p>
+            <a:r>
+              <a:rPr lang="zh-CN" altLang="en-US" smtClean="0"/>
               <a:t>元素有三个部分组成</a:t>
             </a:r>
-            <a:endParaRPr lang="en-US" altLang="zh-CN" dirty="0" smtClean="0"/>
-          </a:p>
-          <a:p>
-            <a:r>
-              <a:rPr lang="en-US" altLang="zh-CN" dirty="0" smtClean="0"/>
+            <a:endParaRPr lang="en-US" altLang="zh-CN" smtClean="0"/>
+          </a:p>
+          <a:p>
+            <a:r>
+              <a:rPr lang="en-US" altLang="zh-CN" smtClean="0"/>
               <a:t>&lt;h1&gt;</a:t>
             </a:r>
             <a:r>
-              <a:rPr lang="zh-CN" altLang="en-US" dirty="0" smtClean="0"/>
+              <a:rPr lang="zh-CN" altLang="en-US" smtClean="0"/>
               <a:t>网页设计与制作</a:t>
             </a:r>
             <a:r>
-              <a:rPr lang="en-US" altLang="zh-CN" dirty="0" smtClean="0"/>
+              <a:rPr lang="en-US" altLang="zh-CN" smtClean="0"/>
               <a:t>&lt;/h1&gt;</a:t>
             </a:r>
-            <a:endParaRPr lang="zh-CN" altLang="en-US" dirty="0"/>
+            <a:endParaRPr lang="zh-CN" altLang="en-US"/>
           </a:p>
         </p:txBody>
       </p:sp>
@@ -4870,10 +4880,10 @@
           <a:lstStyle/>
           <a:p>
             <a:r>
-              <a:rPr lang="zh-CN" altLang="en-US" sz="1600" dirty="0" smtClean="0"/>
+              <a:rPr lang="zh-CN" altLang="en-US" sz="1600" smtClean="0"/>
               <a:t>开始标签</a:t>
             </a:r>
-            <a:endParaRPr lang="zh-CN" altLang="en-US" sz="1600" dirty="0"/>
+            <a:endParaRPr lang="zh-CN" altLang="en-US" sz="1600"/>
           </a:p>
         </p:txBody>
       </p:sp>
@@ -4900,14 +4910,14 @@
           <a:lstStyle/>
           <a:p>
             <a:r>
-              <a:rPr lang="zh-CN" altLang="en-US" sz="1600" dirty="0"/>
+              <a:rPr lang="zh-CN" altLang="en-US" sz="1600"/>
               <a:t>结束</a:t>
             </a:r>
             <a:r>
-              <a:rPr lang="zh-CN" altLang="en-US" sz="1600" dirty="0" smtClean="0"/>
+              <a:rPr lang="zh-CN" altLang="en-US" sz="1600" smtClean="0"/>
               <a:t>标签</a:t>
             </a:r>
-            <a:endParaRPr lang="zh-CN" altLang="en-US" sz="1600" dirty="0"/>
+            <a:endParaRPr lang="zh-CN" altLang="en-US" sz="1600"/>
           </a:p>
         </p:txBody>
       </p:sp>
@@ -4934,10 +4944,10 @@
           <a:lstStyle/>
           <a:p>
             <a:r>
-              <a:rPr lang="zh-CN" altLang="en-US" sz="1600" dirty="0" smtClean="0"/>
+              <a:rPr lang="zh-CN" altLang="en-US" sz="1600" smtClean="0"/>
               <a:t>元素的内容</a:t>
             </a:r>
-            <a:endParaRPr lang="zh-CN" altLang="en-US" sz="1600" dirty="0"/>
+            <a:endParaRPr lang="zh-CN" altLang="en-US" sz="1600"/>
           </a:p>
         </p:txBody>
       </p:sp>
@@ -5105,16 +5115,16 @@
           <a:lstStyle/>
           <a:p>
             <a:r>
-              <a:rPr lang="en-US" altLang="zh-CN" dirty="0"/>
+              <a:rPr lang="en-US" altLang="zh-CN"/>
               <a:t> &lt;meta name="viewport" content="width=device-width, initial-scale=1.0"&gt;</a:t>
             </a:r>
           </a:p>
           <a:p>
             <a:r>
-              <a:rPr lang="zh-CN" altLang="en-US" dirty="0" smtClean="0"/>
+              <a:rPr lang="zh-CN" altLang="en-US" smtClean="0"/>
               <a:t>在不同尺寸的设备间自动调整比例。</a:t>
             </a:r>
-            <a:endParaRPr lang="zh-CN" altLang="en-US" dirty="0"/>
+            <a:endParaRPr lang="zh-CN" altLang="en-US"/>
           </a:p>
         </p:txBody>
       </p:sp>
@@ -5164,10 +5174,10 @@
           <a:lstStyle/>
           <a:p>
             <a:r>
-              <a:rPr lang="zh-CN" altLang="en-US" dirty="0" smtClean="0"/>
+              <a:rPr lang="zh-CN" altLang="en-US" smtClean="0"/>
               <a:t>声明字符编码</a:t>
             </a:r>
-            <a:endParaRPr lang="zh-CN" altLang="en-US" dirty="0"/>
+            <a:endParaRPr lang="zh-CN" altLang="en-US"/>
           </a:p>
         </p:txBody>
       </p:sp>
@@ -5187,41 +5197,41 @@
           <a:lstStyle/>
           <a:p>
             <a:r>
-              <a:rPr lang="zh-CN" altLang="en-US" dirty="0" smtClean="0"/>
+              <a:rPr lang="zh-CN" altLang="en-US" smtClean="0"/>
               <a:t>使用</a:t>
             </a:r>
             <a:r>
-              <a:rPr lang="en-US" altLang="zh-CN" dirty="0" smtClean="0"/>
+              <a:rPr lang="en-US" altLang="zh-CN" smtClean="0"/>
               <a:t>charset</a:t>
             </a:r>
             <a:r>
-              <a:rPr lang="zh-CN" altLang="en-US" dirty="0" smtClean="0"/>
+              <a:rPr lang="zh-CN" altLang="en-US" smtClean="0"/>
               <a:t>属性声明字符编码，这是</a:t>
             </a:r>
             <a:r>
-              <a:rPr lang="en-US" altLang="zh-CN" dirty="0" smtClean="0"/>
+              <a:rPr lang="en-US" altLang="zh-CN" smtClean="0"/>
               <a:t>html5</a:t>
             </a:r>
             <a:r>
-              <a:rPr lang="zh-CN" altLang="en-US" dirty="0" smtClean="0"/>
+              <a:rPr lang="zh-CN" altLang="en-US" smtClean="0"/>
               <a:t>新增的属性。</a:t>
             </a:r>
-            <a:endParaRPr lang="en-US" altLang="zh-CN" dirty="0" smtClean="0"/>
-          </a:p>
-          <a:p>
-            <a:r>
-              <a:rPr lang="en-US" altLang="zh-CN" dirty="0" smtClean="0"/>
+            <a:endParaRPr lang="en-US" altLang="zh-CN" smtClean="0"/>
+          </a:p>
+          <a:p>
+            <a:r>
+              <a:rPr lang="en-US" altLang="zh-CN" smtClean="0"/>
               <a:t>&lt;meta </a:t>
             </a:r>
             <a:r>
-              <a:rPr lang="en-US" altLang="zh-CN" dirty="0" err="1" smtClean="0"/>
+              <a:rPr lang="en-US" altLang="zh-CN" err="1" smtClean="0"/>
               <a:t>chartset</a:t>
             </a:r>
             <a:r>
-              <a:rPr lang="en-US" altLang="zh-CN" dirty="0" smtClean="0"/>
+              <a:rPr lang="en-US" altLang="zh-CN" smtClean="0"/>
               <a:t>=“utf-8”&gt;</a:t>
             </a:r>
-            <a:endParaRPr lang="zh-CN" altLang="en-US" dirty="0"/>
+            <a:endParaRPr lang="zh-CN" altLang="en-US"/>
           </a:p>
         </p:txBody>
       </p:sp>
@@ -5271,22 +5281,22 @@
           <a:lstStyle/>
           <a:p>
             <a:r>
-              <a:rPr lang="zh-CN" altLang="en-US" dirty="0" smtClean="0"/>
+              <a:rPr lang="zh-CN" altLang="en-US" smtClean="0"/>
               <a:t>模拟</a:t>
             </a:r>
             <a:r>
-              <a:rPr lang="en-US" altLang="zh-CN" dirty="0" smtClean="0"/>
+              <a:rPr lang="en-US" altLang="zh-CN" smtClean="0"/>
               <a:t>http</a:t>
             </a:r>
             <a:r>
-              <a:rPr lang="zh-CN" altLang="en-US" dirty="0"/>
+              <a:rPr lang="zh-CN" altLang="en-US"/>
               <a:t>标</a:t>
             </a:r>
             <a:r>
-              <a:rPr lang="zh-CN" altLang="en-US" dirty="0" smtClean="0"/>
+              <a:rPr lang="zh-CN" altLang="en-US" smtClean="0"/>
               <a:t>头字段</a:t>
             </a:r>
-            <a:endParaRPr lang="zh-CN" altLang="en-US" dirty="0"/>
+            <a:endParaRPr lang="zh-CN" altLang="en-US"/>
           </a:p>
         </p:txBody>
       </p:sp>
@@ -5306,20 +5316,20 @@
           <a:lstStyle/>
           <a:p>
             <a:r>
-              <a:rPr lang="en-US" altLang="zh-CN" dirty="0" smtClean="0"/>
+              <a:rPr lang="en-US" altLang="zh-CN" smtClean="0"/>
               <a:t>&lt;meta http-</a:t>
             </a:r>
             <a:r>
-              <a:rPr lang="en-US" altLang="zh-CN" dirty="0" err="1" smtClean="0"/>
+              <a:rPr lang="en-US" altLang="zh-CN" err="1" smtClean="0"/>
               <a:t>equiv</a:t>
             </a:r>
             <a:r>
-              <a:rPr lang="en-US" altLang="zh-CN" dirty="0" smtClean="0"/>
+              <a:rPr lang="en-US" altLang="zh-CN" smtClean="0"/>
               <a:t>=“refresh” content=“5”&gt;</a:t>
             </a:r>
           </a:p>
           <a:p>
-            <a:endParaRPr lang="zh-CN" altLang="en-US" dirty="0"/>
+            <a:endParaRPr lang="zh-CN" altLang="en-US"/>
           </a:p>
         </p:txBody>
       </p:sp>
@@ -5358,10 +5368,10 @@
                     <a:lstStyle/>
                     <a:p>
                       <a:r>
-                        <a:rPr lang="zh-CN" altLang="en-US" dirty="0" smtClean="0"/>
+                        <a:rPr lang="zh-CN" altLang="en-US" smtClean="0"/>
                         <a:t>属性值</a:t>
                       </a:r>
-                      <a:endParaRPr lang="zh-CN" altLang="en-US" dirty="0"/>
+                      <a:endParaRPr lang="zh-CN" altLang="en-US"/>
                     </a:p>
                   </a:txBody>
                   <a:tcPr/>
@@ -5372,10 +5382,10 @@
                     <a:lstStyle/>
                     <a:p>
                       <a:r>
-                        <a:rPr lang="zh-CN" altLang="en-US" dirty="0" smtClean="0"/>
+                        <a:rPr lang="zh-CN" altLang="en-US" smtClean="0"/>
                         <a:t>说明</a:t>
                       </a:r>
-                      <a:endParaRPr lang="zh-CN" altLang="en-US" dirty="0"/>
+                      <a:endParaRPr lang="zh-CN" altLang="en-US"/>
                     </a:p>
                   </a:txBody>
                   <a:tcPr/>
@@ -5388,10 +5398,10 @@
                     <a:lstStyle/>
                     <a:p>
                       <a:r>
-                        <a:rPr lang="en-US" altLang="zh-CN" dirty="0" smtClean="0"/>
+                        <a:rPr lang="en-US" altLang="zh-CN" smtClean="0"/>
                         <a:t>refresh</a:t>
                       </a:r>
-                      <a:endParaRPr lang="zh-CN" altLang="en-US" dirty="0"/>
+                      <a:endParaRPr lang="zh-CN" altLang="en-US"/>
                     </a:p>
                   </a:txBody>
                   <a:tcPr/>
@@ -5402,22 +5412,22 @@
                     <a:lstStyle/>
                     <a:p>
                       <a:r>
-                        <a:rPr lang="zh-CN" altLang="en-US" dirty="0" smtClean="0"/>
+                        <a:rPr lang="zh-CN" altLang="en-US" smtClean="0"/>
                         <a:t>以秒为单位指定一个时间间隔，在此时间过去以后将从服务器重新载入当前页面。也可另行指定一个浏览器地址载入。如</a:t>
                       </a:r>
                       <a:r>
-                        <a:rPr lang="en-US" altLang="zh-CN" dirty="0" smtClean="0"/>
+                        <a:rPr lang="en-US" altLang="zh-CN" smtClean="0"/>
                         <a:t>&lt;meta http-</a:t>
                       </a:r>
                       <a:r>
-                        <a:rPr lang="en-US" altLang="zh-CN" dirty="0" err="1" smtClean="0"/>
+                        <a:rPr lang="en-US" altLang="zh-CN" err="1" smtClean="0"/>
                         <a:t>equiv</a:t>
                       </a:r>
                       <a:r>
-                        <a:rPr lang="en-US" altLang="zh-CN" dirty="0" smtClean="0"/>
+                        <a:rPr lang="en-US" altLang="zh-CN" smtClean="0"/>
                         <a:t>=“5;http://www.baidu.com”&gt;</a:t>
                       </a:r>
-                      <a:endParaRPr lang="zh-CN" altLang="en-US" dirty="0"/>
+                      <a:endParaRPr lang="zh-CN" altLang="en-US"/>
                     </a:p>
                   </a:txBody>
                   <a:tcPr/>
@@ -5430,10 +5440,10 @@
                     <a:lstStyle/>
                     <a:p>
                       <a:r>
-                        <a:rPr lang="en-US" altLang="zh-CN" dirty="0" smtClean="0"/>
+                        <a:rPr lang="en-US" altLang="zh-CN" smtClean="0"/>
                         <a:t>default-style</a:t>
                       </a:r>
-                      <a:endParaRPr lang="zh-CN" altLang="en-US" dirty="0"/>
+                      <a:endParaRPr lang="zh-CN" altLang="en-US"/>
                     </a:p>
                   </a:txBody>
                   <a:tcPr/>
@@ -5444,10 +5454,10 @@
                     <a:lstStyle/>
                     <a:p>
                       <a:r>
-                        <a:rPr lang="zh-CN" altLang="en-US" dirty="0" smtClean="0"/>
+                        <a:rPr lang="zh-CN" altLang="en-US" smtClean="0"/>
                         <a:t>指定页面优先使用的样式表</a:t>
                       </a:r>
-                      <a:endParaRPr lang="zh-CN" altLang="en-US" dirty="0"/>
+                      <a:endParaRPr lang="zh-CN" altLang="en-US"/>
                     </a:p>
                   </a:txBody>
                   <a:tcPr/>
@@ -5460,10 +5470,10 @@
                     <a:lstStyle/>
                     <a:p>
                       <a:r>
-                        <a:rPr lang="en-US" altLang="zh-CN" dirty="0" smtClean="0"/>
+                        <a:rPr lang="en-US" altLang="zh-CN" smtClean="0"/>
                         <a:t>content-type</a:t>
                       </a:r>
-                      <a:endParaRPr lang="zh-CN" altLang="en-US" dirty="0"/>
+                      <a:endParaRPr lang="zh-CN" altLang="en-US"/>
                     </a:p>
                   </a:txBody>
                   <a:tcPr/>
@@ -5474,30 +5484,30 @@
                     <a:lstStyle/>
                     <a:p>
                       <a:r>
-                        <a:rPr lang="zh-CN" altLang="en-US" dirty="0" smtClean="0"/>
+                        <a:rPr lang="zh-CN" altLang="en-US" smtClean="0"/>
                         <a:t>另一种声明</a:t>
                       </a:r>
                       <a:r>
-                        <a:rPr lang="en-US" altLang="zh-CN" dirty="0" smtClean="0"/>
+                        <a:rPr lang="en-US" altLang="zh-CN" smtClean="0"/>
                         <a:t>HTML</a:t>
                       </a:r>
                       <a:r>
-                        <a:rPr lang="zh-CN" altLang="en-US" dirty="0" smtClean="0"/>
+                        <a:rPr lang="zh-CN" altLang="en-US" smtClean="0"/>
                         <a:t>页面字符编码的方法。如</a:t>
                       </a:r>
                       <a:r>
-                        <a:rPr lang="en-US" altLang="zh-CN" dirty="0" smtClean="0"/>
+                        <a:rPr lang="en-US" altLang="zh-CN" smtClean="0"/>
                         <a:t>&lt;meta http-</a:t>
                       </a:r>
                       <a:r>
-                        <a:rPr lang="en-US" altLang="zh-CN" dirty="0" err="1" smtClean="0"/>
+                        <a:rPr lang="en-US" altLang="zh-CN" err="1" smtClean="0"/>
                         <a:t>equiv</a:t>
                       </a:r>
                       <a:r>
-                        <a:rPr lang="en-US" altLang="zh-CN" dirty="0" smtClean="0"/>
+                        <a:rPr lang="en-US" altLang="zh-CN" smtClean="0"/>
                         <a:t>=“content-type” content=“text/html charset=“utf-8”&gt;</a:t>
                       </a:r>
-                      <a:endParaRPr lang="zh-CN" altLang="en-US" dirty="0"/>
+                      <a:endParaRPr lang="zh-CN" altLang="en-US"/>
                     </a:p>
                   </a:txBody>
                   <a:tcPr/>
@@ -5510,7 +5520,7 @@
                     <a:lstStyle/>
                     <a:p>
                       <a:r>
-                        <a:rPr lang="en-US" altLang="zh-CN" sz="1800" b="0" i="0" kern="1200" dirty="0" smtClean="0">
+                        <a:rPr lang="en-US" altLang="zh-CN" sz="1800" b="0" i="0" kern="1200" smtClean="0">
                           <a:solidFill>
                             <a:schemeClr val="dk1"/>
                           </a:solidFill>
@@ -5521,7 +5531,7 @@
                         </a:rPr>
                         <a:t>X-UA-Compatible</a:t>
                       </a:r>
-                      <a:endParaRPr lang="zh-CN" altLang="en-US" dirty="0"/>
+                      <a:endParaRPr lang="zh-CN" altLang="en-US"/>
                     </a:p>
                   </a:txBody>
                   <a:tcPr/>
@@ -5549,7 +5559,7 @@
                         <a:defRPr/>
                       </a:pPr>
                       <a:r>
-                        <a:rPr lang="zh-CN" altLang="en-US" sz="1800" b="0" i="0" kern="1200" dirty="0" smtClean="0">
+                        <a:rPr lang="zh-CN" altLang="en-US" sz="1800" b="0" i="0" kern="1200" smtClean="0">
                           <a:solidFill>
                             <a:schemeClr val="dk1"/>
                           </a:solidFill>
@@ -5561,7 +5571,7 @@
                         <a:t>只针对</a:t>
                       </a:r>
                       <a:r>
-                        <a:rPr lang="en-US" altLang="zh-CN" sz="1800" b="0" i="0" kern="1200" dirty="0" smtClean="0">
+                        <a:rPr lang="en-US" altLang="zh-CN" sz="1800" b="0" i="0" kern="1200" smtClean="0">
                           <a:solidFill>
                             <a:schemeClr val="dk1"/>
                           </a:solidFill>
@@ -5573,7 +5583,7 @@
                         <a:t>IE8</a:t>
                       </a:r>
                       <a:r>
-                        <a:rPr lang="zh-CN" altLang="en-US" sz="1800" b="0" i="0" kern="1200" dirty="0" smtClean="0">
+                        <a:rPr lang="zh-CN" altLang="en-US" sz="1800" b="0" i="0" kern="1200" smtClean="0">
                           <a:solidFill>
                             <a:schemeClr val="dk1"/>
                           </a:solidFill>
@@ -5585,7 +5595,7 @@
                         <a:t>浏览器。如</a:t>
                       </a:r>
                       <a:r>
-                        <a:rPr lang="en-US" altLang="zh-CN" sz="1800" b="0" i="0" kern="1200" dirty="0" smtClean="0">
+                        <a:rPr lang="en-US" altLang="zh-CN" sz="1800" b="0" i="0" kern="1200" smtClean="0">
                           <a:solidFill>
                             <a:schemeClr val="dk1"/>
                           </a:solidFill>
@@ -5597,7 +5607,7 @@
                         <a:t>&lt;meta http-</a:t>
                       </a:r>
                       <a:r>
-                        <a:rPr lang="en-US" altLang="zh-CN" sz="1800" b="0" i="0" kern="1200" dirty="0" err="1" smtClean="0">
+                        <a:rPr lang="en-US" altLang="zh-CN" sz="1800" b="0" i="0" kern="1200" err="1" smtClean="0">
                           <a:solidFill>
                             <a:schemeClr val="dk1"/>
                           </a:solidFill>
@@ -5609,7 +5619,7 @@
                         <a:t>equiv</a:t>
                       </a:r>
                       <a:r>
-                        <a:rPr lang="en-US" altLang="zh-CN" sz="1800" b="0" i="0" kern="1200" dirty="0" smtClean="0">
+                        <a:rPr lang="en-US" altLang="zh-CN" sz="1800" b="0" i="0" kern="1200" smtClean="0">
                           <a:solidFill>
                             <a:schemeClr val="dk1"/>
                           </a:solidFill>
@@ -5621,7 +5631,7 @@
                         <a:t>="X-UA-Compatible" content="IE=</a:t>
                       </a:r>
                       <a:r>
-                        <a:rPr lang="en-US" altLang="zh-CN" sz="1800" b="0" i="0" kern="1200" dirty="0" err="1" smtClean="0">
+                        <a:rPr lang="en-US" altLang="zh-CN" sz="1800" b="0" i="0" kern="1200" err="1" smtClean="0">
                           <a:solidFill>
                             <a:schemeClr val="dk1"/>
                           </a:solidFill>
@@ -5633,7 +5643,7 @@
                         <a:t>edge,chrome</a:t>
                       </a:r>
                       <a:r>
-                        <a:rPr lang="en-US" altLang="zh-CN" sz="1800" b="0" i="0" kern="1200" dirty="0" smtClean="0">
+                        <a:rPr lang="en-US" altLang="zh-CN" sz="1800" b="0" i="0" kern="1200" smtClean="0">
                           <a:solidFill>
                             <a:schemeClr val="dk1"/>
                           </a:solidFill>
@@ -5644,10 +5654,10 @@
                         </a:rPr>
                         <a:t>=1"&gt;</a:t>
                       </a:r>
-                      <a:endParaRPr lang="zh-CN" altLang="en-US" dirty="0" smtClean="0"/>
+                      <a:endParaRPr lang="zh-CN" altLang="en-US" smtClean="0"/>
                     </a:p>
                     <a:p>
-                      <a:endParaRPr lang="zh-CN" altLang="en-US" dirty="0"/>
+                      <a:endParaRPr lang="zh-CN" altLang="en-US"/>
                     </a:p>
                   </a:txBody>
                   <a:tcPr/>
@@ -5703,10 +5713,10 @@
           <a:lstStyle/>
           <a:p>
             <a:r>
-              <a:rPr lang="zh-CN" altLang="en-US" dirty="0" smtClean="0"/>
+              <a:rPr lang="zh-CN" altLang="en-US" smtClean="0"/>
               <a:t>标记文字类元素</a:t>
             </a:r>
-            <a:endParaRPr lang="zh-CN" altLang="en-US" dirty="0"/>
+            <a:endParaRPr lang="zh-CN" altLang="en-US"/>
           </a:p>
         </p:txBody>
       </p:sp>
@@ -5726,84 +5736,166 @@
           <a:lstStyle/>
           <a:p>
             <a:r>
-              <a:rPr lang="en-US" altLang="zh-CN" dirty="0" smtClean="0"/>
+              <a:rPr lang="en-US" altLang="zh-CN" smtClean="0"/>
               <a:t>&lt;</a:t>
             </a:r>
             <a:r>
-              <a:rPr lang="en-US" altLang="zh-CN" dirty="0" err="1" smtClean="0"/>
+              <a:rPr lang="en-US" altLang="zh-CN" err="1" smtClean="0"/>
               <a:t>em</a:t>
             </a:r>
             <a:r>
-              <a:rPr lang="en-US" altLang="zh-CN" dirty="0" smtClean="0"/>
+              <a:rPr lang="en-US" altLang="zh-CN" smtClean="0"/>
               <a:t>&gt;</a:t>
             </a:r>
             <a:r>
-              <a:rPr lang="zh-CN" altLang="en-US" dirty="0" smtClean="0"/>
+              <a:rPr lang="zh-CN" altLang="en-US" smtClean="0"/>
               <a:t>元素：将文字变成斜体</a:t>
             </a:r>
-            <a:endParaRPr lang="en-US" altLang="zh-CN" dirty="0" smtClean="0"/>
-          </a:p>
-          <a:p>
-            <a:r>
-              <a:rPr lang="en-US" altLang="zh-CN" dirty="0" smtClean="0"/>
+            <a:endParaRPr lang="en-US" altLang="zh-CN" smtClean="0"/>
+          </a:p>
+          <a:p>
+            <a:r>
+              <a:rPr lang="en-US" altLang="zh-CN" smtClean="0"/>
               <a:t>&lt;</a:t>
             </a:r>
             <a:r>
-              <a:rPr lang="en-US" altLang="zh-CN" dirty="0" err="1" smtClean="0"/>
+              <a:rPr lang="en-US" altLang="zh-CN" err="1" smtClean="0"/>
               <a:t>em</a:t>
             </a:r>
             <a:r>
-              <a:rPr lang="en-US" altLang="zh-CN" dirty="0" smtClean="0"/>
+              <a:rPr lang="en-US" altLang="zh-CN" smtClean="0"/>
               <a:t>&gt;</a:t>
             </a:r>
             <a:r>
-              <a:rPr lang="zh-CN" altLang="en-US" dirty="0" smtClean="0"/>
+              <a:rPr lang="zh-CN" altLang="en-US" smtClean="0"/>
               <a:t>我</a:t>
             </a:r>
             <a:r>
-              <a:rPr lang="en-US" altLang="zh-CN" dirty="0" smtClean="0"/>
+              <a:rPr lang="en-US" altLang="zh-CN" smtClean="0"/>
               <a:t>&lt;/</a:t>
             </a:r>
             <a:r>
-              <a:rPr lang="en-US" altLang="zh-CN" dirty="0" err="1" smtClean="0"/>
+              <a:rPr lang="en-US" altLang="zh-CN" err="1" smtClean="0"/>
               <a:t>em</a:t>
             </a:r>
             <a:r>
-              <a:rPr lang="en-US" altLang="zh-CN" dirty="0" smtClean="0"/>
+              <a:rPr lang="en-US" altLang="zh-CN" smtClean="0"/>
               <a:t>&gt;</a:t>
             </a:r>
             <a:r>
-              <a:rPr lang="zh-CN" altLang="en-US" dirty="0" smtClean="0"/>
+              <a:rPr lang="zh-CN" altLang="en-US" smtClean="0"/>
               <a:t>喜欢苹果</a:t>
             </a:r>
-            <a:endParaRPr lang="en-US" altLang="zh-CN" dirty="0" smtClean="0"/>
-          </a:p>
-          <a:p>
-            <a:endParaRPr lang="en-US" altLang="zh-CN" dirty="0" smtClean="0"/>
-          </a:p>
-          <a:p>
-            <a:endParaRPr lang="en-US" altLang="zh-CN" dirty="0" smtClean="0"/>
-          </a:p>
-          <a:p>
-            <a:r>
-              <a:rPr lang="en-US" altLang="zh-CN" dirty="0" smtClean="0"/>
+            <a:endParaRPr lang="en-US" altLang="zh-CN" smtClean="0"/>
+          </a:p>
+          <a:p>
+            <a:endParaRPr lang="en-US" altLang="zh-CN" smtClean="0"/>
+          </a:p>
+          <a:p>
+            <a:endParaRPr lang="en-US" altLang="zh-CN" smtClean="0"/>
+          </a:p>
+          <a:p>
+            <a:r>
+              <a:rPr lang="en-US" altLang="zh-CN" smtClean="0"/>
               <a:t>&lt;s&gt;</a:t>
             </a:r>
             <a:r>
-              <a:rPr lang="zh-CN" altLang="en-US" dirty="0" smtClean="0"/>
+              <a:rPr lang="zh-CN" altLang="en-US" smtClean="0"/>
               <a:t>元素：删除线</a:t>
             </a:r>
-            <a:endParaRPr lang="en-US" altLang="zh-CN" dirty="0" smtClean="0"/>
-          </a:p>
-          <a:p>
-            <a:r>
-              <a:rPr lang="en-US" altLang="zh-CN" dirty="0" smtClean="0"/>
+            <a:endParaRPr lang="en-US" altLang="zh-CN" smtClean="0"/>
+          </a:p>
+          <a:p>
+            <a:r>
+              <a:rPr lang="en-US" altLang="zh-CN" smtClean="0"/>
               <a:t>oranges at my local store cost &lt;s&gt;$1 each&lt;/s&gt; $2 for 3.</a:t>
             </a:r>
-            <a:endParaRPr lang="zh-CN" altLang="en-US" dirty="0"/>
-          </a:p>
-        </p:txBody>
-      </p:sp>
+            <a:endParaRPr lang="zh-CN" altLang="en-US"/>
+          </a:p>
+        </p:txBody>
+      </p:sp>
+      <p:pic>
+        <p:nvPicPr>
+          <p:cNvPr id="4" name="Picture 2" descr="C:\Users\wx\Desktop\1.png"/>
+          <p:cNvPicPr>
+            <a:picLocks noChangeAspect="1" noChangeArrowheads="1"/>
+          </p:cNvPicPr>
+          <p:nvPr/>
+        </p:nvPicPr>
+        <p:blipFill>
+          <a:blip r:embed="rId2">
+            <a:extLst>
+              <a:ext uri="{28A0092B-C50C-407E-A947-70E740481C1C}">
+                <a14:useLocalDpi xmlns:a14="http://schemas.microsoft.com/office/drawing/2010/main" val="0"/>
+              </a:ext>
+            </a:extLst>
+          </a:blip>
+          <a:srcRect/>
+          <a:stretch>
+            <a:fillRect/>
+          </a:stretch>
+        </p:blipFill>
+        <p:spPr bwMode="auto">
+          <a:xfrm>
+            <a:off x="1333499" y="3195638"/>
+            <a:ext cx="1656000" cy="541687"/>
+          </a:xfrm>
+          <a:prstGeom prst="rect">
+            <a:avLst/>
+          </a:prstGeom>
+          <a:noFill/>
+          <a:extLst>
+            <a:ext uri="{909E8E84-426E-40DD-AFC4-6F175D3DCCD1}">
+              <a14:hiddenFill xmlns:a14="http://schemas.microsoft.com/office/drawing/2010/main">
+                <a:solidFill>
+                  <a:srgbClr val="FFFFFF"/>
+                </a:solidFill>
+              </a14:hiddenFill>
+            </a:ext>
+          </a:extLst>
+        </p:spPr>
+      </p:pic>
+      <p:pic>
+        <p:nvPicPr>
+          <p:cNvPr id="2050" name="Picture 2" descr="C:\Users\wx\Desktop\2.png"/>
+          <p:cNvPicPr>
+            <a:picLocks noChangeAspect="1" noChangeArrowheads="1"/>
+          </p:cNvPicPr>
+          <p:nvPr/>
+        </p:nvPicPr>
+        <p:blipFill>
+          <a:blip r:embed="rId3">
+            <a:extLst>
+              <a:ext uri="{28A0092B-C50C-407E-A947-70E740481C1C}">
+                <a14:useLocalDpi xmlns:a14="http://schemas.microsoft.com/office/drawing/2010/main" val="0"/>
+              </a:ext>
+            </a:extLst>
+          </a:blip>
+          <a:srcRect/>
+          <a:stretch>
+            <a:fillRect/>
+          </a:stretch>
+        </p:blipFill>
+        <p:spPr bwMode="auto">
+          <a:xfrm>
+            <a:off x="827583" y="5740400"/>
+            <a:ext cx="5040000" cy="307469"/>
+          </a:xfrm>
+          <a:prstGeom prst="rect">
+            <a:avLst/>
+          </a:prstGeom>
+          <a:noFill/>
+          <a:extLst>
+            <a:ext uri="{909E8E84-426E-40DD-AFC4-6F175D3DCCD1}">
+              <a14:hiddenFill xmlns:a14="http://schemas.microsoft.com/office/drawing/2010/main">
+                <a:solidFill>
+                  <a:srgbClr val="FFFFFF"/>
+                </a:solidFill>
+              </a14:hiddenFill>
+            </a:ext>
+          </a:extLst>
+        </p:spPr>
+      </p:pic>
     </p:spTree>
     <p:extLst>
       <p:ext uri="{BB962C8B-B14F-4D97-AF65-F5344CB8AC3E}">
@@ -5849,7 +5941,7 @@
           <a:bodyPr/>
           <a:lstStyle/>
           <a:p>
-            <a:endParaRPr lang="zh-CN" altLang="en-US" dirty="0"/>
+            <a:endParaRPr lang="zh-CN" altLang="en-US"/>
           </a:p>
         </p:txBody>
       </p:sp>
@@ -5869,104 +5961,162 @@
           <a:lstStyle/>
           <a:p>
             <a:r>
-              <a:rPr lang="en-US" altLang="zh-CN" dirty="0" smtClean="0"/>
+              <a:rPr lang="en-US" altLang="zh-CN" smtClean="0"/>
               <a:t>&lt;strong&gt;</a:t>
             </a:r>
             <a:r>
-              <a:rPr lang="zh-CN" altLang="en-US" dirty="0" smtClean="0"/>
+              <a:rPr lang="zh-CN" altLang="en-US" smtClean="0"/>
               <a:t>元素：加粗，表示重要文字。</a:t>
             </a:r>
-            <a:endParaRPr lang="en-US" altLang="zh-CN" dirty="0" smtClean="0"/>
-          </a:p>
-          <a:p>
-            <a:r>
-              <a:rPr lang="en-US" altLang="zh-CN" dirty="0" smtClean="0"/>
+            <a:endParaRPr lang="en-US" altLang="zh-CN" smtClean="0"/>
+          </a:p>
+          <a:p>
+            <a:r>
+              <a:rPr lang="en-US" altLang="zh-CN" smtClean="0"/>
               <a:t>&lt;strong&gt;</a:t>
             </a:r>
             <a:r>
-              <a:rPr lang="zh-CN" altLang="en-US" dirty="0" smtClean="0"/>
+              <a:rPr lang="zh-CN" altLang="en-US" smtClean="0"/>
               <a:t>警告</a:t>
             </a:r>
             <a:r>
-              <a:rPr lang="zh-CN" altLang="en-US" dirty="0"/>
+              <a:rPr lang="zh-CN" altLang="en-US"/>
               <a:t>：</a:t>
             </a:r>
             <a:r>
-              <a:rPr lang="en-US" altLang="zh-CN" dirty="0" smtClean="0"/>
+              <a:rPr lang="en-US" altLang="zh-CN" smtClean="0"/>
               <a:t>&lt;/strong&gt; </a:t>
             </a:r>
             <a:r>
-              <a:rPr lang="zh-CN" altLang="en-US" dirty="0" smtClean="0"/>
+              <a:rPr lang="zh-CN" altLang="en-US" smtClean="0"/>
               <a:t>吃太多会胖。</a:t>
             </a:r>
-            <a:endParaRPr lang="en-US" altLang="zh-CN" dirty="0" smtClean="0"/>
-          </a:p>
-          <a:p>
-            <a:endParaRPr lang="en-US" altLang="zh-CN" dirty="0"/>
-          </a:p>
-          <a:p>
-            <a:endParaRPr lang="en-US" altLang="zh-CN" dirty="0"/>
-          </a:p>
-          <a:p>
-            <a:r>
-              <a:rPr lang="en-US" altLang="zh-CN" dirty="0" smtClean="0"/>
+            <a:endParaRPr lang="en-US" altLang="zh-CN" smtClean="0"/>
+          </a:p>
+          <a:p>
+            <a:endParaRPr lang="en-US" altLang="zh-CN"/>
+          </a:p>
+          <a:p>
+            <a:endParaRPr lang="en-US" altLang="zh-CN"/>
+          </a:p>
+          <a:p>
+            <a:r>
+              <a:rPr lang="en-US" altLang="zh-CN" smtClean="0"/>
               <a:t>&lt;u&gt;</a:t>
             </a:r>
             <a:r>
-              <a:rPr lang="zh-CN" altLang="en-US" dirty="0" smtClean="0"/>
+              <a:rPr lang="zh-CN" altLang="en-US" smtClean="0"/>
               <a:t>元素：添加下划线</a:t>
             </a:r>
-            <a:endParaRPr lang="en-US" altLang="zh-CN" dirty="0" smtClean="0"/>
-          </a:p>
-          <a:p>
-            <a:r>
-              <a:rPr lang="en-US" altLang="zh-CN" dirty="0"/>
-              <a:t>&lt;</a:t>
-            </a:r>
-            <a:r>
-              <a:rPr lang="en-US" altLang="zh-CN" dirty="0" smtClean="0"/>
-              <a:t>strong&gt;</a:t>
-            </a:r>
-            <a:r>
-              <a:rPr lang="zh-CN" altLang="en-US" dirty="0" smtClean="0"/>
-              <a:t>警告</a:t>
-            </a:r>
-            <a:r>
-              <a:rPr lang="en-US" altLang="zh-CN" dirty="0" smtClean="0"/>
-              <a:t>:&lt;/</a:t>
-            </a:r>
-            <a:r>
-              <a:rPr lang="en-US" altLang="zh-CN" dirty="0"/>
-              <a:t>strong</a:t>
-            </a:r>
-            <a:r>
-              <a:rPr lang="en-US" altLang="zh-CN" dirty="0" smtClean="0"/>
-              <a:t>&gt; </a:t>
-            </a:r>
-            <a:r>
-              <a:rPr lang="zh-CN" altLang="en-US" dirty="0" smtClean="0"/>
-              <a:t>吃 </a:t>
-            </a:r>
-            <a:r>
-              <a:rPr lang="en-US" altLang="zh-CN" dirty="0" smtClean="0"/>
+            <a:endParaRPr lang="en-US" altLang="zh-CN" smtClean="0"/>
+          </a:p>
+          <a:p>
+            <a:r>
+              <a:rPr lang="zh-CN" altLang="en-US" smtClean="0"/>
+              <a:t>警告：吃 </a:t>
+            </a:r>
+            <a:r>
+              <a:rPr lang="en-US" altLang="zh-CN" smtClean="0"/>
               <a:t>&lt;u&gt;</a:t>
             </a:r>
             <a:r>
-              <a:rPr lang="zh-CN" altLang="en-US" dirty="0" smtClean="0"/>
+              <a:rPr lang="zh-CN" altLang="en-US" smtClean="0"/>
               <a:t>太多</a:t>
             </a:r>
             <a:r>
-              <a:rPr lang="en-US" altLang="zh-CN" dirty="0" smtClean="0"/>
+              <a:rPr lang="en-US" altLang="zh-CN" smtClean="0"/>
               <a:t>&lt;/u&gt; </a:t>
             </a:r>
             <a:r>
-              <a:rPr lang="zh-CN" altLang="en-US" dirty="0" smtClean="0"/>
+              <a:rPr lang="zh-CN" altLang="en-US" smtClean="0"/>
               <a:t>会胖。</a:t>
             </a:r>
-            <a:endParaRPr lang="en-US" altLang="zh-CN" dirty="0"/>
-          </a:p>
-        </p:txBody>
-      </p:sp>
+            <a:endParaRPr lang="en-US" altLang="zh-CN"/>
+          </a:p>
+        </p:txBody>
+      </p:sp>
+      <p:pic>
+        <p:nvPicPr>
+          <p:cNvPr id="1027" name="Picture 3" descr="C:\Users\wx\Desktop\3.png"/>
+          <p:cNvPicPr>
+            <a:picLocks noChangeAspect="1" noChangeArrowheads="1"/>
+          </p:cNvPicPr>
+          <p:nvPr/>
+        </p:nvPicPr>
+        <p:blipFill>
+          <a:blip r:embed="rId2">
+            <a:extLst>
+              <a:ext uri="{28A0092B-C50C-407E-A947-70E740481C1C}">
+                <a14:useLocalDpi xmlns:a14="http://schemas.microsoft.com/office/drawing/2010/main" val="0"/>
+              </a:ext>
+            </a:extLst>
+          </a:blip>
+          <a:srcRect/>
+          <a:stretch>
+            <a:fillRect/>
+          </a:stretch>
+        </p:blipFill>
+        <p:spPr bwMode="auto">
+          <a:xfrm>
+            <a:off x="1330324" y="3130532"/>
+            <a:ext cx="2772000" cy="500740"/>
+          </a:xfrm>
+          <a:prstGeom prst="rect">
+            <a:avLst/>
+          </a:prstGeom>
+          <a:noFill/>
+          <a:extLst>
+            <a:ext uri="{909E8E84-426E-40DD-AFC4-6F175D3DCCD1}">
+              <a14:hiddenFill xmlns:a14="http://schemas.microsoft.com/office/drawing/2010/main">
+                <a:solidFill>
+                  <a:srgbClr val="FFFFFF"/>
+                </a:solidFill>
+              </a14:hiddenFill>
+            </a:ext>
+          </a:extLst>
+        </p:spPr>
+      </p:pic>
+      <p:pic>
+        <p:nvPicPr>
+          <p:cNvPr id="1028" name="Picture 4" descr="C:\Users\wx\Desktop\4.png"/>
+          <p:cNvPicPr>
+            <a:picLocks noChangeAspect="1" noChangeArrowheads="1"/>
+          </p:cNvPicPr>
+          <p:nvPr/>
+        </p:nvPicPr>
+        <p:blipFill>
+          <a:blip r:embed="rId3">
+            <a:extLst>
+              <a:ext uri="{28A0092B-C50C-407E-A947-70E740481C1C}">
+                <a14:useLocalDpi xmlns:a14="http://schemas.microsoft.com/office/drawing/2010/main" val="0"/>
+              </a:ext>
+            </a:extLst>
+          </a:blip>
+          <a:srcRect/>
+          <a:stretch>
+            <a:fillRect/>
+          </a:stretch>
+        </p:blipFill>
+        <p:spPr bwMode="auto">
+          <a:xfrm>
+            <a:off x="1558925" y="5621337"/>
+            <a:ext cx="3204000" cy="520122"/>
+          </a:xfrm>
+          <a:prstGeom prst="rect">
+            <a:avLst/>
+          </a:prstGeom>
+          <a:noFill/>
+          <a:extLst>
+            <a:ext uri="{909E8E84-426E-40DD-AFC4-6F175D3DCCD1}">
+              <a14:hiddenFill xmlns:a14="http://schemas.microsoft.com/office/drawing/2010/main">
+                <a:solidFill>
+                  <a:srgbClr val="FFFFFF"/>
+                </a:solidFill>
+              </a14:hiddenFill>
+            </a:ext>
+          </a:extLst>
+        </p:spPr>
+      </p:pic>
     </p:spTree>
     <p:extLst>
       <p:ext uri="{BB962C8B-B14F-4D97-AF65-F5344CB8AC3E}">
@@ -6032,72 +6182,761 @@
           <a:lstStyle/>
           <a:p>
             <a:r>
-              <a:rPr lang="en-US" altLang="zh-CN" dirty="0" smtClean="0"/>
+              <a:rPr lang="en-US" altLang="zh-CN" smtClean="0"/>
               <a:t>&lt;small&gt;</a:t>
             </a:r>
             <a:r>
-              <a:rPr lang="zh-CN" altLang="en-US" dirty="0" smtClean="0"/>
+              <a:rPr lang="zh-CN" altLang="en-US" smtClean="0"/>
               <a:t>元素：文字变小</a:t>
             </a:r>
-            <a:endParaRPr lang="en-US" altLang="zh-CN" dirty="0" smtClean="0"/>
-          </a:p>
-          <a:p>
-            <a:r>
-              <a:rPr lang="en-US" altLang="zh-CN" dirty="0" smtClean="0"/>
+            <a:endParaRPr lang="en-US" altLang="zh-CN" smtClean="0"/>
+          </a:p>
+          <a:p>
+            <a:r>
+              <a:rPr lang="en-US" altLang="zh-CN" smtClean="0"/>
               <a:t>Oranges at my local </a:t>
             </a:r>
             <a:r>
-              <a:rPr lang="en-US" altLang="zh-CN" dirty="0" err="1" smtClean="0"/>
+              <a:rPr lang="en-US" altLang="zh-CN" err="1" smtClean="0"/>
               <a:t>sotre</a:t>
             </a:r>
             <a:r>
-              <a:rPr lang="en-US" altLang="zh-CN" dirty="0" smtClean="0"/>
+              <a:rPr lang="en-US" altLang="zh-CN" smtClean="0"/>
               <a:t> are $1 each &lt;small&gt;(plus tax)&lt;/small&gt;</a:t>
             </a:r>
           </a:p>
           <a:p>
-            <a:endParaRPr lang="en-US" altLang="zh-CN" dirty="0"/>
-          </a:p>
-          <a:p>
-            <a:r>
-              <a:rPr lang="en-US" altLang="zh-CN" dirty="0" smtClean="0"/>
+            <a:endParaRPr lang="en-US" altLang="zh-CN"/>
+          </a:p>
+          <a:p>
+            <a:r>
+              <a:rPr lang="en-US" altLang="zh-CN" smtClean="0"/>
               <a:t>&lt;sub&gt;</a:t>
             </a:r>
             <a:r>
-              <a:rPr lang="zh-CN" altLang="en-US" dirty="0" smtClean="0"/>
+              <a:rPr lang="zh-CN" altLang="en-US" smtClean="0"/>
               <a:t>和</a:t>
             </a:r>
             <a:r>
-              <a:rPr lang="en-US" altLang="zh-CN" dirty="0" smtClean="0"/>
+              <a:rPr lang="en-US" altLang="zh-CN" smtClean="0"/>
               <a:t>&lt;sup&gt;</a:t>
             </a:r>
             <a:r>
-              <a:rPr lang="zh-CN" altLang="en-US" dirty="0" smtClean="0"/>
+              <a:rPr lang="zh-CN" altLang="en-US" smtClean="0"/>
               <a:t>元素：下标和上标</a:t>
             </a:r>
-            <a:endParaRPr lang="en-US" altLang="zh-CN" dirty="0" smtClean="0"/>
-          </a:p>
-          <a:p>
-            <a:r>
-              <a:rPr lang="en-US" altLang="zh-CN" dirty="0" smtClean="0"/>
+            <a:endParaRPr lang="en-US" altLang="zh-CN" smtClean="0"/>
+          </a:p>
+          <a:p>
+            <a:r>
+              <a:rPr lang="en-US" altLang="zh-CN" smtClean="0"/>
               <a:t>x&lt;sub&gt;2&lt;/sub&gt;</a:t>
             </a:r>
             <a:r>
-              <a:rPr lang="zh-CN" altLang="en-US" dirty="0" smtClean="0"/>
+              <a:rPr lang="zh-CN" altLang="en-US" smtClean="0"/>
               <a:t>等于</a:t>
             </a:r>
             <a:r>
               <a:rPr lang="en-US" altLang="zh-CN" smtClean="0"/>
               <a:t>2&lt;sup&gt;3&lt;/sup&gt;</a:t>
             </a:r>
-            <a:endParaRPr lang="zh-CN" altLang="en-US" dirty="0"/>
-          </a:p>
-        </p:txBody>
-      </p:sp>
+            <a:endParaRPr lang="zh-CN" altLang="en-US"/>
+          </a:p>
+        </p:txBody>
+      </p:sp>
+      <p:pic>
+        <p:nvPicPr>
+          <p:cNvPr id="3074" name="Picture 2" descr="C:\Users\wx\Desktop\5.png"/>
+          <p:cNvPicPr>
+            <a:picLocks noChangeAspect="1" noChangeArrowheads="1"/>
+          </p:cNvPicPr>
+          <p:nvPr/>
+        </p:nvPicPr>
+        <p:blipFill>
+          <a:blip r:embed="rId2">
+            <a:extLst>
+              <a:ext uri="{28A0092B-C50C-407E-A947-70E740481C1C}">
+                <a14:useLocalDpi xmlns:a14="http://schemas.microsoft.com/office/drawing/2010/main" val="0"/>
+              </a:ext>
+            </a:extLst>
+          </a:blip>
+          <a:srcRect/>
+          <a:stretch>
+            <a:fillRect/>
+          </a:stretch>
+        </p:blipFill>
+        <p:spPr bwMode="auto">
+          <a:xfrm>
+            <a:off x="971600" y="3391584"/>
+            <a:ext cx="5148000" cy="335747"/>
+          </a:xfrm>
+          <a:prstGeom prst="rect">
+            <a:avLst/>
+          </a:prstGeom>
+          <a:noFill/>
+          <a:extLst>
+            <a:ext uri="{909E8E84-426E-40DD-AFC4-6F175D3DCCD1}">
+              <a14:hiddenFill xmlns:a14="http://schemas.microsoft.com/office/drawing/2010/main">
+                <a:solidFill>
+                  <a:srgbClr val="FFFFFF"/>
+                </a:solidFill>
+              </a14:hiddenFill>
+            </a:ext>
+          </a:extLst>
+        </p:spPr>
+      </p:pic>
+      <p:pic>
+        <p:nvPicPr>
+          <p:cNvPr id="3075" name="Picture 3" descr="C:\Users\wx\Desktop\6.png"/>
+          <p:cNvPicPr>
+            <a:picLocks noChangeAspect="1" noChangeArrowheads="1"/>
+          </p:cNvPicPr>
+          <p:nvPr/>
+        </p:nvPicPr>
+        <p:blipFill>
+          <a:blip r:embed="rId3">
+            <a:extLst>
+              <a:ext uri="{28A0092B-C50C-407E-A947-70E740481C1C}">
+                <a14:useLocalDpi xmlns:a14="http://schemas.microsoft.com/office/drawing/2010/main" val="0"/>
+              </a:ext>
+            </a:extLst>
+          </a:blip>
+          <a:srcRect/>
+          <a:stretch>
+            <a:fillRect/>
+          </a:stretch>
+        </p:blipFill>
+        <p:spPr bwMode="auto">
+          <a:xfrm>
+            <a:off x="1073149" y="5545138"/>
+            <a:ext cx="1692000" cy="685360"/>
+          </a:xfrm>
+          <a:prstGeom prst="rect">
+            <a:avLst/>
+          </a:prstGeom>
+          <a:noFill/>
+          <a:extLst>
+            <a:ext uri="{909E8E84-426E-40DD-AFC4-6F175D3DCCD1}">
+              <a14:hiddenFill xmlns:a14="http://schemas.microsoft.com/office/drawing/2010/main">
+                <a:solidFill>
+                  <a:srgbClr val="FFFFFF"/>
+                </a:solidFill>
+              </a14:hiddenFill>
+            </a:ext>
+          </a:extLst>
+        </p:spPr>
+      </p:pic>
     </p:spTree>
     <p:extLst>
       <p:ext uri="{BB962C8B-B14F-4D97-AF65-F5344CB8AC3E}">
         <p14:creationId xmlns:p14="http://schemas.microsoft.com/office/powerpoint/2010/main" val="1143432312"/>
+      </p:ext>
+    </p:extLst>
+  </p:cSld>
+  <p:clrMapOvr>
+    <a:masterClrMapping/>
+  </p:clrMapOvr>
+</p:sld>
+</file>
+
+<file path=ppt/slides/slide26.xml><?xml version="1.0" encoding="utf-8"?>
+<p:sld xmlns:a="http://schemas.openxmlformats.org/drawingml/2006/main" xmlns:r="http://schemas.openxmlformats.org/officeDocument/2006/relationships" xmlns:p="http://schemas.openxmlformats.org/presentationml/2006/main">
+  <p:cSld>
+    <p:spTree>
+      <p:nvGrpSpPr>
+        <p:cNvPr id="1" name=""/>
+        <p:cNvGrpSpPr/>
+        <p:nvPr/>
+      </p:nvGrpSpPr>
+      <p:grpSpPr>
+        <a:xfrm>
+          <a:off x="0" y="0"/>
+          <a:ext cx="0" cy="0"/>
+          <a:chOff x="0" y="0"/>
+          <a:chExt cx="0" cy="0"/>
+        </a:xfrm>
+      </p:grpSpPr>
+      <p:sp>
+        <p:nvSpPr>
+          <p:cNvPr id="2" name="标题 1"/>
+          <p:cNvSpPr>
+            <a:spLocks noGrp="1"/>
+          </p:cNvSpPr>
+          <p:nvPr>
+            <p:ph type="title"/>
+          </p:nvPr>
+        </p:nvSpPr>
+        <p:spPr/>
+        <p:txBody>
+          <a:bodyPr/>
+          <a:lstStyle/>
+          <a:p>
+            <a:endParaRPr lang="zh-CN" altLang="en-US"/>
+          </a:p>
+        </p:txBody>
+      </p:sp>
+      <p:sp>
+        <p:nvSpPr>
+          <p:cNvPr id="3" name="内容占位符 2"/>
+          <p:cNvSpPr>
+            <a:spLocks noGrp="1"/>
+          </p:cNvSpPr>
+          <p:nvPr>
+            <p:ph idx="1"/>
+          </p:nvPr>
+        </p:nvSpPr>
+        <p:spPr/>
+        <p:txBody>
+          <a:bodyPr/>
+          <a:lstStyle/>
+          <a:p>
+            <a:r>
+              <a:rPr lang="en-US" altLang="zh-CN" smtClean="0"/>
+              <a:t>&lt;span&gt;</a:t>
+            </a:r>
+            <a:r>
+              <a:rPr lang="zh-CN" altLang="en-US" smtClean="0"/>
+              <a:t>元素本身没有任何含义。表示一般性内容。</a:t>
+            </a:r>
+            <a:endParaRPr lang="en-US" altLang="zh-CN" smtClean="0"/>
+          </a:p>
+          <a:p>
+            <a:endParaRPr lang="en-US" altLang="zh-CN" smtClean="0"/>
+          </a:p>
+          <a:p>
+            <a:r>
+              <a:rPr lang="zh-CN" altLang="en-US" smtClean="0"/>
+              <a:t>这些标记文字的元素都叫是行内元素</a:t>
+            </a:r>
+            <a:endParaRPr lang="zh-CN" altLang="en-US"/>
+          </a:p>
+        </p:txBody>
+      </p:sp>
+    </p:spTree>
+    <p:extLst>
+      <p:ext uri="{BB962C8B-B14F-4D97-AF65-F5344CB8AC3E}">
+        <p14:creationId xmlns:p14="http://schemas.microsoft.com/office/powerpoint/2010/main" val="2598214402"/>
+      </p:ext>
+    </p:extLst>
+  </p:cSld>
+  <p:clrMapOvr>
+    <a:masterClrMapping/>
+  </p:clrMapOvr>
+</p:sld>
+</file>
+
+<file path=ppt/slides/slide27.xml><?xml version="1.0" encoding="utf-8"?>
+<p:sld xmlns:a="http://schemas.openxmlformats.org/drawingml/2006/main" xmlns:r="http://schemas.openxmlformats.org/officeDocument/2006/relationships" xmlns:p="http://schemas.openxmlformats.org/presentationml/2006/main">
+  <p:cSld>
+    <p:spTree>
+      <p:nvGrpSpPr>
+        <p:cNvPr id="1" name=""/>
+        <p:cNvGrpSpPr/>
+        <p:nvPr/>
+      </p:nvGrpSpPr>
+      <p:grpSpPr>
+        <a:xfrm>
+          <a:off x="0" y="0"/>
+          <a:ext cx="0" cy="0"/>
+          <a:chOff x="0" y="0"/>
+          <a:chExt cx="0" cy="0"/>
+        </a:xfrm>
+      </p:grpSpPr>
+      <p:sp>
+        <p:nvSpPr>
+          <p:cNvPr id="2" name="标题 1"/>
+          <p:cNvSpPr>
+            <a:spLocks noGrp="1"/>
+          </p:cNvSpPr>
+          <p:nvPr>
+            <p:ph type="title"/>
+          </p:nvPr>
+        </p:nvSpPr>
+        <p:spPr/>
+        <p:txBody>
+          <a:bodyPr/>
+          <a:lstStyle/>
+          <a:p>
+            <a:r>
+              <a:rPr lang="zh-CN" altLang="en-US" smtClean="0"/>
+              <a:t>组织内容类元素</a:t>
+            </a:r>
+            <a:endParaRPr lang="zh-CN" altLang="en-US"/>
+          </a:p>
+        </p:txBody>
+      </p:sp>
+      <p:sp>
+        <p:nvSpPr>
+          <p:cNvPr id="3" name="内容占位符 2"/>
+          <p:cNvSpPr>
+            <a:spLocks noGrp="1"/>
+          </p:cNvSpPr>
+          <p:nvPr>
+            <p:ph idx="1"/>
+          </p:nvPr>
+        </p:nvSpPr>
+        <p:spPr/>
+        <p:txBody>
+          <a:bodyPr/>
+          <a:lstStyle/>
+          <a:p>
+            <a:r>
+              <a:rPr lang="en-US" altLang="zh-CN" smtClean="0"/>
+              <a:t>&lt;p&gt;</a:t>
+            </a:r>
+            <a:r>
+              <a:rPr lang="zh-CN" altLang="en-US" smtClean="0"/>
+              <a:t>代表段落</a:t>
+            </a:r>
+            <a:endParaRPr lang="en-US" altLang="zh-CN" smtClean="0"/>
+          </a:p>
+          <a:p>
+            <a:endParaRPr lang="en-US" altLang="zh-CN"/>
+          </a:p>
+          <a:p>
+            <a:r>
+              <a:rPr lang="en-US" altLang="zh-CN" smtClean="0"/>
+              <a:t>&lt;div&gt;</a:t>
+            </a:r>
+            <a:r>
+              <a:rPr lang="zh-CN" altLang="en-US" smtClean="0"/>
+              <a:t>元素没有具体的含义。</a:t>
+            </a:r>
+            <a:endParaRPr lang="en-US" altLang="zh-CN" smtClean="0"/>
+          </a:p>
+          <a:p>
+            <a:endParaRPr lang="en-US" altLang="zh-CN"/>
+          </a:p>
+          <a:p>
+            <a:r>
+              <a:rPr lang="en-US" altLang="zh-CN" smtClean="0"/>
+              <a:t>&lt;</a:t>
+            </a:r>
+            <a:r>
+              <a:rPr lang="en-US" altLang="zh-CN" err="1" smtClean="0"/>
+              <a:t>hr</a:t>
+            </a:r>
+            <a:r>
+              <a:rPr lang="en-US" altLang="zh-CN" smtClean="0"/>
+              <a:t>&gt;</a:t>
+            </a:r>
+            <a:r>
+              <a:rPr lang="zh-CN" altLang="en-US" smtClean="0"/>
+              <a:t>分割线</a:t>
+            </a:r>
+            <a:endParaRPr lang="zh-CN" altLang="en-US"/>
+          </a:p>
+        </p:txBody>
+      </p:sp>
+    </p:spTree>
+    <p:extLst>
+      <p:ext uri="{BB962C8B-B14F-4D97-AF65-F5344CB8AC3E}">
+        <p14:creationId xmlns:p14="http://schemas.microsoft.com/office/powerpoint/2010/main" val="901944709"/>
+      </p:ext>
+    </p:extLst>
+  </p:cSld>
+  <p:clrMapOvr>
+    <a:masterClrMapping/>
+  </p:clrMapOvr>
+</p:sld>
+</file>
+
+<file path=ppt/slides/slide28.xml><?xml version="1.0" encoding="utf-8"?>
+<p:sld xmlns:a="http://schemas.openxmlformats.org/drawingml/2006/main" xmlns:r="http://schemas.openxmlformats.org/officeDocument/2006/relationships" xmlns:p="http://schemas.openxmlformats.org/presentationml/2006/main">
+  <p:cSld>
+    <p:spTree>
+      <p:nvGrpSpPr>
+        <p:cNvPr id="1" name=""/>
+        <p:cNvGrpSpPr/>
+        <p:nvPr/>
+      </p:nvGrpSpPr>
+      <p:grpSpPr>
+        <a:xfrm>
+          <a:off x="0" y="0"/>
+          <a:ext cx="0" cy="0"/>
+          <a:chOff x="0" y="0"/>
+          <a:chExt cx="0" cy="0"/>
+        </a:xfrm>
+      </p:grpSpPr>
+      <p:sp>
+        <p:nvSpPr>
+          <p:cNvPr id="2" name="标题 1"/>
+          <p:cNvSpPr>
+            <a:spLocks noGrp="1"/>
+          </p:cNvSpPr>
+          <p:nvPr>
+            <p:ph type="title"/>
+          </p:nvPr>
+        </p:nvSpPr>
+        <p:spPr/>
+        <p:txBody>
+          <a:bodyPr/>
+          <a:lstStyle/>
+          <a:p>
+            <a:r>
+              <a:rPr lang="zh-CN" altLang="en-US"/>
+              <a:t>列表</a:t>
+            </a:r>
+          </a:p>
+        </p:txBody>
+      </p:sp>
+      <p:sp>
+        <p:nvSpPr>
+          <p:cNvPr id="3" name="内容占位符 2"/>
+          <p:cNvSpPr>
+            <a:spLocks noGrp="1"/>
+          </p:cNvSpPr>
+          <p:nvPr>
+            <p:ph idx="1"/>
+          </p:nvPr>
+        </p:nvSpPr>
+        <p:spPr/>
+        <p:txBody>
+          <a:bodyPr/>
+          <a:lstStyle/>
+          <a:p>
+            <a:r>
+              <a:rPr lang="en-US" altLang="zh-CN" smtClean="0"/>
+              <a:t>&lt;</a:t>
+            </a:r>
+            <a:r>
+              <a:rPr lang="en-US" altLang="zh-CN" err="1" smtClean="0"/>
+              <a:t>ol</a:t>
+            </a:r>
+            <a:r>
+              <a:rPr lang="en-US" altLang="zh-CN" smtClean="0"/>
+              <a:t>&gt;</a:t>
+            </a:r>
+            <a:r>
+              <a:rPr lang="zh-CN" altLang="en-US" smtClean="0"/>
+              <a:t>有序列表</a:t>
+            </a:r>
+            <a:endParaRPr lang="en-US" altLang="zh-CN" smtClean="0"/>
+          </a:p>
+          <a:p>
+            <a:r>
+              <a:rPr lang="en-US" altLang="zh-CN" err="1" smtClean="0"/>
+              <a:t>ol</a:t>
+            </a:r>
+            <a:r>
+              <a:rPr lang="zh-CN" altLang="en-US" smtClean="0"/>
+              <a:t>的局部属性</a:t>
+            </a:r>
+            <a:endParaRPr lang="en-US" altLang="zh-CN" smtClean="0"/>
+          </a:p>
+          <a:p>
+            <a:endParaRPr lang="zh-CN" altLang="en-US"/>
+          </a:p>
+        </p:txBody>
+      </p:sp>
+      <p:graphicFrame>
+        <p:nvGraphicFramePr>
+          <p:cNvPr id="4" name="表格 3"/>
+          <p:cNvGraphicFramePr>
+            <a:graphicFrameLocks noGrp="1"/>
+          </p:cNvGraphicFramePr>
+          <p:nvPr>
+            <p:extLst>
+              <p:ext uri="{D42A27DB-BD31-4B8C-83A1-F6EECF244321}">
+                <p14:modId xmlns:p14="http://schemas.microsoft.com/office/powerpoint/2010/main" val="2237614482"/>
+              </p:ext>
+            </p:extLst>
+          </p:nvPr>
+        </p:nvGraphicFramePr>
+        <p:xfrm>
+          <a:off x="1259632" y="3212976"/>
+          <a:ext cx="6096000" cy="1752600"/>
+        </p:xfrm>
+        <a:graphic>
+          <a:graphicData uri="http://schemas.openxmlformats.org/drawingml/2006/table">
+            <a:tbl>
+              <a:tblPr firstRow="1" bandRow="1">
+                <a:tableStyleId>{5C22544A-7EE6-4342-B048-85BDC9FD1C3A}</a:tableStyleId>
+              </a:tblPr>
+              <a:tblGrid>
+                <a:gridCol w="3048000"/>
+                <a:gridCol w="3048000"/>
+              </a:tblGrid>
+              <a:tr h="370840">
+                <a:tc>
+                  <a:txBody>
+                    <a:bodyPr/>
+                    <a:lstStyle/>
+                    <a:p>
+                      <a:r>
+                        <a:rPr lang="zh-CN" altLang="en-US" smtClean="0"/>
+                        <a:t>属性</a:t>
+                      </a:r>
+                      <a:endParaRPr lang="zh-CN" altLang="en-US"/>
+                    </a:p>
+                  </a:txBody>
+                  <a:tcPr/>
+                </a:tc>
+                <a:tc>
+                  <a:txBody>
+                    <a:bodyPr/>
+                    <a:lstStyle/>
+                    <a:p>
+                      <a:r>
+                        <a:rPr lang="zh-CN" altLang="en-US" smtClean="0"/>
+                        <a:t>作用</a:t>
+                      </a:r>
+                      <a:endParaRPr lang="zh-CN" altLang="en-US"/>
+                    </a:p>
+                  </a:txBody>
+                  <a:tcPr/>
+                </a:tc>
+              </a:tr>
+              <a:tr h="370840">
+                <a:tc>
+                  <a:txBody>
+                    <a:bodyPr/>
+                    <a:lstStyle/>
+                    <a:p>
+                      <a:r>
+                        <a:rPr lang="en-US" altLang="zh-CN" smtClean="0"/>
+                        <a:t>start</a:t>
+                      </a:r>
+                      <a:endParaRPr lang="zh-CN" altLang="en-US"/>
+                    </a:p>
+                  </a:txBody>
+                  <a:tcPr/>
+                </a:tc>
+                <a:tc>
+                  <a:txBody>
+                    <a:bodyPr/>
+                    <a:lstStyle/>
+                    <a:p>
+                      <a:r>
+                        <a:rPr lang="zh-CN" altLang="en-US" smtClean="0"/>
+                        <a:t>列表首项编号值</a:t>
+                      </a:r>
+                      <a:endParaRPr lang="zh-CN" altLang="en-US"/>
+                    </a:p>
+                  </a:txBody>
+                  <a:tcPr/>
+                </a:tc>
+              </a:tr>
+              <a:tr h="370840">
+                <a:tc>
+                  <a:txBody>
+                    <a:bodyPr/>
+                    <a:lstStyle/>
+                    <a:p>
+                      <a:r>
+                        <a:rPr lang="en-US" altLang="zh-CN" smtClean="0"/>
+                        <a:t>type</a:t>
+                      </a:r>
+                      <a:endParaRPr lang="zh-CN" altLang="en-US"/>
+                    </a:p>
+                  </a:txBody>
+                  <a:tcPr/>
+                </a:tc>
+                <a:tc>
+                  <a:txBody>
+                    <a:bodyPr/>
+                    <a:lstStyle/>
+                    <a:p>
+                      <a:r>
+                        <a:rPr lang="zh-CN" altLang="en-US" smtClean="0"/>
+                        <a:t>编号的类型</a:t>
+                      </a:r>
+                      <a:endParaRPr lang="en-US" altLang="zh-CN" smtClean="0"/>
+                    </a:p>
+                    <a:p>
+                      <a:r>
+                        <a:rPr lang="en-US" altLang="zh-CN" smtClean="0"/>
+                        <a:t>1</a:t>
+                      </a:r>
+                      <a:r>
+                        <a:rPr lang="zh-CN" altLang="en-US" smtClean="0"/>
+                        <a:t>、</a:t>
+                      </a:r>
+                      <a:r>
+                        <a:rPr lang="en-US" altLang="zh-CN" smtClean="0"/>
+                        <a:t>a</a:t>
+                      </a:r>
+                      <a:r>
+                        <a:rPr lang="zh-CN" altLang="en-US" smtClean="0"/>
+                        <a:t>、</a:t>
+                      </a:r>
+                      <a:r>
+                        <a:rPr lang="en-US" altLang="zh-CN" smtClean="0"/>
+                        <a:t>A</a:t>
+                      </a:r>
+                      <a:r>
+                        <a:rPr lang="zh-CN" altLang="en-US" smtClean="0"/>
+                        <a:t>、</a:t>
+                      </a:r>
+                      <a:r>
+                        <a:rPr lang="en-US" altLang="zh-CN" smtClean="0"/>
+                        <a:t>i</a:t>
+                      </a:r>
+                      <a:r>
+                        <a:rPr lang="zh-CN" altLang="en-US" smtClean="0"/>
+                        <a:t>、</a:t>
+                      </a:r>
+                      <a:r>
+                        <a:rPr lang="en-US" altLang="zh-CN" smtClean="0"/>
+                        <a:t>I</a:t>
+                      </a:r>
+                      <a:endParaRPr lang="zh-CN" altLang="en-US"/>
+                    </a:p>
+                  </a:txBody>
+                  <a:tcPr/>
+                </a:tc>
+              </a:tr>
+              <a:tr h="370840">
+                <a:tc>
+                  <a:txBody>
+                    <a:bodyPr/>
+                    <a:lstStyle/>
+                    <a:p>
+                      <a:r>
+                        <a:rPr lang="en-US" altLang="zh-CN" smtClean="0"/>
+                        <a:t>reversed</a:t>
+                      </a:r>
+                      <a:endParaRPr lang="zh-CN" altLang="en-US"/>
+                    </a:p>
+                  </a:txBody>
+                  <a:tcPr/>
+                </a:tc>
+                <a:tc>
+                  <a:txBody>
+                    <a:bodyPr/>
+                    <a:lstStyle/>
+                    <a:p>
+                      <a:r>
+                        <a:rPr lang="zh-CN" altLang="en-US" smtClean="0"/>
+                        <a:t>降序排列</a:t>
+                      </a:r>
+                      <a:endParaRPr lang="zh-CN" altLang="en-US"/>
+                    </a:p>
+                  </a:txBody>
+                  <a:tcPr/>
+                </a:tc>
+              </a:tr>
+            </a:tbl>
+          </a:graphicData>
+        </a:graphic>
+      </p:graphicFrame>
+    </p:spTree>
+    <p:extLst>
+      <p:ext uri="{BB962C8B-B14F-4D97-AF65-F5344CB8AC3E}">
+        <p14:creationId xmlns:p14="http://schemas.microsoft.com/office/powerpoint/2010/main" val="1177954769"/>
+      </p:ext>
+    </p:extLst>
+  </p:cSld>
+  <p:clrMapOvr>
+    <a:masterClrMapping/>
+  </p:clrMapOvr>
+</p:sld>
+</file>
+
+<file path=ppt/slides/slide29.xml><?xml version="1.0" encoding="utf-8"?>
+<p:sld xmlns:a="http://schemas.openxmlformats.org/drawingml/2006/main" xmlns:r="http://schemas.openxmlformats.org/officeDocument/2006/relationships" xmlns:p="http://schemas.openxmlformats.org/presentationml/2006/main">
+  <p:cSld>
+    <p:spTree>
+      <p:nvGrpSpPr>
+        <p:cNvPr id="1" name=""/>
+        <p:cNvGrpSpPr/>
+        <p:nvPr/>
+      </p:nvGrpSpPr>
+      <p:grpSpPr>
+        <a:xfrm>
+          <a:off x="0" y="0"/>
+          <a:ext cx="0" cy="0"/>
+          <a:chOff x="0" y="0"/>
+          <a:chExt cx="0" cy="0"/>
+        </a:xfrm>
+      </p:grpSpPr>
+      <p:sp>
+        <p:nvSpPr>
+          <p:cNvPr id="2" name="标题 1"/>
+          <p:cNvSpPr>
+            <a:spLocks noGrp="1"/>
+          </p:cNvSpPr>
+          <p:nvPr>
+            <p:ph type="title"/>
+          </p:nvPr>
+        </p:nvSpPr>
+        <p:spPr/>
+        <p:txBody>
+          <a:bodyPr/>
+          <a:lstStyle/>
+          <a:p>
+            <a:endParaRPr lang="zh-CN" altLang="en-US"/>
+          </a:p>
+        </p:txBody>
+      </p:sp>
+      <p:sp>
+        <p:nvSpPr>
+          <p:cNvPr id="3" name="内容占位符 2"/>
+          <p:cNvSpPr>
+            <a:spLocks noGrp="1"/>
+          </p:cNvSpPr>
+          <p:nvPr>
+            <p:ph idx="1"/>
+          </p:nvPr>
+        </p:nvSpPr>
+        <p:spPr/>
+        <p:txBody>
+          <a:bodyPr/>
+          <a:lstStyle/>
+          <a:p>
+            <a:r>
+              <a:rPr lang="en-US" altLang="zh-CN" smtClean="0"/>
+              <a:t>&lt;ul&gt;</a:t>
+            </a:r>
+            <a:r>
+              <a:rPr lang="zh-CN" altLang="en-US" smtClean="0"/>
+              <a:t>无序列表</a:t>
+            </a:r>
+            <a:endParaRPr lang="en-US" altLang="zh-CN" smtClean="0"/>
+          </a:p>
+          <a:p>
+            <a:r>
+              <a:rPr lang="zh-CN" altLang="en-US" smtClean="0"/>
+              <a:t>样式：</a:t>
+            </a:r>
+            <a:r>
+              <a:rPr lang="en-US" altLang="zh-CN" smtClean="0"/>
+              <a:t>list-style-type</a:t>
+            </a:r>
+            <a:r>
+              <a:rPr lang="zh-CN" altLang="en-US" smtClean="0"/>
+              <a:t>，设置项目符号，如果值为</a:t>
+            </a:r>
+            <a:r>
+              <a:rPr lang="en-US" altLang="zh-CN" smtClean="0"/>
+              <a:t>none</a:t>
+            </a:r>
+            <a:r>
+              <a:rPr lang="zh-CN" altLang="en-US" smtClean="0"/>
+              <a:t>，则不使用符号。</a:t>
+            </a:r>
+            <a:endParaRPr lang="en-US" altLang="zh-CN" smtClean="0"/>
+          </a:p>
+          <a:p>
+            <a:endParaRPr lang="en-US" altLang="zh-CN"/>
+          </a:p>
+          <a:p>
+            <a:r>
+              <a:rPr lang="en-US" altLang="zh-CN" smtClean="0"/>
+              <a:t>&lt;li&gt;</a:t>
+            </a:r>
+            <a:r>
+              <a:rPr lang="zh-CN" altLang="en-US" smtClean="0"/>
+              <a:t>列表中的项</a:t>
+            </a:r>
+            <a:endParaRPr lang="zh-CN" altLang="en-US"/>
+          </a:p>
+        </p:txBody>
+      </p:sp>
+    </p:spTree>
+    <p:extLst>
+      <p:ext uri="{BB962C8B-B14F-4D97-AF65-F5344CB8AC3E}">
+        <p14:creationId xmlns:p14="http://schemas.microsoft.com/office/powerpoint/2010/main" val="460266023"/>
       </p:ext>
     </p:extLst>
   </p:cSld>
@@ -6140,10 +6979,10 @@
           <a:lstStyle/>
           <a:p>
             <a:r>
-              <a:rPr lang="zh-CN" altLang="en-US" dirty="0" smtClean="0"/>
+              <a:rPr lang="zh-CN" altLang="en-US" smtClean="0"/>
               <a:t>虚元素</a:t>
             </a:r>
-            <a:endParaRPr lang="zh-CN" altLang="en-US" dirty="0"/>
+            <a:endParaRPr lang="zh-CN" altLang="en-US"/>
           </a:p>
         </p:txBody>
       </p:sp>
@@ -6163,78 +7002,78 @@
           <a:lstStyle/>
           <a:p>
             <a:r>
-              <a:rPr lang="zh-CN" altLang="en-US" dirty="0" smtClean="0"/>
+              <a:rPr lang="zh-CN" altLang="en-US" smtClean="0"/>
               <a:t>有些元素只能用一个标签表示，这类元素称为虚元素</a:t>
             </a:r>
-            <a:endParaRPr lang="en-US" altLang="zh-CN" dirty="0" smtClean="0"/>
-          </a:p>
-          <a:p>
-            <a:r>
-              <a:rPr lang="zh-CN" altLang="en-US" dirty="0" smtClean="0"/>
+            <a:endParaRPr lang="en-US" altLang="zh-CN" smtClean="0"/>
+          </a:p>
+          <a:p>
+            <a:r>
+              <a:rPr lang="zh-CN" altLang="en-US" smtClean="0"/>
               <a:t>比如</a:t>
             </a:r>
             <a:r>
-              <a:rPr lang="en-US" altLang="zh-CN" dirty="0" smtClean="0"/>
+              <a:rPr lang="en-US" altLang="zh-CN" smtClean="0"/>
               <a:t>&lt;</a:t>
             </a:r>
             <a:r>
-              <a:rPr lang="en-US" altLang="zh-CN" dirty="0" err="1" smtClean="0"/>
+              <a:rPr lang="en-US" altLang="zh-CN" err="1" smtClean="0"/>
               <a:t>hr</a:t>
             </a:r>
             <a:r>
-              <a:rPr lang="en-US" altLang="zh-CN" dirty="0" smtClean="0"/>
+              <a:rPr lang="en-US" altLang="zh-CN" smtClean="0"/>
               <a:t>&gt;</a:t>
             </a:r>
           </a:p>
           <a:p>
             <a:r>
-              <a:rPr lang="zh-CN" altLang="en-US" dirty="0"/>
+              <a:rPr lang="zh-CN" altLang="en-US"/>
               <a:t>虚</a:t>
             </a:r>
             <a:r>
-              <a:rPr lang="zh-CN" altLang="en-US" dirty="0" smtClean="0"/>
+              <a:rPr lang="zh-CN" altLang="en-US" smtClean="0"/>
               <a:t>元素有两种写法，比如</a:t>
             </a:r>
             <a:r>
-              <a:rPr lang="en-US" altLang="zh-CN" dirty="0" smtClean="0"/>
+              <a:rPr lang="en-US" altLang="zh-CN" smtClean="0"/>
               <a:t>&lt;</a:t>
             </a:r>
             <a:r>
-              <a:rPr lang="en-US" altLang="zh-CN" dirty="0" err="1" smtClean="0"/>
+              <a:rPr lang="en-US" altLang="zh-CN" err="1" smtClean="0"/>
               <a:t>hr</a:t>
             </a:r>
             <a:r>
-              <a:rPr lang="en-US" altLang="zh-CN" dirty="0" smtClean="0"/>
+              <a:rPr lang="en-US" altLang="zh-CN" smtClean="0"/>
               <a:t>&gt;</a:t>
             </a:r>
             <a:r>
-              <a:rPr lang="zh-CN" altLang="en-US" dirty="0" smtClean="0"/>
+              <a:rPr lang="zh-CN" altLang="en-US" smtClean="0"/>
               <a:t>可以写成</a:t>
             </a:r>
             <a:r>
-              <a:rPr lang="en-US" altLang="zh-CN" dirty="0" smtClean="0"/>
+              <a:rPr lang="en-US" altLang="zh-CN" smtClean="0"/>
               <a:t/>
             </a:r>
             <a:br>
-              <a:rPr lang="en-US" altLang="zh-CN" dirty="0" smtClean="0"/>
+              <a:rPr lang="en-US" altLang="zh-CN" smtClean="0"/>
             </a:br>
             <a:r>
-              <a:rPr lang="en-US" altLang="zh-CN" dirty="0" smtClean="0"/>
+              <a:rPr lang="en-US" altLang="zh-CN" smtClean="0"/>
               <a:t>&lt;</a:t>
             </a:r>
             <a:r>
-              <a:rPr lang="en-US" altLang="zh-CN" dirty="0" err="1" smtClean="0"/>
+              <a:rPr lang="en-US" altLang="zh-CN" err="1" smtClean="0"/>
               <a:t>hr</a:t>
             </a:r>
             <a:r>
-              <a:rPr lang="en-US" altLang="zh-CN" dirty="0" smtClean="0"/>
+              <a:rPr lang="en-US" altLang="zh-CN" smtClean="0"/>
               <a:t> /&gt;</a:t>
             </a:r>
             <a:r>
-              <a:rPr lang="zh-CN" altLang="en-US" dirty="0" smtClean="0"/>
+              <a:rPr lang="zh-CN" altLang="en-US" smtClean="0"/>
               <a:t>，这两种写法效果是一样的。</a:t>
             </a:r>
-            <a:endParaRPr lang="zh-CN" altLang="en-US" dirty="0"/>
+            <a:endParaRPr lang="zh-CN" altLang="en-US"/>
           </a:p>
         </p:txBody>
       </p:sp>
@@ -6242,6 +7081,773 @@
     <p:extLst>
       <p:ext uri="{BB962C8B-B14F-4D97-AF65-F5344CB8AC3E}">
         <p14:creationId xmlns:p14="http://schemas.microsoft.com/office/powerpoint/2010/main" val="584944768"/>
+      </p:ext>
+    </p:extLst>
+  </p:cSld>
+  <p:clrMapOvr>
+    <a:masterClrMapping/>
+  </p:clrMapOvr>
+</p:sld>
+</file>
+
+<file path=ppt/slides/slide30.xml><?xml version="1.0" encoding="utf-8"?>
+<p:sld xmlns:a="http://schemas.openxmlformats.org/drawingml/2006/main" xmlns:r="http://schemas.openxmlformats.org/officeDocument/2006/relationships" xmlns:p="http://schemas.openxmlformats.org/presentationml/2006/main">
+  <p:cSld>
+    <p:spTree>
+      <p:nvGrpSpPr>
+        <p:cNvPr id="1" name=""/>
+        <p:cNvGrpSpPr/>
+        <p:nvPr/>
+      </p:nvGrpSpPr>
+      <p:grpSpPr>
+        <a:xfrm>
+          <a:off x="0" y="0"/>
+          <a:ext cx="0" cy="0"/>
+          <a:chOff x="0" y="0"/>
+          <a:chExt cx="0" cy="0"/>
+        </a:xfrm>
+      </p:grpSpPr>
+      <p:sp>
+        <p:nvSpPr>
+          <p:cNvPr id="2" name="标题 1"/>
+          <p:cNvSpPr>
+            <a:spLocks noGrp="1"/>
+          </p:cNvSpPr>
+          <p:nvPr>
+            <p:ph type="title"/>
+          </p:nvPr>
+        </p:nvSpPr>
+        <p:spPr/>
+        <p:txBody>
+          <a:bodyPr/>
+          <a:lstStyle/>
+          <a:p>
+            <a:endParaRPr lang="zh-CN" altLang="en-US"/>
+          </a:p>
+        </p:txBody>
+      </p:sp>
+      <p:sp>
+        <p:nvSpPr>
+          <p:cNvPr id="3" name="内容占位符 2"/>
+          <p:cNvSpPr>
+            <a:spLocks noGrp="1"/>
+          </p:cNvSpPr>
+          <p:nvPr>
+            <p:ph idx="1"/>
+          </p:nvPr>
+        </p:nvSpPr>
+        <p:spPr/>
+        <p:txBody>
+          <a:bodyPr/>
+          <a:lstStyle/>
+          <a:p>
+            <a:r>
+              <a:rPr lang="zh-CN" altLang="en-US" smtClean="0"/>
+              <a:t>这些组织</a:t>
+            </a:r>
+            <a:r>
+              <a:rPr lang="zh-CN" altLang="en-US"/>
+              <a:t>内容</a:t>
+            </a:r>
+            <a:r>
+              <a:rPr lang="zh-CN" altLang="en-US"/>
+              <a:t>类</a:t>
+            </a:r>
+            <a:r>
+              <a:rPr lang="zh-CN" altLang="en-US" smtClean="0"/>
+              <a:t>元素都属于块级元素。</a:t>
+            </a:r>
+            <a:endParaRPr lang="zh-CN" altLang="en-US"/>
+          </a:p>
+        </p:txBody>
+      </p:sp>
+    </p:spTree>
+    <p:extLst>
+      <p:ext uri="{BB962C8B-B14F-4D97-AF65-F5344CB8AC3E}">
+        <p14:creationId xmlns:p14="http://schemas.microsoft.com/office/powerpoint/2010/main" val="4235192911"/>
+      </p:ext>
+    </p:extLst>
+  </p:cSld>
+  <p:clrMapOvr>
+    <a:masterClrMapping/>
+  </p:clrMapOvr>
+</p:sld>
+</file>
+
+<file path=ppt/slides/slide31.xml><?xml version="1.0" encoding="utf-8"?>
+<p:sld xmlns:a="http://schemas.openxmlformats.org/drawingml/2006/main" xmlns:r="http://schemas.openxmlformats.org/officeDocument/2006/relationships" xmlns:p="http://schemas.openxmlformats.org/presentationml/2006/main">
+  <p:cSld>
+    <p:spTree>
+      <p:nvGrpSpPr>
+        <p:cNvPr id="1" name=""/>
+        <p:cNvGrpSpPr/>
+        <p:nvPr/>
+      </p:nvGrpSpPr>
+      <p:grpSpPr>
+        <a:xfrm>
+          <a:off x="0" y="0"/>
+          <a:ext cx="0" cy="0"/>
+          <a:chOff x="0" y="0"/>
+          <a:chExt cx="0" cy="0"/>
+        </a:xfrm>
+      </p:grpSpPr>
+      <p:sp>
+        <p:nvSpPr>
+          <p:cNvPr id="2" name="标题 1"/>
+          <p:cNvSpPr>
+            <a:spLocks noGrp="1"/>
+          </p:cNvSpPr>
+          <p:nvPr>
+            <p:ph type="title"/>
+          </p:nvPr>
+        </p:nvSpPr>
+        <p:spPr/>
+        <p:txBody>
+          <a:bodyPr/>
+          <a:lstStyle/>
+          <a:p>
+            <a:r>
+              <a:rPr lang="zh-CN" altLang="en-US" smtClean="0"/>
+              <a:t>表格元素</a:t>
+            </a:r>
+            <a:endParaRPr lang="zh-CN" altLang="en-US"/>
+          </a:p>
+        </p:txBody>
+      </p:sp>
+      <p:sp>
+        <p:nvSpPr>
+          <p:cNvPr id="3" name="内容占位符 2"/>
+          <p:cNvSpPr>
+            <a:spLocks noGrp="1"/>
+          </p:cNvSpPr>
+          <p:nvPr>
+            <p:ph idx="1"/>
+          </p:nvPr>
+        </p:nvSpPr>
+        <p:spPr/>
+        <p:txBody>
+          <a:bodyPr/>
+          <a:lstStyle/>
+          <a:p>
+            <a:r>
+              <a:rPr lang="zh-CN" altLang="en-US" smtClean="0"/>
+              <a:t>基本的表格</a:t>
+            </a:r>
+            <a:endParaRPr lang="en-US" altLang="zh-CN" smtClean="0"/>
+          </a:p>
+          <a:p>
+            <a:pPr marL="0" indent="0">
+              <a:buNone/>
+            </a:pPr>
+            <a:r>
+              <a:rPr lang="en-US" altLang="zh-CN" smtClean="0"/>
+              <a:t>&lt;table&gt;</a:t>
+            </a:r>
+          </a:p>
+          <a:p>
+            <a:pPr marL="0" indent="0">
+              <a:buNone/>
+            </a:pPr>
+            <a:r>
+              <a:rPr lang="en-US" altLang="zh-CN" smtClean="0"/>
+              <a:t>	&lt;tr&gt;</a:t>
+            </a:r>
+          </a:p>
+          <a:p>
+            <a:pPr marL="0" indent="0">
+              <a:buNone/>
+            </a:pPr>
+            <a:r>
+              <a:rPr lang="en-US" altLang="zh-CN"/>
+              <a:t>	</a:t>
+            </a:r>
+            <a:r>
+              <a:rPr lang="en-US" altLang="zh-CN" smtClean="0"/>
+              <a:t>	&lt;tb&gt;</a:t>
+            </a:r>
+            <a:r>
+              <a:rPr lang="zh-CN" altLang="en-US" smtClean="0"/>
+              <a:t>单元格</a:t>
+            </a:r>
+            <a:r>
+              <a:rPr lang="en-US" altLang="zh-CN" smtClean="0"/>
+              <a:t>&lt;/tb&gt;</a:t>
+            </a:r>
+          </a:p>
+          <a:p>
+            <a:pPr marL="0" indent="0">
+              <a:buNone/>
+            </a:pPr>
+            <a:r>
+              <a:rPr lang="en-US" altLang="zh-CN"/>
+              <a:t>	</a:t>
+            </a:r>
+            <a:r>
+              <a:rPr lang="en-US" altLang="zh-CN" smtClean="0"/>
+              <a:t>&lt;/tr&gt;</a:t>
+            </a:r>
+            <a:endParaRPr lang="en-US" altLang="zh-CN"/>
+          </a:p>
+          <a:p>
+            <a:pPr marL="0" indent="0">
+              <a:buNone/>
+            </a:pPr>
+            <a:r>
+              <a:rPr lang="en-US" altLang="zh-CN" smtClean="0"/>
+              <a:t>&lt;/table&gt;</a:t>
+            </a:r>
+            <a:endParaRPr lang="zh-CN" altLang="en-US"/>
+          </a:p>
+        </p:txBody>
+      </p:sp>
+    </p:spTree>
+    <p:extLst>
+      <p:ext uri="{BB962C8B-B14F-4D97-AF65-F5344CB8AC3E}">
+        <p14:creationId xmlns:p14="http://schemas.microsoft.com/office/powerpoint/2010/main" val="919995291"/>
+      </p:ext>
+    </p:extLst>
+  </p:cSld>
+  <p:clrMapOvr>
+    <a:masterClrMapping/>
+  </p:clrMapOvr>
+</p:sld>
+</file>
+
+<file path=ppt/slides/slide32.xml><?xml version="1.0" encoding="utf-8"?>
+<p:sld xmlns:a="http://schemas.openxmlformats.org/drawingml/2006/main" xmlns:r="http://schemas.openxmlformats.org/officeDocument/2006/relationships" xmlns:p="http://schemas.openxmlformats.org/presentationml/2006/main">
+  <p:cSld>
+    <p:spTree>
+      <p:nvGrpSpPr>
+        <p:cNvPr id="1" name=""/>
+        <p:cNvGrpSpPr/>
+        <p:nvPr/>
+      </p:nvGrpSpPr>
+      <p:grpSpPr>
+        <a:xfrm>
+          <a:off x="0" y="0"/>
+          <a:ext cx="0" cy="0"/>
+          <a:chOff x="0" y="0"/>
+          <a:chExt cx="0" cy="0"/>
+        </a:xfrm>
+      </p:grpSpPr>
+      <p:sp>
+        <p:nvSpPr>
+          <p:cNvPr id="2" name="标题 1"/>
+          <p:cNvSpPr>
+            <a:spLocks noGrp="1"/>
+          </p:cNvSpPr>
+          <p:nvPr>
+            <p:ph type="title"/>
+          </p:nvPr>
+        </p:nvSpPr>
+        <p:spPr/>
+        <p:txBody>
+          <a:bodyPr/>
+          <a:lstStyle/>
+          <a:p>
+            <a:endParaRPr lang="zh-CN" altLang="en-US"/>
+          </a:p>
+        </p:txBody>
+      </p:sp>
+      <p:sp>
+        <p:nvSpPr>
+          <p:cNvPr id="3" name="内容占位符 2"/>
+          <p:cNvSpPr>
+            <a:spLocks noGrp="1"/>
+          </p:cNvSpPr>
+          <p:nvPr>
+            <p:ph idx="1"/>
+          </p:nvPr>
+        </p:nvSpPr>
+        <p:spPr/>
+        <p:txBody>
+          <a:bodyPr/>
+          <a:lstStyle/>
+          <a:p>
+            <a:r>
+              <a:rPr lang="en-US" altLang="zh-CN" smtClean="0"/>
+              <a:t>&lt;table&gt;</a:t>
+            </a:r>
+            <a:r>
+              <a:rPr lang="zh-CN" altLang="en-US" smtClean="0"/>
+              <a:t>表示表格</a:t>
+            </a:r>
+            <a:endParaRPr lang="en-US" altLang="zh-CN" smtClean="0"/>
+          </a:p>
+          <a:p>
+            <a:endParaRPr lang="en-US" altLang="zh-CN"/>
+          </a:p>
+          <a:p>
+            <a:r>
+              <a:rPr lang="en-US" altLang="zh-CN" smtClean="0"/>
+              <a:t>&lt;tr&gt;</a:t>
+            </a:r>
+            <a:r>
+              <a:rPr lang="zh-CN" altLang="en-US" smtClean="0"/>
+              <a:t>表示表格中的行</a:t>
+            </a:r>
+            <a:endParaRPr lang="en-US" altLang="zh-CN" smtClean="0"/>
+          </a:p>
+          <a:p>
+            <a:endParaRPr lang="en-US" altLang="zh-CN"/>
+          </a:p>
+          <a:p>
+            <a:r>
+              <a:rPr lang="en-US" altLang="zh-CN" smtClean="0"/>
+              <a:t>&lt;td&gt;</a:t>
+            </a:r>
+            <a:r>
+              <a:rPr lang="zh-CN" altLang="en-US" smtClean="0"/>
+              <a:t>表示表格中的单元格</a:t>
+            </a:r>
+            <a:endParaRPr lang="zh-CN" altLang="en-US"/>
+          </a:p>
+        </p:txBody>
+      </p:sp>
+    </p:spTree>
+    <p:extLst>
+      <p:ext uri="{BB962C8B-B14F-4D97-AF65-F5344CB8AC3E}">
+        <p14:creationId xmlns:p14="http://schemas.microsoft.com/office/powerpoint/2010/main" val="1380507583"/>
+      </p:ext>
+    </p:extLst>
+  </p:cSld>
+  <p:clrMapOvr>
+    <a:masterClrMapping/>
+  </p:clrMapOvr>
+</p:sld>
+</file>
+
+<file path=ppt/slides/slide33.xml><?xml version="1.0" encoding="utf-8"?>
+<p:sld xmlns:a="http://schemas.openxmlformats.org/drawingml/2006/main" xmlns:r="http://schemas.openxmlformats.org/officeDocument/2006/relationships" xmlns:p="http://schemas.openxmlformats.org/presentationml/2006/main">
+  <p:cSld>
+    <p:spTree>
+      <p:nvGrpSpPr>
+        <p:cNvPr id="1" name=""/>
+        <p:cNvGrpSpPr/>
+        <p:nvPr/>
+      </p:nvGrpSpPr>
+      <p:grpSpPr>
+        <a:xfrm>
+          <a:off x="0" y="0"/>
+          <a:ext cx="0" cy="0"/>
+          <a:chOff x="0" y="0"/>
+          <a:chExt cx="0" cy="0"/>
+        </a:xfrm>
+      </p:grpSpPr>
+      <p:sp>
+        <p:nvSpPr>
+          <p:cNvPr id="4" name="标题 3"/>
+          <p:cNvSpPr>
+            <a:spLocks noGrp="1"/>
+          </p:cNvSpPr>
+          <p:nvPr>
+            <p:ph type="title"/>
+          </p:nvPr>
+        </p:nvSpPr>
+        <p:spPr/>
+        <p:txBody>
+          <a:bodyPr/>
+          <a:lstStyle/>
+          <a:p>
+            <a:endParaRPr lang="zh-CN" altLang="en-US"/>
+          </a:p>
+        </p:txBody>
+      </p:sp>
+      <p:sp>
+        <p:nvSpPr>
+          <p:cNvPr id="5" name="内容占位符 4"/>
+          <p:cNvSpPr>
+            <a:spLocks noGrp="1"/>
+          </p:cNvSpPr>
+          <p:nvPr>
+            <p:ph idx="1"/>
+          </p:nvPr>
+        </p:nvSpPr>
+        <p:spPr/>
+        <p:txBody>
+          <a:bodyPr>
+            <a:normAutofit fontScale="92500" lnSpcReduction="20000"/>
+          </a:bodyPr>
+          <a:lstStyle/>
+          <a:p>
+            <a:r>
+              <a:rPr lang="en-US" altLang="zh-CN" smtClean="0"/>
+              <a:t>&lt;th&gt;</a:t>
+            </a:r>
+            <a:r>
+              <a:rPr lang="zh-CN" altLang="en-US" smtClean="0"/>
+              <a:t>表头的单元格</a:t>
+            </a:r>
+            <a:endParaRPr lang="en-US" altLang="zh-CN" smtClean="0"/>
+          </a:p>
+          <a:p>
+            <a:endParaRPr lang="en-US" altLang="zh-CN" smtClean="0"/>
+          </a:p>
+          <a:p>
+            <a:r>
+              <a:rPr lang="en-US" altLang="zh-CN" smtClean="0"/>
+              <a:t>&lt;thead&gt;</a:t>
+            </a:r>
+            <a:r>
+              <a:rPr lang="zh-CN" altLang="en-US" smtClean="0"/>
+              <a:t>表格的表头</a:t>
+            </a:r>
+            <a:endParaRPr lang="en-US" altLang="zh-CN" smtClean="0"/>
+          </a:p>
+          <a:p>
+            <a:endParaRPr lang="en-US" altLang="zh-CN"/>
+          </a:p>
+          <a:p>
+            <a:r>
+              <a:rPr lang="en-US" altLang="zh-CN" smtClean="0"/>
+              <a:t>&lt;tbody&gt;</a:t>
+            </a:r>
+            <a:r>
+              <a:rPr lang="zh-CN" altLang="en-US" smtClean="0"/>
+              <a:t>表格的主体</a:t>
+            </a:r>
+            <a:endParaRPr lang="en-US" altLang="zh-CN" smtClean="0"/>
+          </a:p>
+          <a:p>
+            <a:endParaRPr lang="en-US" altLang="zh-CN"/>
+          </a:p>
+          <a:p>
+            <a:r>
+              <a:rPr lang="en-US" altLang="zh-CN" smtClean="0"/>
+              <a:t>&lt;tfoot&gt;</a:t>
+            </a:r>
+            <a:r>
+              <a:rPr lang="zh-CN" altLang="en-US" smtClean="0"/>
+              <a:t>表格的表脚</a:t>
+            </a:r>
+            <a:endParaRPr lang="en-US" altLang="zh-CN" smtClean="0"/>
+          </a:p>
+          <a:p>
+            <a:endParaRPr lang="en-US" altLang="zh-CN"/>
+          </a:p>
+          <a:p>
+            <a:r>
+              <a:rPr lang="en-US" altLang="zh-CN" smtClean="0"/>
+              <a:t>&lt;caption&gt;</a:t>
+            </a:r>
+            <a:r>
+              <a:rPr lang="zh-CN" altLang="en-US" smtClean="0"/>
+              <a:t>表格的标题</a:t>
+            </a:r>
+            <a:endParaRPr lang="en-US" altLang="zh-CN"/>
+          </a:p>
+        </p:txBody>
+      </p:sp>
+    </p:spTree>
+    <p:extLst>
+      <p:ext uri="{BB962C8B-B14F-4D97-AF65-F5344CB8AC3E}">
+        <p14:creationId xmlns:p14="http://schemas.microsoft.com/office/powerpoint/2010/main" val="3483939433"/>
+      </p:ext>
+    </p:extLst>
+  </p:cSld>
+  <p:clrMapOvr>
+    <a:masterClrMapping/>
+  </p:clrMapOvr>
+</p:sld>
+</file>
+
+<file path=ppt/slides/slide34.xml><?xml version="1.0" encoding="utf-8"?>
+<p:sld xmlns:a="http://schemas.openxmlformats.org/drawingml/2006/main" xmlns:r="http://schemas.openxmlformats.org/officeDocument/2006/relationships" xmlns:p="http://schemas.openxmlformats.org/presentationml/2006/main">
+  <p:cSld>
+    <p:spTree>
+      <p:nvGrpSpPr>
+        <p:cNvPr id="1" name=""/>
+        <p:cNvGrpSpPr/>
+        <p:nvPr/>
+      </p:nvGrpSpPr>
+      <p:grpSpPr>
+        <a:xfrm>
+          <a:off x="0" y="0"/>
+          <a:ext cx="0" cy="0"/>
+          <a:chOff x="0" y="0"/>
+          <a:chExt cx="0" cy="0"/>
+        </a:xfrm>
+      </p:grpSpPr>
+      <p:sp>
+        <p:nvSpPr>
+          <p:cNvPr id="2" name="标题 1"/>
+          <p:cNvSpPr>
+            <a:spLocks noGrp="1"/>
+          </p:cNvSpPr>
+          <p:nvPr>
+            <p:ph type="title"/>
+          </p:nvPr>
+        </p:nvSpPr>
+        <p:spPr/>
+        <p:txBody>
+          <a:bodyPr/>
+          <a:lstStyle/>
+          <a:p>
+            <a:r>
+              <a:rPr lang="zh-CN" altLang="en-US" smtClean="0"/>
+              <a:t>制作不规则表格</a:t>
+            </a:r>
+            <a:endParaRPr lang="zh-CN" altLang="en-US"/>
+          </a:p>
+        </p:txBody>
+      </p:sp>
+      <p:sp>
+        <p:nvSpPr>
+          <p:cNvPr id="3" name="内容占位符 2"/>
+          <p:cNvSpPr>
+            <a:spLocks noGrp="1"/>
+          </p:cNvSpPr>
+          <p:nvPr>
+            <p:ph idx="1"/>
+          </p:nvPr>
+        </p:nvSpPr>
+        <p:spPr/>
+        <p:txBody>
+          <a:bodyPr/>
+          <a:lstStyle/>
+          <a:p>
+            <a:r>
+              <a:rPr lang="zh-CN" altLang="en-US" smtClean="0"/>
+              <a:t>利用</a:t>
+            </a:r>
+            <a:r>
+              <a:rPr lang="en-US" altLang="zh-CN" smtClean="0"/>
+              <a:t>&lt;td&gt;</a:t>
+            </a:r>
+            <a:r>
+              <a:rPr lang="zh-CN" altLang="en-US" smtClean="0"/>
+              <a:t>或</a:t>
+            </a:r>
+            <a:r>
+              <a:rPr lang="en-US" altLang="zh-CN" smtClean="0"/>
+              <a:t>&lt;th&gt;</a:t>
+            </a:r>
+            <a:r>
+              <a:rPr lang="zh-CN" altLang="en-US" smtClean="0"/>
+              <a:t>元素的</a:t>
+            </a:r>
+            <a:r>
+              <a:rPr lang="en-US" altLang="zh-CN" smtClean="0"/>
+              <a:t>colspan</a:t>
+            </a:r>
+            <a:r>
+              <a:rPr lang="zh-CN" altLang="en-US" smtClean="0"/>
+              <a:t>和</a:t>
+            </a:r>
+            <a:r>
+              <a:rPr lang="en-US" altLang="zh-CN" smtClean="0"/>
+              <a:t>rowspan</a:t>
+            </a:r>
+            <a:r>
+              <a:rPr lang="zh-CN" altLang="en-US" smtClean="0"/>
+              <a:t>属性可以制作不规则表格</a:t>
+            </a:r>
+            <a:endParaRPr lang="en-US" altLang="zh-CN" smtClean="0"/>
+          </a:p>
+          <a:p>
+            <a:endParaRPr lang="en-US" altLang="zh-CN"/>
+          </a:p>
+          <a:p>
+            <a:r>
+              <a:rPr lang="en-US" altLang="zh-CN" smtClean="0"/>
+              <a:t>rowspan</a:t>
+            </a:r>
+            <a:r>
+              <a:rPr lang="zh-CN" altLang="en-US" smtClean="0"/>
+              <a:t>设置所跨的行数</a:t>
+            </a:r>
+            <a:endParaRPr lang="en-US" altLang="zh-CN" smtClean="0"/>
+          </a:p>
+          <a:p>
+            <a:endParaRPr lang="en-US" altLang="zh-CN"/>
+          </a:p>
+          <a:p>
+            <a:r>
+              <a:rPr lang="en-US" altLang="zh-CN" smtClean="0"/>
+              <a:t>colspan</a:t>
+            </a:r>
+            <a:r>
+              <a:rPr lang="zh-CN" altLang="en-US" smtClean="0"/>
+              <a:t>设置所跨的列数</a:t>
+            </a:r>
+            <a:endParaRPr lang="zh-CN" altLang="en-US"/>
+          </a:p>
+        </p:txBody>
+      </p:sp>
+    </p:spTree>
+    <p:extLst>
+      <p:ext uri="{BB962C8B-B14F-4D97-AF65-F5344CB8AC3E}">
+        <p14:creationId xmlns:p14="http://schemas.microsoft.com/office/powerpoint/2010/main" val="927926391"/>
+      </p:ext>
+    </p:extLst>
+  </p:cSld>
+  <p:clrMapOvr>
+    <a:masterClrMapping/>
+  </p:clrMapOvr>
+</p:sld>
+</file>
+
+<file path=ppt/slides/slide35.xml><?xml version="1.0" encoding="utf-8"?>
+<p:sld xmlns:a="http://schemas.openxmlformats.org/drawingml/2006/main" xmlns:r="http://schemas.openxmlformats.org/officeDocument/2006/relationships" xmlns:p="http://schemas.openxmlformats.org/presentationml/2006/main">
+  <p:cSld>
+    <p:spTree>
+      <p:nvGrpSpPr>
+        <p:cNvPr id="1" name=""/>
+        <p:cNvGrpSpPr/>
+        <p:nvPr/>
+      </p:nvGrpSpPr>
+      <p:grpSpPr>
+        <a:xfrm>
+          <a:off x="0" y="0"/>
+          <a:ext cx="0" cy="0"/>
+          <a:chOff x="0" y="0"/>
+          <a:chExt cx="0" cy="0"/>
+        </a:xfrm>
+      </p:grpSpPr>
+      <p:sp>
+        <p:nvSpPr>
+          <p:cNvPr id="2" name="标题 1"/>
+          <p:cNvSpPr>
+            <a:spLocks noGrp="1"/>
+          </p:cNvSpPr>
+          <p:nvPr>
+            <p:ph type="title"/>
+          </p:nvPr>
+        </p:nvSpPr>
+        <p:spPr/>
+        <p:txBody>
+          <a:bodyPr/>
+          <a:lstStyle/>
+          <a:p>
+            <a:r>
+              <a:rPr lang="zh-CN" altLang="en-US" smtClean="0"/>
+              <a:t>表格其他属性设置</a:t>
+            </a:r>
+            <a:endParaRPr lang="zh-CN" altLang="en-US"/>
+          </a:p>
+        </p:txBody>
+      </p:sp>
+      <p:sp>
+        <p:nvSpPr>
+          <p:cNvPr id="3" name="内容占位符 2"/>
+          <p:cNvSpPr>
+            <a:spLocks noGrp="1"/>
+          </p:cNvSpPr>
+          <p:nvPr>
+            <p:ph idx="1"/>
+          </p:nvPr>
+        </p:nvSpPr>
+        <p:spPr/>
+        <p:txBody>
+          <a:bodyPr/>
+          <a:lstStyle/>
+          <a:p>
+            <a:r>
+              <a:rPr lang="en-US" altLang="zh-CN" smtClean="0"/>
+              <a:t>&lt;table&gt;</a:t>
+            </a:r>
+            <a:r>
+              <a:rPr lang="zh-CN" altLang="en-US" smtClean="0"/>
+              <a:t>元素的</a:t>
+            </a:r>
+            <a:r>
+              <a:rPr lang="en-US" altLang="zh-CN" smtClean="0"/>
+              <a:t>border</a:t>
+            </a:r>
+            <a:r>
+              <a:rPr lang="zh-CN" altLang="en-US" smtClean="0"/>
+              <a:t>属性</a:t>
+            </a:r>
+            <a:endParaRPr lang="en-US" altLang="zh-CN" smtClean="0"/>
+          </a:p>
+          <a:p>
+            <a:r>
+              <a:rPr lang="en-US" altLang="zh-CN" smtClean="0"/>
+              <a:t>border</a:t>
+            </a:r>
+            <a:r>
+              <a:rPr lang="zh-CN" altLang="en-US" smtClean="0"/>
+              <a:t>：设置表格边框线的粗细</a:t>
+            </a:r>
+            <a:endParaRPr lang="en-US" altLang="zh-CN" smtClean="0"/>
+          </a:p>
+          <a:p>
+            <a:r>
+              <a:rPr lang="en-US" altLang="zh-CN" smtClean="0"/>
+              <a:t>cellspacing</a:t>
+            </a:r>
+            <a:r>
+              <a:rPr lang="zh-CN" altLang="en-US" smtClean="0"/>
+              <a:t>：设置单元格的间距</a:t>
+            </a:r>
+            <a:endParaRPr lang="en-US" altLang="zh-CN" smtClean="0"/>
+          </a:p>
+          <a:p>
+            <a:endParaRPr lang="en-US" altLang="zh-CN"/>
+          </a:p>
+          <a:p>
+            <a:r>
+              <a:rPr lang="en-US" altLang="zh-CN" smtClean="0"/>
+              <a:t>&lt;td&gt;</a:t>
+            </a:r>
+            <a:r>
+              <a:rPr lang="zh-CN" altLang="en-US" smtClean="0"/>
+              <a:t>或</a:t>
+            </a:r>
+            <a:r>
+              <a:rPr lang="en-US" altLang="zh-CN" smtClean="0"/>
+              <a:t>&lt;th&gt;</a:t>
+            </a:r>
+            <a:r>
+              <a:rPr lang="zh-CN" altLang="en-US" smtClean="0"/>
+              <a:t>元素的</a:t>
+            </a:r>
+            <a:r>
+              <a:rPr lang="en-US" altLang="zh-CN" smtClean="0"/>
+              <a:t>width</a:t>
+            </a:r>
+            <a:r>
+              <a:rPr lang="zh-CN" altLang="en-US" smtClean="0"/>
+              <a:t>和</a:t>
+            </a:r>
+            <a:r>
+              <a:rPr lang="en-US" altLang="zh-CN" smtClean="0"/>
+              <a:t>height</a:t>
+            </a:r>
+            <a:r>
+              <a:rPr lang="zh-CN" altLang="en-US" smtClean="0"/>
+              <a:t>属性</a:t>
+            </a:r>
+            <a:endParaRPr lang="en-US" altLang="zh-CN" smtClean="0"/>
+          </a:p>
+          <a:p>
+            <a:r>
+              <a:rPr lang="en-US" altLang="zh-CN" smtClean="0"/>
+              <a:t>width</a:t>
+            </a:r>
+            <a:r>
+              <a:rPr lang="zh-CN" altLang="en-US" smtClean="0"/>
+              <a:t>：设置单元格的宽度</a:t>
+            </a:r>
+            <a:endParaRPr lang="en-US" altLang="zh-CN" smtClean="0"/>
+          </a:p>
+          <a:p>
+            <a:r>
+              <a:rPr lang="en-US" altLang="zh-CN" smtClean="0"/>
+              <a:t>height</a:t>
+            </a:r>
+            <a:r>
+              <a:rPr lang="zh-CN" altLang="en-US" smtClean="0"/>
+              <a:t>：设置单元格的高度</a:t>
+            </a:r>
+            <a:endParaRPr lang="zh-CN" altLang="en-US"/>
+          </a:p>
+        </p:txBody>
+      </p:sp>
+    </p:spTree>
+    <p:extLst>
+      <p:ext uri="{BB962C8B-B14F-4D97-AF65-F5344CB8AC3E}">
+        <p14:creationId xmlns:p14="http://schemas.microsoft.com/office/powerpoint/2010/main" val="3380407267"/>
       </p:ext>
     </p:extLst>
   </p:cSld>
@@ -6284,10 +7890,10 @@
           <a:lstStyle/>
           <a:p>
             <a:r>
-              <a:rPr lang="zh-CN" altLang="en-US" dirty="0" smtClean="0"/>
+              <a:rPr lang="zh-CN" altLang="en-US" smtClean="0"/>
               <a:t>外层结构</a:t>
             </a:r>
-            <a:endParaRPr lang="zh-CN" altLang="en-US" dirty="0"/>
+            <a:endParaRPr lang="zh-CN" altLang="en-US"/>
           </a:p>
         </p:txBody>
       </p:sp>
@@ -6307,75 +7913,75 @@
           <a:lstStyle/>
           <a:p>
             <a:r>
-              <a:rPr lang="en-US" altLang="zh-CN" dirty="0" smtClean="0"/>
+              <a:rPr lang="en-US" altLang="zh-CN" smtClean="0"/>
               <a:t>&lt;!</a:t>
             </a:r>
             <a:r>
-              <a:rPr lang="en-US" altLang="zh-CN" dirty="0" err="1" smtClean="0"/>
+              <a:rPr lang="en-US" altLang="zh-CN" err="1" smtClean="0"/>
               <a:t>doctype</a:t>
             </a:r>
             <a:r>
-              <a:rPr lang="en-US" altLang="zh-CN" dirty="0" smtClean="0"/>
+              <a:rPr lang="en-US" altLang="zh-CN" smtClean="0"/>
               <a:t> html&gt;</a:t>
             </a:r>
           </a:p>
           <a:p>
             <a:r>
-              <a:rPr lang="zh-CN" altLang="en-US" dirty="0"/>
+              <a:rPr lang="zh-CN" altLang="en-US"/>
               <a:t>每一</a:t>
             </a:r>
             <a:r>
-              <a:rPr lang="zh-CN" altLang="en-US" dirty="0" smtClean="0"/>
+              <a:rPr lang="zh-CN" altLang="en-US" smtClean="0"/>
               <a:t>个</a:t>
             </a:r>
             <a:r>
-              <a:rPr lang="en-US" altLang="zh-CN" dirty="0" smtClean="0"/>
+              <a:rPr lang="en-US" altLang="zh-CN" smtClean="0"/>
               <a:t>HTML</a:t>
             </a:r>
             <a:r>
-              <a:rPr lang="zh-CN" altLang="en-US" dirty="0" smtClean="0"/>
+              <a:rPr lang="zh-CN" altLang="en-US" smtClean="0"/>
               <a:t>文档都必须以</a:t>
             </a:r>
             <a:r>
-              <a:rPr lang="en-US" altLang="zh-CN" dirty="0" smtClean="0"/>
+              <a:rPr lang="en-US" altLang="zh-CN" smtClean="0"/>
               <a:t>DOCTYPE</a:t>
             </a:r>
             <a:r>
-              <a:rPr lang="zh-CN" altLang="en-US" dirty="0" smtClean="0"/>
+              <a:rPr lang="zh-CN" altLang="en-US" smtClean="0"/>
               <a:t>元素开头。</a:t>
             </a:r>
-            <a:endParaRPr lang="en-US" altLang="zh-CN" dirty="0" smtClean="0"/>
-          </a:p>
-          <a:p>
-            <a:r>
-              <a:rPr lang="en-US" altLang="zh-CN" dirty="0" smtClean="0"/>
+            <a:endParaRPr lang="en-US" altLang="zh-CN" smtClean="0"/>
+          </a:p>
+          <a:p>
+            <a:r>
+              <a:rPr lang="en-US" altLang="zh-CN" smtClean="0"/>
               <a:t>&lt;!</a:t>
             </a:r>
             <a:r>
-              <a:rPr lang="en-US" altLang="zh-CN" dirty="0" err="1" smtClean="0"/>
+              <a:rPr lang="en-US" altLang="zh-CN" err="1" smtClean="0"/>
               <a:t>doctype</a:t>
             </a:r>
             <a:r>
-              <a:rPr lang="en-US" altLang="zh-CN" dirty="0" smtClean="0"/>
+              <a:rPr lang="en-US" altLang="zh-CN" smtClean="0"/>
               <a:t> html&gt;</a:t>
             </a:r>
             <a:r>
-              <a:rPr lang="zh-CN" altLang="en-US" dirty="0" smtClean="0"/>
+              <a:rPr lang="zh-CN" altLang="en-US" smtClean="0"/>
               <a:t>告诉浏览器文档中</a:t>
             </a:r>
             <a:r>
-              <a:rPr lang="en-US" altLang="zh-CN" dirty="0" smtClean="0"/>
+              <a:rPr lang="en-US" altLang="zh-CN" smtClean="0"/>
               <a:t>html</a:t>
             </a:r>
             <a:r>
-              <a:rPr lang="zh-CN" altLang="en-US" dirty="0" smtClean="0"/>
+              <a:rPr lang="zh-CN" altLang="en-US" smtClean="0"/>
               <a:t>的版本为</a:t>
             </a:r>
             <a:r>
-              <a:rPr lang="en-US" altLang="zh-CN" dirty="0" smtClean="0"/>
+              <a:rPr lang="en-US" altLang="zh-CN" smtClean="0"/>
               <a:t>html5</a:t>
             </a:r>
-            <a:endParaRPr lang="zh-CN" altLang="en-US" dirty="0"/>
+            <a:endParaRPr lang="zh-CN" altLang="en-US"/>
           </a:p>
         </p:txBody>
       </p:sp>
@@ -6425,14 +8031,14 @@
           <a:lstStyle/>
           <a:p>
             <a:r>
-              <a:rPr lang="en-US" altLang="zh-CN" dirty="0" smtClean="0"/>
+              <a:rPr lang="en-US" altLang="zh-CN" smtClean="0"/>
               <a:t>Html</a:t>
             </a:r>
             <a:r>
-              <a:rPr lang="zh-CN" altLang="en-US" dirty="0" smtClean="0"/>
+              <a:rPr lang="zh-CN" altLang="en-US" smtClean="0"/>
               <a:t>元素</a:t>
             </a:r>
-            <a:endParaRPr lang="zh-CN" altLang="en-US" dirty="0"/>
+            <a:endParaRPr lang="zh-CN" altLang="en-US"/>
           </a:p>
         </p:txBody>
       </p:sp>
@@ -6452,36 +8058,36 @@
           <a:lstStyle/>
           <a:p>
             <a:r>
-              <a:rPr lang="en-US" altLang="zh-CN" dirty="0"/>
+              <a:rPr lang="en-US" altLang="zh-CN"/>
               <a:t>h</a:t>
             </a:r>
             <a:r>
-              <a:rPr lang="en-US" altLang="zh-CN" dirty="0" smtClean="0"/>
+              <a:rPr lang="en-US" altLang="zh-CN" smtClean="0"/>
               <a:t>tml</a:t>
             </a:r>
             <a:r>
-              <a:rPr lang="zh-CN" altLang="en-US" dirty="0" smtClean="0"/>
+              <a:rPr lang="zh-CN" altLang="en-US" smtClean="0"/>
               <a:t>元素，文档中所有的元素都应该在</a:t>
             </a:r>
             <a:r>
-              <a:rPr lang="en-US" altLang="zh-CN" dirty="0" smtClean="0"/>
+              <a:rPr lang="en-US" altLang="zh-CN" smtClean="0"/>
               <a:t>html</a:t>
             </a:r>
             <a:r>
-              <a:rPr lang="zh-CN" altLang="en-US" dirty="0" smtClean="0"/>
+              <a:rPr lang="zh-CN" altLang="en-US" smtClean="0"/>
               <a:t>元素中。</a:t>
             </a:r>
-            <a:endParaRPr lang="en-US" altLang="zh-CN" dirty="0" smtClean="0"/>
-          </a:p>
-          <a:p>
-            <a:r>
-              <a:rPr lang="en-US" altLang="zh-CN" dirty="0" smtClean="0"/>
+            <a:endParaRPr lang="en-US" altLang="zh-CN" smtClean="0"/>
+          </a:p>
+          <a:p>
+            <a:r>
+              <a:rPr lang="en-US" altLang="zh-CN" smtClean="0"/>
               <a:t>&lt;!DOCTYPE HTML&gt;</a:t>
             </a:r>
           </a:p>
           <a:p>
             <a:r>
-              <a:rPr lang="en-US" altLang="zh-CN" dirty="0" smtClean="0"/>
+              <a:rPr lang="en-US" altLang="zh-CN" smtClean="0"/>
               <a:t>&lt;html&gt;</a:t>
             </a:r>
           </a:p>
@@ -6490,24 +8096,24 @@
               <a:buNone/>
             </a:pPr>
             <a:r>
-              <a:rPr lang="en-US" altLang="zh-CN" dirty="0" smtClean="0"/>
+              <a:rPr lang="en-US" altLang="zh-CN" smtClean="0"/>
               <a:t>	...</a:t>
             </a:r>
             <a:r>
-              <a:rPr lang="zh-CN" altLang="en-US" dirty="0" smtClean="0"/>
+              <a:rPr lang="zh-CN" altLang="en-US" smtClean="0"/>
               <a:t>此处省略内容和元素</a:t>
             </a:r>
             <a:r>
-              <a:rPr lang="en-US" altLang="zh-CN" dirty="0" smtClean="0"/>
+              <a:rPr lang="en-US" altLang="zh-CN" smtClean="0"/>
               <a:t>...</a:t>
             </a:r>
           </a:p>
           <a:p>
             <a:r>
-              <a:rPr lang="en-US" altLang="zh-CN" dirty="0" smtClean="0"/>
+              <a:rPr lang="en-US" altLang="zh-CN" smtClean="0"/>
               <a:t>&lt;/html&gt;</a:t>
             </a:r>
-            <a:endParaRPr lang="zh-CN" altLang="en-US" dirty="0"/>
+            <a:endParaRPr lang="zh-CN" altLang="en-US"/>
           </a:p>
         </p:txBody>
       </p:sp>
@@ -6557,18 +8163,18 @@
           <a:lstStyle/>
           <a:p>
             <a:r>
-              <a:rPr lang="en-US" altLang="zh-CN" dirty="0"/>
+              <a:rPr lang="en-US" altLang="zh-CN"/>
               <a:t>h</a:t>
             </a:r>
             <a:r>
-              <a:rPr lang="en-US" altLang="zh-CN" dirty="0" smtClean="0"/>
+              <a:rPr lang="en-US" altLang="zh-CN" smtClean="0"/>
               <a:t>ead</a:t>
             </a:r>
             <a:r>
-              <a:rPr lang="zh-CN" altLang="en-US" dirty="0" smtClean="0"/>
+              <a:rPr lang="zh-CN" altLang="en-US" smtClean="0"/>
               <a:t>元素</a:t>
             </a:r>
-            <a:endParaRPr lang="zh-CN" altLang="en-US" dirty="0"/>
+            <a:endParaRPr lang="zh-CN" altLang="en-US"/>
           </a:p>
         </p:txBody>
       </p:sp>
@@ -6588,33 +8194,33 @@
           <a:lstStyle/>
           <a:p>
             <a:r>
-              <a:rPr lang="en-US" altLang="zh-CN" dirty="0"/>
+              <a:rPr lang="en-US" altLang="zh-CN"/>
               <a:t>h</a:t>
             </a:r>
             <a:r>
-              <a:rPr lang="en-US" altLang="zh-CN" dirty="0" smtClean="0"/>
+              <a:rPr lang="en-US" altLang="zh-CN" smtClean="0"/>
               <a:t>ead</a:t>
             </a:r>
             <a:r>
-              <a:rPr lang="zh-CN" altLang="en-US" dirty="0" smtClean="0"/>
+              <a:rPr lang="zh-CN" altLang="en-US" smtClean="0"/>
               <a:t>元素包含着文档的元数据。</a:t>
             </a:r>
-            <a:endParaRPr lang="en-US" altLang="zh-CN" dirty="0" smtClean="0"/>
-          </a:p>
-          <a:p>
-            <a:r>
-              <a:rPr lang="en-US" altLang="zh-CN" dirty="0"/>
+            <a:endParaRPr lang="en-US" altLang="zh-CN" smtClean="0"/>
+          </a:p>
+          <a:p>
+            <a:r>
+              <a:rPr lang="en-US" altLang="zh-CN"/>
               <a:t>h</a:t>
             </a:r>
             <a:r>
-              <a:rPr lang="en-US" altLang="zh-CN" dirty="0" smtClean="0"/>
+              <a:rPr lang="en-US" altLang="zh-CN" smtClean="0"/>
               <a:t>ead</a:t>
             </a:r>
             <a:r>
-              <a:rPr lang="zh-CN" altLang="en-US" dirty="0" smtClean="0"/>
+              <a:rPr lang="zh-CN" altLang="en-US" smtClean="0"/>
               <a:t>中的内容不会在网页中显示</a:t>
             </a:r>
-            <a:endParaRPr lang="zh-CN" altLang="en-US" dirty="0"/>
+            <a:endParaRPr lang="zh-CN" altLang="en-US"/>
           </a:p>
         </p:txBody>
       </p:sp>
@@ -6664,18 +8270,18 @@
           <a:lstStyle/>
           <a:p>
             <a:r>
-              <a:rPr lang="en-US" altLang="zh-CN" dirty="0"/>
+              <a:rPr lang="en-US" altLang="zh-CN"/>
               <a:t>b</a:t>
             </a:r>
             <a:r>
-              <a:rPr lang="en-US" altLang="zh-CN" dirty="0" smtClean="0"/>
+              <a:rPr lang="en-US" altLang="zh-CN" smtClean="0"/>
               <a:t>ody</a:t>
             </a:r>
             <a:r>
-              <a:rPr lang="zh-CN" altLang="en-US" dirty="0" smtClean="0"/>
+              <a:rPr lang="zh-CN" altLang="en-US" smtClean="0"/>
               <a:t>元素</a:t>
             </a:r>
-            <a:endParaRPr lang="zh-CN" altLang="en-US" dirty="0"/>
+            <a:endParaRPr lang="zh-CN" altLang="en-US"/>
           </a:p>
         </p:txBody>
       </p:sp>
@@ -6695,41 +8301,41 @@
           <a:lstStyle/>
           <a:p>
             <a:r>
-              <a:rPr lang="en-US" altLang="zh-CN" dirty="0"/>
+              <a:rPr lang="en-US" altLang="zh-CN"/>
               <a:t>b</a:t>
             </a:r>
             <a:r>
-              <a:rPr lang="en-US" altLang="zh-CN" dirty="0" smtClean="0"/>
+              <a:rPr lang="en-US" altLang="zh-CN" smtClean="0"/>
               <a:t>ody</a:t>
             </a:r>
             <a:r>
-              <a:rPr lang="zh-CN" altLang="en-US" dirty="0" smtClean="0"/>
+              <a:rPr lang="zh-CN" altLang="en-US" smtClean="0"/>
               <a:t>元素紧跟在</a:t>
             </a:r>
             <a:r>
-              <a:rPr lang="en-US" altLang="zh-CN" dirty="0" smtClean="0"/>
+              <a:rPr lang="en-US" altLang="zh-CN" smtClean="0"/>
               <a:t>head</a:t>
             </a:r>
             <a:r>
-              <a:rPr lang="zh-CN" altLang="en-US" dirty="0" smtClean="0"/>
+              <a:rPr lang="zh-CN" altLang="en-US" smtClean="0"/>
               <a:t>元素之后。</a:t>
             </a:r>
-            <a:endParaRPr lang="en-US" altLang="zh-CN" dirty="0" smtClean="0"/>
-          </a:p>
-          <a:p>
-            <a:r>
-              <a:rPr lang="en-US" altLang="zh-CN" dirty="0"/>
+            <a:endParaRPr lang="en-US" altLang="zh-CN" smtClean="0"/>
+          </a:p>
+          <a:p>
+            <a:r>
+              <a:rPr lang="en-US" altLang="zh-CN"/>
               <a:t>b</a:t>
             </a:r>
             <a:r>
-              <a:rPr lang="en-US" altLang="zh-CN" dirty="0" smtClean="0"/>
+              <a:rPr lang="en-US" altLang="zh-CN" smtClean="0"/>
               <a:t>ody</a:t>
             </a:r>
             <a:r>
-              <a:rPr lang="zh-CN" altLang="en-US" dirty="0" smtClean="0"/>
+              <a:rPr lang="zh-CN" altLang="en-US" smtClean="0"/>
               <a:t>中包含着在网页中显示的内容</a:t>
             </a:r>
-            <a:endParaRPr lang="zh-CN" altLang="en-US" dirty="0"/>
+            <a:endParaRPr lang="zh-CN" altLang="en-US"/>
           </a:p>
         </p:txBody>
       </p:sp>
@@ -6779,14 +8385,14 @@
           <a:lstStyle/>
           <a:p>
             <a:r>
-              <a:rPr lang="en-US" altLang="zh-CN" dirty="0" smtClean="0"/>
+              <a:rPr lang="en-US" altLang="zh-CN" smtClean="0"/>
               <a:t>Html</a:t>
             </a:r>
             <a:r>
-              <a:rPr lang="zh-CN" altLang="en-US" dirty="0" smtClean="0"/>
+              <a:rPr lang="zh-CN" altLang="en-US" smtClean="0"/>
               <a:t>文档的基本结构</a:t>
             </a:r>
-            <a:endParaRPr lang="zh-CN" altLang="en-US" dirty="0"/>
+            <a:endParaRPr lang="zh-CN" altLang="en-US"/>
           </a:p>
         </p:txBody>
       </p:sp>
@@ -6811,15 +8417,15 @@
               <a:buNone/>
             </a:pPr>
             <a:r>
-              <a:rPr lang="en-US" altLang="zh-CN" dirty="0" smtClean="0"/>
+              <a:rPr lang="en-US" altLang="zh-CN" smtClean="0"/>
               <a:t>&lt;!</a:t>
             </a:r>
             <a:r>
-              <a:rPr lang="en-US" altLang="zh-CN" dirty="0" err="1" smtClean="0"/>
+              <a:rPr lang="en-US" altLang="zh-CN" err="1" smtClean="0"/>
               <a:t>doctype</a:t>
             </a:r>
             <a:r>
-              <a:rPr lang="en-US" altLang="zh-CN" dirty="0" smtClean="0"/>
+              <a:rPr lang="en-US" altLang="zh-CN" smtClean="0"/>
               <a:t> html&gt;</a:t>
             </a:r>
           </a:p>
@@ -6828,7 +8434,7 @@
               <a:buNone/>
             </a:pPr>
             <a:r>
-              <a:rPr lang="en-US" altLang="zh-CN" dirty="0" smtClean="0"/>
+              <a:rPr lang="en-US" altLang="zh-CN" smtClean="0"/>
               <a:t>&lt;html&gt;</a:t>
             </a:r>
           </a:p>
@@ -6837,7 +8443,7 @@
               <a:buNone/>
             </a:pPr>
             <a:r>
-              <a:rPr lang="en-US" altLang="zh-CN" dirty="0" smtClean="0"/>
+              <a:rPr lang="en-US" altLang="zh-CN" smtClean="0"/>
               <a:t>	&lt;head&gt;</a:t>
             </a:r>
           </a:p>
@@ -6846,19 +8452,19 @@
               <a:buNone/>
             </a:pPr>
             <a:r>
-              <a:rPr lang="en-US" altLang="zh-CN" dirty="0"/>
+              <a:rPr lang="en-US" altLang="zh-CN"/>
               <a:t>	</a:t>
             </a:r>
             <a:r>
-              <a:rPr lang="en-US" altLang="zh-CN" dirty="0" smtClean="0"/>
+              <a:rPr lang="en-US" altLang="zh-CN" smtClean="0"/>
               <a:t>	…</a:t>
             </a:r>
             <a:r>
-              <a:rPr lang="zh-CN" altLang="en-US" dirty="0" smtClean="0"/>
+              <a:rPr lang="zh-CN" altLang="en-US" smtClean="0"/>
               <a:t>元素据</a:t>
             </a:r>
             <a:r>
-              <a:rPr lang="en-US" altLang="zh-CN" dirty="0" smtClean="0"/>
+              <a:rPr lang="en-US" altLang="zh-CN" smtClean="0"/>
               <a:t>…</a:t>
             </a:r>
           </a:p>
@@ -6867,7 +8473,7 @@
               <a:buNone/>
             </a:pPr>
             <a:r>
-              <a:rPr lang="en-US" altLang="zh-CN" dirty="0" smtClean="0"/>
+              <a:rPr lang="en-US" altLang="zh-CN" smtClean="0"/>
               <a:t>	&lt;/head&gt;</a:t>
             </a:r>
           </a:p>
@@ -6876,7 +8482,7 @@
               <a:buNone/>
             </a:pPr>
             <a:r>
-              <a:rPr lang="en-US" altLang="zh-CN" dirty="0" smtClean="0"/>
+              <a:rPr lang="en-US" altLang="zh-CN" smtClean="0"/>
               <a:t>	&lt;body&gt;</a:t>
             </a:r>
           </a:p>
@@ -6885,19 +8491,19 @@
               <a:buNone/>
             </a:pPr>
             <a:r>
-              <a:rPr lang="en-US" altLang="zh-CN" dirty="0"/>
+              <a:rPr lang="en-US" altLang="zh-CN"/>
               <a:t>	</a:t>
             </a:r>
             <a:r>
-              <a:rPr lang="en-US" altLang="zh-CN" dirty="0" smtClean="0"/>
+              <a:rPr lang="en-US" altLang="zh-CN" smtClean="0"/>
               <a:t>	…</a:t>
             </a:r>
             <a:r>
-              <a:rPr lang="zh-CN" altLang="en-US" dirty="0" smtClean="0"/>
+              <a:rPr lang="zh-CN" altLang="en-US" smtClean="0"/>
               <a:t>网页中的内容</a:t>
             </a:r>
             <a:r>
-              <a:rPr lang="en-US" altLang="zh-CN" dirty="0" smtClean="0"/>
+              <a:rPr lang="en-US" altLang="zh-CN" smtClean="0"/>
               <a:t>…</a:t>
             </a:r>
           </a:p>
@@ -6906,7 +8512,7 @@
               <a:buNone/>
             </a:pPr>
             <a:r>
-              <a:rPr lang="en-US" altLang="zh-CN" dirty="0" smtClean="0"/>
+              <a:rPr lang="en-US" altLang="zh-CN" smtClean="0"/>
               <a:t>	&lt;/body&gt;</a:t>
             </a:r>
           </a:p>
@@ -6915,10 +8521,10 @@
               <a:buNone/>
             </a:pPr>
             <a:r>
-              <a:rPr lang="en-US" altLang="zh-CN" dirty="0" smtClean="0"/>
+              <a:rPr lang="en-US" altLang="zh-CN" smtClean="0"/>
               <a:t>&lt;/html&gt;</a:t>
             </a:r>
-            <a:endParaRPr lang="zh-CN" altLang="en-US" dirty="0"/>
+            <a:endParaRPr lang="zh-CN" altLang="en-US"/>
           </a:p>
         </p:txBody>
       </p:sp>
@@ -6968,14 +8574,14 @@
           <a:lstStyle/>
           <a:p>
             <a:r>
-              <a:rPr lang="en-US" altLang="zh-CN" dirty="0" smtClean="0"/>
+              <a:rPr lang="en-US" altLang="zh-CN" smtClean="0"/>
               <a:t>h1~h6</a:t>
             </a:r>
             <a:r>
-              <a:rPr lang="zh-CN" altLang="en-US" dirty="0" smtClean="0"/>
+              <a:rPr lang="zh-CN" altLang="en-US" smtClean="0"/>
               <a:t>元素</a:t>
             </a:r>
-            <a:endParaRPr lang="zh-CN" altLang="en-US" dirty="0"/>
+            <a:endParaRPr lang="zh-CN" altLang="en-US"/>
           </a:p>
         </p:txBody>
       </p:sp>
@@ -6995,33 +8601,33 @@
           <a:lstStyle/>
           <a:p>
             <a:r>
-              <a:rPr lang="en-US" altLang="zh-CN" dirty="0" smtClean="0"/>
+              <a:rPr lang="en-US" altLang="zh-CN" smtClean="0"/>
               <a:t>h1~h6</a:t>
             </a:r>
             <a:r>
-              <a:rPr lang="zh-CN" altLang="en-US" dirty="0" smtClean="0"/>
+              <a:rPr lang="zh-CN" altLang="en-US" smtClean="0"/>
               <a:t>是标题元素。</a:t>
             </a:r>
-            <a:endParaRPr lang="en-US" altLang="zh-CN" dirty="0" smtClean="0"/>
-          </a:p>
-          <a:p>
-            <a:r>
-              <a:rPr lang="en-US" altLang="zh-CN" dirty="0" smtClean="0"/>
+            <a:endParaRPr lang="en-US" altLang="zh-CN" smtClean="0"/>
+          </a:p>
+          <a:p>
+            <a:r>
+              <a:rPr lang="en-US" altLang="zh-CN" smtClean="0"/>
               <a:t>h1</a:t>
             </a:r>
             <a:r>
-              <a:rPr lang="zh-CN" altLang="en-US" dirty="0" smtClean="0"/>
+              <a:rPr lang="zh-CN" altLang="en-US" smtClean="0"/>
               <a:t>最大，</a:t>
             </a:r>
             <a:r>
-              <a:rPr lang="en-US" altLang="zh-CN" dirty="0" smtClean="0"/>
+              <a:rPr lang="en-US" altLang="zh-CN" smtClean="0"/>
               <a:t>h6</a:t>
             </a:r>
             <a:r>
-              <a:rPr lang="zh-CN" altLang="en-US" dirty="0" smtClean="0"/>
+              <a:rPr lang="zh-CN" altLang="en-US" smtClean="0"/>
               <a:t>最小。</a:t>
             </a:r>
-            <a:endParaRPr lang="zh-CN" altLang="en-US" dirty="0"/>
+            <a:endParaRPr lang="zh-CN" altLang="en-US"/>
           </a:p>
         </p:txBody>
       </p:sp>

--- a/网页设计与制作/html元素.pptx
+++ b/网页设计与制作/html元素.pptx
@@ -40,6 +40,13 @@
     <p:sldId id="287" r:id="rId34"/>
     <p:sldId id="288" r:id="rId35"/>
     <p:sldId id="289" r:id="rId36"/>
+    <p:sldId id="291" r:id="rId37"/>
+    <p:sldId id="292" r:id="rId38"/>
+    <p:sldId id="293" r:id="rId39"/>
+    <p:sldId id="296" r:id="rId40"/>
+    <p:sldId id="294" r:id="rId41"/>
+    <p:sldId id="295" r:id="rId42"/>
+    <p:sldId id="297" r:id="rId43"/>
   </p:sldIdLst>
   <p:sldSz cx="9144000" cy="6858000" type="screen4x3"/>
   <p:notesSz cx="6858000" cy="9144000"/>
@@ -322,7 +329,7 @@
           <a:p>
             <a:fld id="{530820CF-B880-4189-942D-D702A7CBA730}" type="datetimeFigureOut">
               <a:rPr lang="zh-CN" altLang="en-US" smtClean="0"/>
-              <a:t>2020/9/13</a:t>
+              <a:t>2020/9/14</a:t>
             </a:fld>
             <a:endParaRPr lang="zh-CN" altLang="en-US"/>
           </a:p>
@@ -487,7 +494,7 @@
           <a:p>
             <a:fld id="{530820CF-B880-4189-942D-D702A7CBA730}" type="datetimeFigureOut">
               <a:rPr lang="zh-CN" altLang="en-US" smtClean="0"/>
-              <a:t>2020/9/13</a:t>
+              <a:t>2020/9/14</a:t>
             </a:fld>
             <a:endParaRPr lang="zh-CN" altLang="en-US"/>
           </a:p>
@@ -662,7 +669,7 @@
           <a:p>
             <a:fld id="{530820CF-B880-4189-942D-D702A7CBA730}" type="datetimeFigureOut">
               <a:rPr lang="zh-CN" altLang="en-US" smtClean="0"/>
-              <a:t>2020/9/13</a:t>
+              <a:t>2020/9/14</a:t>
             </a:fld>
             <a:endParaRPr lang="zh-CN" altLang="en-US"/>
           </a:p>
@@ -827,7 +834,7 @@
           <a:p>
             <a:fld id="{530820CF-B880-4189-942D-D702A7CBA730}" type="datetimeFigureOut">
               <a:rPr lang="zh-CN" altLang="en-US" smtClean="0"/>
-              <a:t>2020/9/13</a:t>
+              <a:t>2020/9/14</a:t>
             </a:fld>
             <a:endParaRPr lang="zh-CN" altLang="en-US"/>
           </a:p>
@@ -1068,7 +1075,7 @@
           <a:p>
             <a:fld id="{530820CF-B880-4189-942D-D702A7CBA730}" type="datetimeFigureOut">
               <a:rPr lang="zh-CN" altLang="en-US" smtClean="0"/>
-              <a:t>2020/9/13</a:t>
+              <a:t>2020/9/14</a:t>
             </a:fld>
             <a:endParaRPr lang="zh-CN" altLang="en-US"/>
           </a:p>
@@ -1351,7 +1358,7 @@
           <a:p>
             <a:fld id="{530820CF-B880-4189-942D-D702A7CBA730}" type="datetimeFigureOut">
               <a:rPr lang="zh-CN" altLang="en-US" smtClean="0"/>
-              <a:t>2020/9/13</a:t>
+              <a:t>2020/9/14</a:t>
             </a:fld>
             <a:endParaRPr lang="zh-CN" altLang="en-US"/>
           </a:p>
@@ -1768,7 +1775,7 @@
           <a:p>
             <a:fld id="{530820CF-B880-4189-942D-D702A7CBA730}" type="datetimeFigureOut">
               <a:rPr lang="zh-CN" altLang="en-US" smtClean="0"/>
-              <a:t>2020/9/13</a:t>
+              <a:t>2020/9/14</a:t>
             </a:fld>
             <a:endParaRPr lang="zh-CN" altLang="en-US"/>
           </a:p>
@@ -1881,7 +1888,7 @@
           <a:p>
             <a:fld id="{530820CF-B880-4189-942D-D702A7CBA730}" type="datetimeFigureOut">
               <a:rPr lang="zh-CN" altLang="en-US" smtClean="0"/>
-              <a:t>2020/9/13</a:t>
+              <a:t>2020/9/14</a:t>
             </a:fld>
             <a:endParaRPr lang="zh-CN" altLang="en-US"/>
           </a:p>
@@ -1971,7 +1978,7 @@
           <a:p>
             <a:fld id="{530820CF-B880-4189-942D-D702A7CBA730}" type="datetimeFigureOut">
               <a:rPr lang="zh-CN" altLang="en-US" smtClean="0"/>
-              <a:t>2020/9/13</a:t>
+              <a:t>2020/9/14</a:t>
             </a:fld>
             <a:endParaRPr lang="zh-CN" altLang="en-US"/>
           </a:p>
@@ -2243,7 +2250,7 @@
           <a:p>
             <a:fld id="{530820CF-B880-4189-942D-D702A7CBA730}" type="datetimeFigureOut">
               <a:rPr lang="zh-CN" altLang="en-US" smtClean="0"/>
-              <a:t>2020/9/13</a:t>
+              <a:t>2020/9/14</a:t>
             </a:fld>
             <a:endParaRPr lang="zh-CN" altLang="en-US"/>
           </a:p>
@@ -2491,7 +2498,7 @@
           <a:p>
             <a:fld id="{530820CF-B880-4189-942D-D702A7CBA730}" type="datetimeFigureOut">
               <a:rPr lang="zh-CN" altLang="en-US" smtClean="0"/>
-              <a:t>2020/9/13</a:t>
+              <a:t>2020/9/14</a:t>
             </a:fld>
             <a:endParaRPr lang="zh-CN" altLang="en-US"/>
           </a:p>
@@ -2699,7 +2706,7 @@
           <a:p>
             <a:fld id="{530820CF-B880-4189-942D-D702A7CBA730}" type="datetimeFigureOut">
               <a:rPr lang="zh-CN" altLang="en-US" smtClean="0"/>
-              <a:t>2020/9/13</a:t>
+              <a:t>2020/9/14</a:t>
             </a:fld>
             <a:endParaRPr lang="zh-CN" altLang="en-US"/>
           </a:p>
@@ -7147,11 +7154,7 @@
             </a:r>
             <a:r>
               <a:rPr lang="zh-CN" altLang="en-US"/>
-              <a:t>内容</a:t>
-            </a:r>
-            <a:r>
-              <a:rPr lang="zh-CN" altLang="en-US"/>
-              <a:t>类</a:t>
+              <a:t>内容类</a:t>
             </a:r>
             <a:r>
               <a:rPr lang="zh-CN" altLang="en-US" smtClean="0"/>
@@ -7857,6 +7860,450 @@
 </p:sld>
 </file>
 
+<file path=ppt/slides/slide36.xml><?xml version="1.0" encoding="utf-8"?>
+<p:sld xmlns:a="http://schemas.openxmlformats.org/drawingml/2006/main" xmlns:r="http://schemas.openxmlformats.org/officeDocument/2006/relationships" xmlns:p="http://schemas.openxmlformats.org/presentationml/2006/main">
+  <p:cSld>
+    <p:spTree>
+      <p:nvGrpSpPr>
+        <p:cNvPr id="1" name=""/>
+        <p:cNvGrpSpPr/>
+        <p:nvPr/>
+      </p:nvGrpSpPr>
+      <p:grpSpPr>
+        <a:xfrm>
+          <a:off x="0" y="0"/>
+          <a:ext cx="0" cy="0"/>
+          <a:chOff x="0" y="0"/>
+          <a:chExt cx="0" cy="0"/>
+        </a:xfrm>
+      </p:grpSpPr>
+      <p:sp>
+        <p:nvSpPr>
+          <p:cNvPr id="2" name="标题 1"/>
+          <p:cNvSpPr>
+            <a:spLocks noGrp="1"/>
+          </p:cNvSpPr>
+          <p:nvPr>
+            <p:ph type="title"/>
+          </p:nvPr>
+        </p:nvSpPr>
+        <p:spPr/>
+        <p:txBody>
+          <a:bodyPr/>
+          <a:lstStyle/>
+          <a:p>
+            <a:r>
+              <a:rPr lang="zh-CN" altLang="en-US" smtClean="0"/>
+              <a:t>表单</a:t>
+            </a:r>
+            <a:endParaRPr lang="zh-CN" altLang="en-US"/>
+          </a:p>
+        </p:txBody>
+      </p:sp>
+      <p:sp>
+        <p:nvSpPr>
+          <p:cNvPr id="3" name="内容占位符 2"/>
+          <p:cNvSpPr>
+            <a:spLocks noGrp="1"/>
+          </p:cNvSpPr>
+          <p:nvPr>
+            <p:ph idx="1"/>
+          </p:nvPr>
+        </p:nvSpPr>
+        <p:spPr/>
+        <p:txBody>
+          <a:bodyPr/>
+          <a:lstStyle/>
+          <a:p>
+            <a:r>
+              <a:rPr lang="zh-CN" altLang="en-US" smtClean="0"/>
+              <a:t>表单用于给后台服务器提交数据。</a:t>
+            </a:r>
+            <a:endParaRPr lang="en-US" altLang="zh-CN" smtClean="0"/>
+          </a:p>
+          <a:p>
+            <a:r>
+              <a:rPr lang="zh-CN" altLang="en-US" smtClean="0"/>
+              <a:t>后来在收到数据后一般会反馈一些信息。</a:t>
+            </a:r>
+            <a:endParaRPr lang="zh-CN" altLang="en-US"/>
+          </a:p>
+        </p:txBody>
+      </p:sp>
+    </p:spTree>
+    <p:extLst>
+      <p:ext uri="{BB962C8B-B14F-4D97-AF65-F5344CB8AC3E}">
+        <p14:creationId xmlns:p14="http://schemas.microsoft.com/office/powerpoint/2010/main" val="1337811792"/>
+      </p:ext>
+    </p:extLst>
+  </p:cSld>
+  <p:clrMapOvr>
+    <a:masterClrMapping/>
+  </p:clrMapOvr>
+</p:sld>
+</file>
+
+<file path=ppt/slides/slide37.xml><?xml version="1.0" encoding="utf-8"?>
+<p:sld xmlns:a="http://schemas.openxmlformats.org/drawingml/2006/main" xmlns:r="http://schemas.openxmlformats.org/officeDocument/2006/relationships" xmlns:p="http://schemas.openxmlformats.org/presentationml/2006/main">
+  <p:cSld>
+    <p:spTree>
+      <p:nvGrpSpPr>
+        <p:cNvPr id="1" name=""/>
+        <p:cNvGrpSpPr/>
+        <p:nvPr/>
+      </p:nvGrpSpPr>
+      <p:grpSpPr>
+        <a:xfrm>
+          <a:off x="0" y="0"/>
+          <a:ext cx="0" cy="0"/>
+          <a:chOff x="0" y="0"/>
+          <a:chExt cx="0" cy="0"/>
+        </a:xfrm>
+      </p:grpSpPr>
+      <p:sp>
+        <p:nvSpPr>
+          <p:cNvPr id="2" name="标题 1"/>
+          <p:cNvSpPr>
+            <a:spLocks noGrp="1"/>
+          </p:cNvSpPr>
+          <p:nvPr>
+            <p:ph type="title"/>
+          </p:nvPr>
+        </p:nvSpPr>
+        <p:spPr/>
+        <p:txBody>
+          <a:bodyPr/>
+          <a:lstStyle/>
+          <a:p>
+            <a:r>
+              <a:rPr lang="en-US" altLang="zh-CN" smtClean="0"/>
+              <a:t>form</a:t>
+            </a:r>
+            <a:endParaRPr lang="zh-CN" altLang="en-US"/>
+          </a:p>
+        </p:txBody>
+      </p:sp>
+      <p:sp>
+        <p:nvSpPr>
+          <p:cNvPr id="3" name="内容占位符 2"/>
+          <p:cNvSpPr>
+            <a:spLocks noGrp="1"/>
+          </p:cNvSpPr>
+          <p:nvPr>
+            <p:ph idx="1"/>
+          </p:nvPr>
+        </p:nvSpPr>
+        <p:spPr/>
+        <p:txBody>
+          <a:bodyPr/>
+          <a:lstStyle/>
+          <a:p>
+            <a:r>
+              <a:rPr lang="en-US" altLang="zh-CN" smtClean="0"/>
+              <a:t>&lt;form&gt;&lt;/form&gt;</a:t>
+            </a:r>
+            <a:r>
+              <a:rPr lang="zh-CN" altLang="en-US" smtClean="0"/>
+              <a:t>之间的区域为一个表单区域</a:t>
+            </a:r>
+            <a:endParaRPr lang="en-US" altLang="zh-CN" smtClean="0"/>
+          </a:p>
+          <a:p>
+            <a:endParaRPr lang="en-US" altLang="zh-CN"/>
+          </a:p>
+          <a:p>
+            <a:r>
+              <a:rPr lang="en-US" altLang="zh-CN" smtClean="0"/>
+              <a:t>&lt;form&gt;</a:t>
+            </a:r>
+            <a:r>
+              <a:rPr lang="zh-CN" altLang="en-US" smtClean="0"/>
+              <a:t>元素的局部属性</a:t>
+            </a:r>
+            <a:endParaRPr lang="en-US" altLang="zh-CN" smtClean="0"/>
+          </a:p>
+          <a:p>
+            <a:r>
+              <a:rPr lang="en-US" altLang="zh-CN"/>
+              <a:t>a</a:t>
+            </a:r>
+            <a:r>
+              <a:rPr lang="en-US" altLang="zh-CN" smtClean="0"/>
+              <a:t>ction</a:t>
+            </a:r>
+            <a:r>
+              <a:rPr lang="zh-CN" altLang="en-US" smtClean="0"/>
+              <a:t>：数据要提交到的地址</a:t>
+            </a:r>
+            <a:endParaRPr lang="en-US" altLang="zh-CN" smtClean="0"/>
+          </a:p>
+          <a:p>
+            <a:endParaRPr lang="en-US" altLang="zh-CN"/>
+          </a:p>
+          <a:p>
+            <a:r>
+              <a:rPr lang="en-US" altLang="zh-CN" smtClean="0"/>
+              <a:t>method</a:t>
+            </a:r>
+            <a:r>
+              <a:rPr lang="zh-CN" altLang="en-US" smtClean="0"/>
+              <a:t>：数据提交的方式</a:t>
+            </a:r>
+            <a:endParaRPr lang="zh-CN" altLang="en-US"/>
+          </a:p>
+        </p:txBody>
+      </p:sp>
+    </p:spTree>
+    <p:extLst>
+      <p:ext uri="{BB962C8B-B14F-4D97-AF65-F5344CB8AC3E}">
+        <p14:creationId xmlns:p14="http://schemas.microsoft.com/office/powerpoint/2010/main" val="1141393149"/>
+      </p:ext>
+    </p:extLst>
+  </p:cSld>
+  <p:clrMapOvr>
+    <a:masterClrMapping/>
+  </p:clrMapOvr>
+</p:sld>
+</file>
+
+<file path=ppt/slides/slide38.xml><?xml version="1.0" encoding="utf-8"?>
+<p:sld xmlns:a="http://schemas.openxmlformats.org/drawingml/2006/main" xmlns:r="http://schemas.openxmlformats.org/officeDocument/2006/relationships" xmlns:p="http://schemas.openxmlformats.org/presentationml/2006/main">
+  <p:cSld>
+    <p:spTree>
+      <p:nvGrpSpPr>
+        <p:cNvPr id="1" name=""/>
+        <p:cNvGrpSpPr/>
+        <p:nvPr/>
+      </p:nvGrpSpPr>
+      <p:grpSpPr>
+        <a:xfrm>
+          <a:off x="0" y="0"/>
+          <a:ext cx="0" cy="0"/>
+          <a:chOff x="0" y="0"/>
+          <a:chExt cx="0" cy="0"/>
+        </a:xfrm>
+      </p:grpSpPr>
+      <p:sp>
+        <p:nvSpPr>
+          <p:cNvPr id="2" name="标题 1"/>
+          <p:cNvSpPr>
+            <a:spLocks noGrp="1"/>
+          </p:cNvSpPr>
+          <p:nvPr>
+            <p:ph type="title"/>
+          </p:nvPr>
+        </p:nvSpPr>
+        <p:spPr/>
+        <p:txBody>
+          <a:bodyPr/>
+          <a:lstStyle/>
+          <a:p>
+            <a:r>
+              <a:rPr lang="en-US" altLang="zh-CN" smtClean="0"/>
+              <a:t>input</a:t>
+            </a:r>
+            <a:endParaRPr lang="zh-CN" altLang="en-US"/>
+          </a:p>
+        </p:txBody>
+      </p:sp>
+      <p:sp>
+        <p:nvSpPr>
+          <p:cNvPr id="3" name="内容占位符 2"/>
+          <p:cNvSpPr>
+            <a:spLocks noGrp="1"/>
+          </p:cNvSpPr>
+          <p:nvPr>
+            <p:ph idx="1"/>
+          </p:nvPr>
+        </p:nvSpPr>
+        <p:spPr/>
+        <p:txBody>
+          <a:bodyPr/>
+          <a:lstStyle/>
+          <a:p>
+            <a:r>
+              <a:rPr lang="en-US" altLang="zh-CN" smtClean="0"/>
+              <a:t>&lt;input&gt;</a:t>
+            </a:r>
+            <a:r>
+              <a:rPr lang="zh-CN" altLang="en-US" smtClean="0"/>
+              <a:t>元素是表单中最常用的一个元素。</a:t>
+            </a:r>
+            <a:endParaRPr lang="en-US" altLang="zh-CN" smtClean="0"/>
+          </a:p>
+          <a:p>
+            <a:r>
+              <a:rPr lang="en-US" altLang="zh-CN" smtClean="0"/>
+              <a:t>&lt;input&gt;</a:t>
+            </a:r>
+            <a:r>
+              <a:rPr lang="zh-CN" altLang="en-US" smtClean="0"/>
+              <a:t>元素没有结束标签</a:t>
+            </a:r>
+            <a:endParaRPr lang="en-US" altLang="zh-CN" smtClean="0"/>
+          </a:p>
+          <a:p>
+            <a:r>
+              <a:rPr lang="en-US" altLang="zh-CN" smtClean="0"/>
+              <a:t>&lt;input&gt;</a:t>
+            </a:r>
+            <a:r>
+              <a:rPr lang="zh-CN" altLang="en-US" smtClean="0"/>
+              <a:t>元素通过设置</a:t>
+            </a:r>
+            <a:r>
+              <a:rPr lang="en-US" altLang="zh-CN" smtClean="0"/>
+              <a:t>type</a:t>
+            </a:r>
+            <a:r>
+              <a:rPr lang="zh-CN" altLang="en-US" smtClean="0"/>
+              <a:t>属性，可以提供不同类型的输入框。</a:t>
+            </a:r>
+            <a:endParaRPr lang="en-US" altLang="zh-CN" smtClean="0"/>
+          </a:p>
+          <a:p>
+            <a:endParaRPr lang="zh-CN" altLang="en-US"/>
+          </a:p>
+        </p:txBody>
+      </p:sp>
+    </p:spTree>
+    <p:extLst>
+      <p:ext uri="{BB962C8B-B14F-4D97-AF65-F5344CB8AC3E}">
+        <p14:creationId xmlns:p14="http://schemas.microsoft.com/office/powerpoint/2010/main" val="1481178775"/>
+      </p:ext>
+    </p:extLst>
+  </p:cSld>
+  <p:clrMapOvr>
+    <a:masterClrMapping/>
+  </p:clrMapOvr>
+</p:sld>
+</file>
+
+<file path=ppt/slides/slide39.xml><?xml version="1.0" encoding="utf-8"?>
+<p:sld xmlns:a="http://schemas.openxmlformats.org/drawingml/2006/main" xmlns:r="http://schemas.openxmlformats.org/officeDocument/2006/relationships" xmlns:p="http://schemas.openxmlformats.org/presentationml/2006/main">
+  <p:cSld>
+    <p:spTree>
+      <p:nvGrpSpPr>
+        <p:cNvPr id="1" name=""/>
+        <p:cNvGrpSpPr/>
+        <p:nvPr/>
+      </p:nvGrpSpPr>
+      <p:grpSpPr>
+        <a:xfrm>
+          <a:off x="0" y="0"/>
+          <a:ext cx="0" cy="0"/>
+          <a:chOff x="0" y="0"/>
+          <a:chExt cx="0" cy="0"/>
+        </a:xfrm>
+      </p:grpSpPr>
+      <p:sp>
+        <p:nvSpPr>
+          <p:cNvPr id="2" name="标题 1"/>
+          <p:cNvSpPr>
+            <a:spLocks noGrp="1"/>
+          </p:cNvSpPr>
+          <p:nvPr>
+            <p:ph type="title"/>
+          </p:nvPr>
+        </p:nvSpPr>
+        <p:spPr/>
+        <p:txBody>
+          <a:bodyPr/>
+          <a:lstStyle/>
+          <a:p>
+            <a:r>
+              <a:rPr lang="en-US" altLang="zh-CN" smtClean="0"/>
+              <a:t>type</a:t>
+            </a:r>
+            <a:r>
+              <a:rPr lang="zh-CN" altLang="en-US" smtClean="0"/>
+              <a:t>与</a:t>
+            </a:r>
+            <a:r>
+              <a:rPr lang="en-US" altLang="zh-CN" smtClean="0"/>
+              <a:t>name</a:t>
+            </a:r>
+            <a:r>
+              <a:rPr lang="zh-CN" altLang="en-US" smtClean="0"/>
+              <a:t>属性</a:t>
+            </a:r>
+            <a:endParaRPr lang="zh-CN" altLang="en-US"/>
+          </a:p>
+        </p:txBody>
+      </p:sp>
+      <p:sp>
+        <p:nvSpPr>
+          <p:cNvPr id="3" name="内容占位符 2"/>
+          <p:cNvSpPr>
+            <a:spLocks noGrp="1"/>
+          </p:cNvSpPr>
+          <p:nvPr>
+            <p:ph idx="1"/>
+          </p:nvPr>
+        </p:nvSpPr>
+        <p:spPr/>
+        <p:txBody>
+          <a:bodyPr/>
+          <a:lstStyle/>
+          <a:p>
+            <a:r>
+              <a:rPr lang="en-US" altLang="zh-CN" smtClean="0"/>
+              <a:t>type</a:t>
+            </a:r>
+            <a:r>
+              <a:rPr lang="zh-CN" altLang="en-US" smtClean="0"/>
+              <a:t>属性是必须设置的属性，如果没有写，默认是</a:t>
+            </a:r>
+            <a:r>
+              <a:rPr lang="en-US" altLang="zh-CN" smtClean="0"/>
+              <a:t>type=text</a:t>
+            </a:r>
+            <a:r>
+              <a:rPr lang="zh-CN" altLang="en-US" smtClean="0"/>
+              <a:t>。</a:t>
+            </a:r>
+            <a:endParaRPr lang="en-US" altLang="zh-CN" smtClean="0"/>
+          </a:p>
+          <a:p>
+            <a:endParaRPr lang="en-US" altLang="zh-CN"/>
+          </a:p>
+          <a:p>
+            <a:r>
+              <a:rPr lang="en-US" altLang="zh-CN" smtClean="0"/>
+              <a:t>name</a:t>
+            </a:r>
+            <a:r>
+              <a:rPr lang="zh-CN" altLang="en-US" smtClean="0"/>
+              <a:t>属性如果不设置，在网页中一般不会有影响，但是在提交数据给服务器端时，服务器会找不到用户提交的数据。</a:t>
+            </a:r>
+            <a:endParaRPr lang="en-US" altLang="zh-CN" smtClean="0"/>
+          </a:p>
+          <a:p>
+            <a:r>
+              <a:rPr lang="en-US" altLang="zh-CN" smtClean="0"/>
+              <a:t>name</a:t>
+            </a:r>
+            <a:r>
+              <a:rPr lang="zh-CN" altLang="en-US" smtClean="0"/>
+              <a:t>的值可以是重复的。</a:t>
+            </a:r>
+            <a:endParaRPr lang="zh-CN" altLang="en-US"/>
+          </a:p>
+        </p:txBody>
+      </p:sp>
+    </p:spTree>
+    <p:extLst>
+      <p:ext uri="{BB962C8B-B14F-4D97-AF65-F5344CB8AC3E}">
+        <p14:creationId xmlns:p14="http://schemas.microsoft.com/office/powerpoint/2010/main" val="993368402"/>
+      </p:ext>
+    </p:extLst>
+  </p:cSld>
+  <p:clrMapOvr>
+    <a:masterClrMapping/>
+  </p:clrMapOvr>
+</p:sld>
+</file>
+
 <file path=ppt/slides/slide4.xml><?xml version="1.0" encoding="utf-8"?>
 <p:sld xmlns:a="http://schemas.openxmlformats.org/drawingml/2006/main" xmlns:r="http://schemas.openxmlformats.org/officeDocument/2006/relationships" xmlns:p="http://schemas.openxmlformats.org/presentationml/2006/main">
   <p:cSld>
@@ -7989,6 +8436,454 @@
     <p:extLst>
       <p:ext uri="{BB962C8B-B14F-4D97-AF65-F5344CB8AC3E}">
         <p14:creationId xmlns:p14="http://schemas.microsoft.com/office/powerpoint/2010/main" val="1451137381"/>
+      </p:ext>
+    </p:extLst>
+  </p:cSld>
+  <p:clrMapOvr>
+    <a:masterClrMapping/>
+  </p:clrMapOvr>
+</p:sld>
+</file>
+
+<file path=ppt/slides/slide40.xml><?xml version="1.0" encoding="utf-8"?>
+<p:sld xmlns:a="http://schemas.openxmlformats.org/drawingml/2006/main" xmlns:r="http://schemas.openxmlformats.org/officeDocument/2006/relationships" xmlns:p="http://schemas.openxmlformats.org/presentationml/2006/main">
+  <p:cSld>
+    <p:spTree>
+      <p:nvGrpSpPr>
+        <p:cNvPr id="1" name=""/>
+        <p:cNvGrpSpPr/>
+        <p:nvPr/>
+      </p:nvGrpSpPr>
+      <p:grpSpPr>
+        <a:xfrm>
+          <a:off x="0" y="0"/>
+          <a:ext cx="0" cy="0"/>
+          <a:chOff x="0" y="0"/>
+          <a:chExt cx="0" cy="0"/>
+        </a:xfrm>
+      </p:grpSpPr>
+      <p:sp>
+        <p:nvSpPr>
+          <p:cNvPr id="2" name="标题 1"/>
+          <p:cNvSpPr>
+            <a:spLocks noGrp="1"/>
+          </p:cNvSpPr>
+          <p:nvPr>
+            <p:ph type="title"/>
+          </p:nvPr>
+        </p:nvSpPr>
+        <p:spPr/>
+        <p:txBody>
+          <a:bodyPr/>
+          <a:lstStyle/>
+          <a:p>
+            <a:r>
+              <a:rPr lang="en-US" altLang="zh-CN"/>
+              <a:t>t</a:t>
+            </a:r>
+            <a:r>
+              <a:rPr lang="en-US" altLang="zh-CN" smtClean="0"/>
+              <a:t>ype</a:t>
+            </a:r>
+            <a:r>
+              <a:rPr lang="zh-CN" altLang="en-US" smtClean="0"/>
+              <a:t>属性</a:t>
+            </a:r>
+            <a:endParaRPr lang="zh-CN" altLang="en-US"/>
+          </a:p>
+        </p:txBody>
+      </p:sp>
+      <p:sp>
+        <p:nvSpPr>
+          <p:cNvPr id="3" name="内容占位符 2"/>
+          <p:cNvSpPr>
+            <a:spLocks noGrp="1"/>
+          </p:cNvSpPr>
+          <p:nvPr>
+            <p:ph idx="1"/>
+          </p:nvPr>
+        </p:nvSpPr>
+        <p:spPr/>
+        <p:txBody>
+          <a:bodyPr/>
+          <a:lstStyle/>
+          <a:p>
+            <a:r>
+              <a:rPr lang="en-US" altLang="zh-CN" smtClean="0"/>
+              <a:t>type=text</a:t>
+            </a:r>
+            <a:r>
+              <a:rPr lang="zh-CN" altLang="en-US" smtClean="0"/>
+              <a:t>单行文本框</a:t>
+            </a:r>
+            <a:endParaRPr lang="en-US" altLang="zh-CN" smtClean="0"/>
+          </a:p>
+          <a:p>
+            <a:pPr marL="0" indent="0">
+              <a:buNone/>
+            </a:pPr>
+            <a:r>
+              <a:rPr lang="en-US" altLang="zh-CN" smtClean="0"/>
+              <a:t>&lt;form&gt;</a:t>
+            </a:r>
+          </a:p>
+          <a:p>
+            <a:pPr marL="0" indent="0">
+              <a:buNone/>
+            </a:pPr>
+            <a:r>
+              <a:rPr lang="en-US" altLang="zh-CN" smtClean="0"/>
+              <a:t>	&lt;input type=“text”&gt;</a:t>
+            </a:r>
+          </a:p>
+          <a:p>
+            <a:pPr marL="0" indent="0">
+              <a:buNone/>
+            </a:pPr>
+            <a:r>
+              <a:rPr lang="en-US" altLang="zh-CN" smtClean="0"/>
+              <a:t>&lt;/form&gt;</a:t>
+            </a:r>
+          </a:p>
+          <a:p>
+            <a:r>
+              <a:rPr lang="zh-CN" altLang="en-US" smtClean="0"/>
+              <a:t>单行文本框用于一些简短的输入，例如姓名等一些简单的信息。</a:t>
+            </a:r>
+            <a:endParaRPr lang="en-US" altLang="zh-CN" smtClean="0"/>
+          </a:p>
+          <a:p>
+            <a:endParaRPr lang="zh-CN" altLang="en-US"/>
+          </a:p>
+        </p:txBody>
+      </p:sp>
+    </p:spTree>
+    <p:extLst>
+      <p:ext uri="{BB962C8B-B14F-4D97-AF65-F5344CB8AC3E}">
+        <p14:creationId xmlns:p14="http://schemas.microsoft.com/office/powerpoint/2010/main" val="1827671376"/>
+      </p:ext>
+    </p:extLst>
+  </p:cSld>
+  <p:clrMapOvr>
+    <a:masterClrMapping/>
+  </p:clrMapOvr>
+</p:sld>
+</file>
+
+<file path=ppt/slides/slide41.xml><?xml version="1.0" encoding="utf-8"?>
+<p:sld xmlns:a="http://schemas.openxmlformats.org/drawingml/2006/main" xmlns:r="http://schemas.openxmlformats.org/officeDocument/2006/relationships" xmlns:p="http://schemas.openxmlformats.org/presentationml/2006/main">
+  <p:cSld>
+    <p:spTree>
+      <p:nvGrpSpPr>
+        <p:cNvPr id="1" name=""/>
+        <p:cNvGrpSpPr/>
+        <p:nvPr/>
+      </p:nvGrpSpPr>
+      <p:grpSpPr>
+        <a:xfrm>
+          <a:off x="0" y="0"/>
+          <a:ext cx="0" cy="0"/>
+          <a:chOff x="0" y="0"/>
+          <a:chExt cx="0" cy="0"/>
+        </a:xfrm>
+      </p:grpSpPr>
+      <p:sp>
+        <p:nvSpPr>
+          <p:cNvPr id="2" name="标题 1"/>
+          <p:cNvSpPr>
+            <a:spLocks noGrp="1"/>
+          </p:cNvSpPr>
+          <p:nvPr>
+            <p:ph type="title"/>
+          </p:nvPr>
+        </p:nvSpPr>
+        <p:spPr/>
+        <p:txBody>
+          <a:bodyPr/>
+          <a:lstStyle/>
+          <a:p>
+            <a:endParaRPr lang="zh-CN" altLang="en-US"/>
+          </a:p>
+        </p:txBody>
+      </p:sp>
+      <p:sp>
+        <p:nvSpPr>
+          <p:cNvPr id="3" name="内容占位符 2"/>
+          <p:cNvSpPr>
+            <a:spLocks noGrp="1"/>
+          </p:cNvSpPr>
+          <p:nvPr>
+            <p:ph idx="1"/>
+          </p:nvPr>
+        </p:nvSpPr>
+        <p:spPr/>
+        <p:txBody>
+          <a:bodyPr>
+            <a:normAutofit lnSpcReduction="10000"/>
+          </a:bodyPr>
+          <a:lstStyle/>
+          <a:p>
+            <a:r>
+              <a:rPr lang="en-US" altLang="zh-CN" smtClean="0"/>
+              <a:t>type=radio</a:t>
+            </a:r>
+            <a:r>
+              <a:rPr lang="zh-CN" altLang="en-US" smtClean="0"/>
+              <a:t>单选框选项</a:t>
+            </a:r>
+            <a:endParaRPr lang="en-US" altLang="zh-CN" smtClean="0"/>
+          </a:p>
+          <a:p>
+            <a:pPr marL="0" indent="0">
+              <a:buNone/>
+            </a:pPr>
+            <a:r>
+              <a:rPr lang="en-US" altLang="zh-CN"/>
+              <a:t>&lt;form&gt;</a:t>
+            </a:r>
+          </a:p>
+          <a:p>
+            <a:pPr marL="0" indent="0">
+              <a:buNone/>
+            </a:pPr>
+            <a:r>
+              <a:rPr lang="en-US" altLang="zh-CN"/>
+              <a:t>	&lt;input </a:t>
+            </a:r>
+            <a:r>
+              <a:rPr lang="en-US" altLang="zh-CN"/>
+              <a:t>type</a:t>
+            </a:r>
+            <a:r>
+              <a:rPr lang="en-US" altLang="zh-CN" smtClean="0"/>
+              <a:t>=“</a:t>
+            </a:r>
+            <a:r>
+              <a:rPr lang="en-US" altLang="zh-CN"/>
+              <a:t>radio</a:t>
+            </a:r>
+            <a:r>
+              <a:rPr lang="en-US" altLang="zh-CN" smtClean="0"/>
+              <a:t>” name=“sex”&gt;</a:t>
+            </a:r>
+          </a:p>
+          <a:p>
+            <a:pPr marL="0" indent="0">
+              <a:buNone/>
+            </a:pPr>
+            <a:r>
+              <a:rPr lang="en-US" altLang="zh-CN" smtClean="0"/>
+              <a:t>	&lt;</a:t>
+            </a:r>
+            <a:r>
+              <a:rPr lang="en-US" altLang="zh-CN"/>
+              <a:t>input type=“radio” name=“</a:t>
+            </a:r>
+            <a:r>
+              <a:rPr lang="en-US" altLang="zh-CN"/>
+              <a:t>sex</a:t>
+            </a:r>
+            <a:r>
+              <a:rPr lang="en-US" altLang="zh-CN" smtClean="0"/>
+              <a:t>”&gt;</a:t>
+            </a:r>
+            <a:endParaRPr lang="en-US" altLang="zh-CN"/>
+          </a:p>
+          <a:p>
+            <a:pPr marL="0" indent="0">
+              <a:buNone/>
+            </a:pPr>
+            <a:r>
+              <a:rPr lang="en-US" altLang="zh-CN"/>
+              <a:t>&lt;/form&gt;</a:t>
+            </a:r>
+          </a:p>
+          <a:p>
+            <a:r>
+              <a:rPr lang="zh-CN" altLang="en-US" smtClean="0"/>
+              <a:t>单选框选项常用于只有一个结果选项，例如男、女，校区等。</a:t>
+            </a:r>
+            <a:endParaRPr lang="en-US" altLang="zh-CN" smtClean="0"/>
+          </a:p>
+          <a:p>
+            <a:r>
+              <a:rPr lang="zh-CN" altLang="en-US"/>
+              <a:t>同</a:t>
+            </a:r>
+            <a:r>
+              <a:rPr lang="zh-CN" altLang="en-US"/>
+              <a:t>一</a:t>
+            </a:r>
+            <a:r>
+              <a:rPr lang="zh-CN" altLang="en-US" smtClean="0"/>
+              <a:t>组的单选框</a:t>
+            </a:r>
+            <a:r>
+              <a:rPr lang="en-US" altLang="zh-CN" smtClean="0"/>
+              <a:t>name</a:t>
+            </a:r>
+            <a:r>
+              <a:rPr lang="zh-CN" altLang="en-US" smtClean="0"/>
+              <a:t>的值必须相同。</a:t>
+            </a:r>
+            <a:endParaRPr lang="en-US" altLang="zh-CN" smtClean="0"/>
+          </a:p>
+          <a:p>
+            <a:endParaRPr lang="en-US" altLang="zh-CN" smtClean="0"/>
+          </a:p>
+          <a:p>
+            <a:endParaRPr lang="zh-CN" altLang="en-US"/>
+          </a:p>
+        </p:txBody>
+      </p:sp>
+    </p:spTree>
+    <p:extLst>
+      <p:ext uri="{BB962C8B-B14F-4D97-AF65-F5344CB8AC3E}">
+        <p14:creationId xmlns:p14="http://schemas.microsoft.com/office/powerpoint/2010/main" val="3316325363"/>
+      </p:ext>
+    </p:extLst>
+  </p:cSld>
+  <p:clrMapOvr>
+    <a:masterClrMapping/>
+  </p:clrMapOvr>
+</p:sld>
+</file>
+
+<file path=ppt/slides/slide42.xml><?xml version="1.0" encoding="utf-8"?>
+<p:sld xmlns:a="http://schemas.openxmlformats.org/drawingml/2006/main" xmlns:r="http://schemas.openxmlformats.org/officeDocument/2006/relationships" xmlns:p="http://schemas.openxmlformats.org/presentationml/2006/main">
+  <p:cSld>
+    <p:spTree>
+      <p:nvGrpSpPr>
+        <p:cNvPr id="1" name=""/>
+        <p:cNvGrpSpPr/>
+        <p:nvPr/>
+      </p:nvGrpSpPr>
+      <p:grpSpPr>
+        <a:xfrm>
+          <a:off x="0" y="0"/>
+          <a:ext cx="0" cy="0"/>
+          <a:chOff x="0" y="0"/>
+          <a:chExt cx="0" cy="0"/>
+        </a:xfrm>
+      </p:grpSpPr>
+      <p:sp>
+        <p:nvSpPr>
+          <p:cNvPr id="2" name="标题 1"/>
+          <p:cNvSpPr>
+            <a:spLocks noGrp="1"/>
+          </p:cNvSpPr>
+          <p:nvPr>
+            <p:ph type="title"/>
+          </p:nvPr>
+        </p:nvSpPr>
+        <p:spPr/>
+        <p:txBody>
+          <a:bodyPr/>
+          <a:lstStyle/>
+          <a:p>
+            <a:endParaRPr lang="zh-CN" altLang="en-US"/>
+          </a:p>
+        </p:txBody>
+      </p:sp>
+      <p:sp>
+        <p:nvSpPr>
+          <p:cNvPr id="3" name="内容占位符 2"/>
+          <p:cNvSpPr>
+            <a:spLocks noGrp="1"/>
+          </p:cNvSpPr>
+          <p:nvPr>
+            <p:ph idx="1"/>
+          </p:nvPr>
+        </p:nvSpPr>
+        <p:spPr/>
+        <p:txBody>
+          <a:bodyPr/>
+          <a:lstStyle/>
+          <a:p>
+            <a:r>
+              <a:rPr lang="en-US" altLang="zh-CN" smtClean="0"/>
+              <a:t>type=checkbox</a:t>
+            </a:r>
+          </a:p>
+          <a:p>
+            <a:pPr marL="0" indent="0">
+              <a:buNone/>
+            </a:pPr>
+            <a:r>
+              <a:rPr lang="en-US" altLang="zh-CN"/>
+              <a:t>&lt;form&gt;</a:t>
+            </a:r>
+          </a:p>
+          <a:p>
+            <a:pPr marL="0" indent="0">
+              <a:buNone/>
+            </a:pPr>
+            <a:r>
+              <a:rPr lang="en-US" altLang="zh-CN"/>
+              <a:t>	&lt;input </a:t>
+            </a:r>
+            <a:r>
+              <a:rPr lang="en-US" altLang="zh-CN"/>
+              <a:t>type</a:t>
+            </a:r>
+            <a:r>
+              <a:rPr lang="en-US" altLang="zh-CN" smtClean="0"/>
+              <a:t>=“checkbox” </a:t>
+            </a:r>
+            <a:r>
+              <a:rPr lang="en-US" altLang="zh-CN"/>
+              <a:t>name</a:t>
+            </a:r>
+            <a:r>
+              <a:rPr lang="en-US" altLang="zh-CN" smtClean="0"/>
+              <a:t>=“hobby”&gt;</a:t>
+            </a:r>
+            <a:endParaRPr lang="en-US" altLang="zh-CN"/>
+          </a:p>
+          <a:p>
+            <a:pPr marL="0" indent="0">
+              <a:buNone/>
+            </a:pPr>
+            <a:r>
+              <a:rPr lang="en-US" altLang="zh-CN"/>
+              <a:t>	&lt;input </a:t>
+            </a:r>
+            <a:r>
+              <a:rPr lang="en-US" altLang="zh-CN"/>
+              <a:t>type</a:t>
+            </a:r>
+            <a:r>
+              <a:rPr lang="en-US" altLang="zh-CN" smtClean="0"/>
+              <a:t>=“checkbox” </a:t>
+            </a:r>
+            <a:r>
+              <a:rPr lang="en-US" altLang="zh-CN"/>
+              <a:t>name</a:t>
+            </a:r>
+            <a:r>
+              <a:rPr lang="en-US" altLang="zh-CN" smtClean="0"/>
+              <a:t>=“hobby”&gt;</a:t>
+            </a:r>
+            <a:endParaRPr lang="en-US" altLang="zh-CN"/>
+          </a:p>
+          <a:p>
+            <a:pPr marL="0" indent="0">
+              <a:buNone/>
+            </a:pPr>
+            <a:r>
+              <a:rPr lang="en-US" altLang="zh-CN"/>
+              <a:t>&lt;/form&gt;</a:t>
+            </a:r>
+          </a:p>
+          <a:p>
+            <a:endParaRPr lang="zh-CN" altLang="en-US"/>
+          </a:p>
+        </p:txBody>
+      </p:sp>
+    </p:spTree>
+    <p:extLst>
+      <p:ext uri="{BB962C8B-B14F-4D97-AF65-F5344CB8AC3E}">
+        <p14:creationId xmlns:p14="http://schemas.microsoft.com/office/powerpoint/2010/main" val="124944542"/>
       </p:ext>
     </p:extLst>
   </p:cSld>
